--- a/Presentation1.pptx
+++ b/Presentation1.pptx
@@ -6,12 +6,15 @@
   </p:sldMasterIdLst>
   <p:sldIdLst>
     <p:sldId id="256" r:id="rId2"/>
-    <p:sldId id="257" r:id="rId3"/>
-    <p:sldId id="258" r:id="rId4"/>
-    <p:sldId id="259" r:id="rId5"/>
-    <p:sldId id="260" r:id="rId6"/>
-    <p:sldId id="261" r:id="rId7"/>
-    <p:sldId id="262" r:id="rId8"/>
+    <p:sldId id="258" r:id="rId3"/>
+    <p:sldId id="260" r:id="rId4"/>
+    <p:sldId id="263" r:id="rId5"/>
+    <p:sldId id="264" r:id="rId6"/>
+    <p:sldId id="265" r:id="rId7"/>
+    <p:sldId id="266" r:id="rId8"/>
+    <p:sldId id="259" r:id="rId9"/>
+    <p:sldId id="261" r:id="rId10"/>
+    <p:sldId id="262" r:id="rId11"/>
   </p:sldIdLst>
   <p:sldSz cx="12192000" cy="6858000"/>
   <p:notesSz cx="6858000" cy="9144000"/>
@@ -110,6 +113,11 @@
       </a:defRPr>
     </a:lvl9pPr>
   </p:defaultTextStyle>
+  <p:extLst>
+    <p:ext uri="{EFAFB233-063F-42B5-8137-9DF3F51BA10A}">
+      <p15:sldGuideLst xmlns:p15="http://schemas.microsoft.com/office/powerpoint/2012/main"/>
+    </p:ext>
+  </p:extLst>
 </p:presentation>
 </file>
 
@@ -316,7 +324,7 @@
           <a:p>
             <a:fld id="{C0877FF1-881A-2643-999B-8EF12BB238F0}" type="slidenum">
               <a:rPr lang="fr-FR" smtClean="0"/>
-              <a:t>‹#›</a:t>
+              <a:t>‹N°›</a:t>
             </a:fld>
             <a:endParaRPr lang="fr-FR"/>
           </a:p>
@@ -516,7 +524,7 @@
           <a:p>
             <a:fld id="{C0877FF1-881A-2643-999B-8EF12BB238F0}" type="slidenum">
               <a:rPr lang="fr-FR" smtClean="0"/>
-              <a:t>‹#›</a:t>
+              <a:t>‹N°›</a:t>
             </a:fld>
             <a:endParaRPr lang="fr-FR"/>
           </a:p>
@@ -726,7 +734,7 @@
           <a:p>
             <a:fld id="{C0877FF1-881A-2643-999B-8EF12BB238F0}" type="slidenum">
               <a:rPr lang="fr-FR" smtClean="0"/>
-              <a:t>‹#›</a:t>
+              <a:t>‹N°›</a:t>
             </a:fld>
             <a:endParaRPr lang="fr-FR"/>
           </a:p>
@@ -926,7 +934,7 @@
           <a:p>
             <a:fld id="{C0877FF1-881A-2643-999B-8EF12BB238F0}" type="slidenum">
               <a:rPr lang="fr-FR" smtClean="0"/>
-              <a:t>‹#›</a:t>
+              <a:t>‹N°›</a:t>
             </a:fld>
             <a:endParaRPr lang="fr-FR"/>
           </a:p>
@@ -1202,7 +1210,7 @@
           <a:p>
             <a:fld id="{C0877FF1-881A-2643-999B-8EF12BB238F0}" type="slidenum">
               <a:rPr lang="fr-FR" smtClean="0"/>
-              <a:t>‹#›</a:t>
+              <a:t>‹N°›</a:t>
             </a:fld>
             <a:endParaRPr lang="fr-FR"/>
           </a:p>
@@ -1470,7 +1478,7 @@
           <a:p>
             <a:fld id="{C0877FF1-881A-2643-999B-8EF12BB238F0}" type="slidenum">
               <a:rPr lang="fr-FR" smtClean="0"/>
-              <a:t>‹#›</a:t>
+              <a:t>‹N°›</a:t>
             </a:fld>
             <a:endParaRPr lang="fr-FR"/>
           </a:p>
@@ -1885,7 +1893,7 @@
           <a:p>
             <a:fld id="{C0877FF1-881A-2643-999B-8EF12BB238F0}" type="slidenum">
               <a:rPr lang="fr-FR" smtClean="0"/>
-              <a:t>‹#›</a:t>
+              <a:t>‹N°›</a:t>
             </a:fld>
             <a:endParaRPr lang="fr-FR"/>
           </a:p>
@@ -2027,7 +2035,7 @@
           <a:p>
             <a:fld id="{C0877FF1-881A-2643-999B-8EF12BB238F0}" type="slidenum">
               <a:rPr lang="fr-FR" smtClean="0"/>
-              <a:t>‹#›</a:t>
+              <a:t>‹N°›</a:t>
             </a:fld>
             <a:endParaRPr lang="fr-FR"/>
           </a:p>
@@ -2140,7 +2148,7 @@
           <a:p>
             <a:fld id="{C0877FF1-881A-2643-999B-8EF12BB238F0}" type="slidenum">
               <a:rPr lang="fr-FR" smtClean="0"/>
-              <a:t>‹#›</a:t>
+              <a:t>‹N°›</a:t>
             </a:fld>
             <a:endParaRPr lang="fr-FR"/>
           </a:p>
@@ -2453,7 +2461,7 @@
           <a:p>
             <a:fld id="{C0877FF1-881A-2643-999B-8EF12BB238F0}" type="slidenum">
               <a:rPr lang="fr-FR" smtClean="0"/>
-              <a:t>‹#›</a:t>
+              <a:t>‹N°›</a:t>
             </a:fld>
             <a:endParaRPr lang="fr-FR"/>
           </a:p>
@@ -2742,7 +2750,7 @@
           <a:p>
             <a:fld id="{C0877FF1-881A-2643-999B-8EF12BB238F0}" type="slidenum">
               <a:rPr lang="fr-FR" smtClean="0"/>
-              <a:t>‹#›</a:t>
+              <a:t>‹N°›</a:t>
             </a:fld>
             <a:endParaRPr lang="fr-FR"/>
           </a:p>
@@ -3021,7 +3029,7 @@
           <a:p>
             <a:fld id="{C0877FF1-881A-2643-999B-8EF12BB238F0}" type="slidenum">
               <a:rPr lang="fr-FR" smtClean="0"/>
-              <a:t>‹#›</a:t>
+              <a:t>‹N°›</a:t>
             </a:fld>
             <a:endParaRPr lang="fr-FR"/>
           </a:p>
@@ -3364,7 +3372,12 @@
             <p:ph type="ctrTitle"/>
           </p:nvPr>
         </p:nvSpPr>
-        <p:spPr/>
+        <p:spPr>
+          <a:xfrm>
+            <a:off x="1524000" y="691116"/>
+            <a:ext cx="9144000" cy="2387600"/>
+          </a:xfrm>
+        </p:spPr>
         <p:txBody>
           <a:bodyPr/>
           <a:lstStyle/>
@@ -3400,10 +3413,15 @@
             <p:ph type="subTitle" idx="1"/>
           </p:nvPr>
         </p:nvSpPr>
-        <p:spPr/>
+        <p:spPr>
+          <a:xfrm>
+            <a:off x="1523999" y="3306726"/>
+            <a:ext cx="9576391" cy="3009014"/>
+          </a:xfrm>
+        </p:spPr>
         <p:txBody>
           <a:bodyPr>
-            <a:normAutofit lnSpcReduction="10000"/>
+            <a:normAutofit fontScale="92500"/>
           </a:bodyPr>
           <a:lstStyle/>
           <a:p>
@@ -3437,6 +3455,42 @@
             <a:r>
               <a:rPr lang="fr-FR" dirty="0"/>
               <a:t>17 April 2023</a:t>
+            </a:r>
+          </a:p>
+          <a:p>
+            <a:endParaRPr lang="fr-FR" dirty="0"/>
+          </a:p>
+          <a:p>
+            <a:endParaRPr lang="fr-FR" dirty="0"/>
+          </a:p>
+          <a:p>
+            <a:r>
+              <a:rPr lang="fr-FR" dirty="0"/>
+              <a:t>				By: the </a:t>
+            </a:r>
+            <a:r>
+              <a:rPr lang="fr-FR" dirty="0" err="1"/>
+              <a:t>hung-ry</a:t>
+            </a:r>
+            <a:r>
+              <a:rPr lang="fr-FR" dirty="0"/>
+              <a:t> </a:t>
+            </a:r>
+            <a:r>
+              <a:rPr lang="fr-FR" dirty="0" err="1"/>
+              <a:t>analysts</a:t>
+            </a:r>
+            <a:r>
+              <a:rPr lang="fr-FR" dirty="0"/>
+              <a:t> (</a:t>
+            </a:r>
+            <a:r>
+              <a:rPr lang="fr-FR" dirty="0" err="1"/>
+              <a:t>Jamyang</a:t>
+            </a:r>
+            <a:r>
+              <a:rPr lang="fr-FR" dirty="0"/>
+              <a:t>, Louis, Tatiana)</a:t>
             </a:r>
           </a:p>
         </p:txBody>
@@ -3445,6 +3499,145 @@
     <p:extLst>
       <p:ext uri="{BB962C8B-B14F-4D97-AF65-F5344CB8AC3E}">
         <p14:creationId xmlns:p14="http://schemas.microsoft.com/office/powerpoint/2010/main" val="1339328285"/>
+      </p:ext>
+    </p:extLst>
+  </p:cSld>
+  <p:clrMapOvr>
+    <a:masterClrMapping/>
+  </p:clrMapOvr>
+</p:sld>
+</file>
+
+<file path=ppt/slides/slide10.xml><?xml version="1.0" encoding="utf-8"?>
+<p:sld xmlns:a="http://schemas.openxmlformats.org/drawingml/2006/main" xmlns:r="http://schemas.openxmlformats.org/officeDocument/2006/relationships" xmlns:p="http://schemas.openxmlformats.org/presentationml/2006/main">
+  <p:cSld>
+    <p:spTree>
+      <p:nvGrpSpPr>
+        <p:cNvPr id="1" name=""/>
+        <p:cNvGrpSpPr/>
+        <p:nvPr/>
+      </p:nvGrpSpPr>
+      <p:grpSpPr>
+        <a:xfrm>
+          <a:off x="0" y="0"/>
+          <a:ext cx="0" cy="0"/>
+          <a:chOff x="0" y="0"/>
+          <a:chExt cx="0" cy="0"/>
+        </a:xfrm>
+      </p:grpSpPr>
+      <p:sp>
+        <p:nvSpPr>
+          <p:cNvPr id="3" name="Content Placeholder 2">
+            <a:extLst>
+              <a:ext uri="{FF2B5EF4-FFF2-40B4-BE49-F238E27FC236}">
+                <a16:creationId xmlns:a16="http://schemas.microsoft.com/office/drawing/2014/main" id="{37AED402-B90E-5340-9283-DDFE7AC9A294}"/>
+              </a:ext>
+            </a:extLst>
+          </p:cNvPr>
+          <p:cNvSpPr>
+            <a:spLocks noGrp="1"/>
+          </p:cNvSpPr>
+          <p:nvPr>
+            <p:ph idx="1"/>
+          </p:nvPr>
+        </p:nvSpPr>
+        <p:spPr>
+          <a:xfrm>
+            <a:off x="838200" y="1168271"/>
+            <a:ext cx="10515600" cy="4351338"/>
+          </a:xfrm>
+        </p:spPr>
+        <p:txBody>
+          <a:bodyPr/>
+          <a:lstStyle/>
+          <a:p>
+            <a:pPr marL="0" indent="0" algn="ctr">
+              <a:buNone/>
+            </a:pPr>
+            <a:r>
+              <a:rPr lang="fr-FR" sz="8000" dirty="0" err="1"/>
+              <a:t>Want</a:t>
+            </a:r>
+            <a:r>
+              <a:rPr lang="fr-FR" sz="8000" dirty="0"/>
+              <a:t> to </a:t>
+            </a:r>
+            <a:r>
+              <a:rPr lang="fr-FR" sz="8000" dirty="0" err="1"/>
+              <a:t>give</a:t>
+            </a:r>
+            <a:r>
+              <a:rPr lang="fr-FR" sz="8000" dirty="0"/>
+              <a:t> </a:t>
+            </a:r>
+            <a:r>
+              <a:rPr lang="fr-FR" sz="8000" dirty="0" err="1"/>
+              <a:t>it</a:t>
+            </a:r>
+            <a:r>
+              <a:rPr lang="fr-FR" sz="8000" dirty="0"/>
+              <a:t> a </a:t>
+            </a:r>
+            <a:r>
+              <a:rPr lang="fr-FR" sz="8000" dirty="0" err="1"/>
+              <a:t>try</a:t>
+            </a:r>
+            <a:r>
+              <a:rPr lang="fr-FR" sz="8000" dirty="0"/>
+              <a:t> </a:t>
+            </a:r>
+            <a:r>
+              <a:rPr lang="fr-FR" sz="8000" dirty="0" err="1"/>
+              <a:t>it</a:t>
+            </a:r>
+            <a:r>
+              <a:rPr lang="fr-FR" sz="8000" dirty="0"/>
+              <a:t> ?</a:t>
+            </a:r>
+            <a:endParaRPr lang="fr-FR" sz="5400" dirty="0">
+              <a:hlinkClick r:id="rId2"/>
+            </a:endParaRPr>
+          </a:p>
+          <a:p>
+            <a:pPr marL="0" indent="0" algn="ctr">
+              <a:buNone/>
+            </a:pPr>
+            <a:endParaRPr lang="fr-FR" sz="5400" dirty="0">
+              <a:hlinkClick r:id="rId2"/>
+            </a:endParaRPr>
+          </a:p>
+          <a:p>
+            <a:pPr marL="0" indent="0" algn="ctr">
+              <a:buNone/>
+            </a:pPr>
+            <a:endParaRPr lang="fr-FR" sz="5400" dirty="0">
+              <a:hlinkClick r:id="rId2"/>
+            </a:endParaRPr>
+          </a:p>
+          <a:p>
+            <a:pPr marL="0" indent="0" algn="ctr">
+              <a:buNone/>
+            </a:pPr>
+            <a:r>
+              <a:rPr lang="fr-FR" sz="5400" dirty="0">
+                <a:hlinkClick r:id="rId2"/>
+              </a:rPr>
+              <a:t>DEMO TIME ! </a:t>
+            </a:r>
+            <a:endParaRPr lang="fr-FR" sz="5400" dirty="0"/>
+          </a:p>
+          <a:p>
+            <a:pPr marL="0" indent="0">
+              <a:buNone/>
+            </a:pPr>
+            <a:endParaRPr lang="fr-FR" dirty="0"/>
+          </a:p>
+        </p:txBody>
+      </p:sp>
+    </p:spTree>
+    <p:extLst>
+      <p:ext uri="{BB962C8B-B14F-4D97-AF65-F5344CB8AC3E}">
+        <p14:creationId xmlns:p14="http://schemas.microsoft.com/office/powerpoint/2010/main" val="3941300787"/>
       </p:ext>
     </p:extLst>
   </p:cSld>
@@ -3476,7 +3669,7 @@
           <p:cNvPr id="2" name="Title 1">
             <a:extLst>
               <a:ext uri="{FF2B5EF4-FFF2-40B4-BE49-F238E27FC236}">
-                <a16:creationId xmlns:a16="http://schemas.microsoft.com/office/drawing/2014/main" id="{1368F2C1-87EE-BE44-9D5A-A5022AA835AC}"/>
+                <a16:creationId xmlns:a16="http://schemas.microsoft.com/office/drawing/2014/main" id="{23FD7EEC-3707-724D-8AC9-20C9693E525F}"/>
               </a:ext>
             </a:extLst>
           </p:cNvPr>
@@ -3493,60 +3686,262 @@
           <a:lstStyle/>
           <a:p>
             <a:r>
+              <a:rPr lang="fr-FR" dirty="0"/>
+              <a:t>Description of the </a:t>
+            </a:r>
+            <a:r>
               <a:rPr lang="fr-FR" dirty="0" err="1"/>
-              <a:t>Meet</a:t>
+              <a:t>game</a:t>
+            </a:r>
+            <a:endParaRPr lang="fr-FR" dirty="0"/>
+          </a:p>
+        </p:txBody>
+      </p:sp>
+      <p:sp>
+        <p:nvSpPr>
+          <p:cNvPr id="3" name="Content Placeholder 2">
+            <a:extLst>
+              <a:ext uri="{FF2B5EF4-FFF2-40B4-BE49-F238E27FC236}">
+                <a16:creationId xmlns:a16="http://schemas.microsoft.com/office/drawing/2014/main" id="{A0BBE70A-5B0A-D149-A451-CBFB855531BB}"/>
+              </a:ext>
+            </a:extLst>
+          </p:cNvPr>
+          <p:cNvSpPr>
+            <a:spLocks noGrp="1"/>
+          </p:cNvSpPr>
+          <p:nvPr>
+            <p:ph idx="1"/>
+          </p:nvPr>
+        </p:nvSpPr>
+        <p:spPr/>
+        <p:txBody>
+          <a:bodyPr/>
+          <a:lstStyle/>
+          <a:p>
+            <a:r>
+              <a:rPr lang="fr-FR" dirty="0">
+                <a:latin typeface="-apple-system"/>
+              </a:rPr>
+              <a:t>B</a:t>
+            </a:r>
+            <a:r>
+              <a:rPr lang="fr-FR" b="0" i="0" u="none" strike="noStrike" dirty="0">
+                <a:effectLst/>
+                <a:latin typeface="-apple-system"/>
+              </a:rPr>
+              <a:t>asic </a:t>
+            </a:r>
+            <a:r>
+              <a:rPr lang="fr-FR" b="0" i="0" u="none" strike="noStrike" dirty="0" err="1">
+                <a:effectLst/>
+                <a:latin typeface="-apple-system"/>
+              </a:rPr>
+              <a:t>principle</a:t>
+            </a:r>
+            <a:r>
+              <a:rPr lang="fr-FR" b="0" i="0" u="none" strike="noStrike" dirty="0">
+                <a:effectLst/>
+                <a:latin typeface="-apple-system"/>
+              </a:rPr>
+              <a:t> : the user has to </a:t>
+            </a:r>
+            <a:r>
+              <a:rPr lang="fr-FR" b="0" i="0" u="none" strike="noStrike" dirty="0" err="1">
+                <a:effectLst/>
+                <a:latin typeface="-apple-system"/>
+              </a:rPr>
+              <a:t>guess</a:t>
+            </a:r>
+            <a:r>
+              <a:rPr lang="fr-FR" b="0" i="0" u="none" strike="noStrike" dirty="0">
+                <a:effectLst/>
+                <a:latin typeface="-apple-system"/>
+              </a:rPr>
+              <a:t> all the </a:t>
+            </a:r>
+            <a:r>
+              <a:rPr lang="fr-FR" b="0" i="0" u="none" strike="noStrike" dirty="0" err="1">
+                <a:effectLst/>
+                <a:latin typeface="-apple-system"/>
+              </a:rPr>
+              <a:t>letters</a:t>
+            </a:r>
+            <a:r>
+              <a:rPr lang="fr-FR" b="0" i="0" u="none" strike="noStrike" dirty="0">
+                <a:effectLst/>
+                <a:latin typeface="-apple-system"/>
+              </a:rPr>
+              <a:t> of a </a:t>
+            </a:r>
+            <a:r>
+              <a:rPr lang="fr-FR" b="0" i="0" u="none" strike="noStrike" dirty="0" err="1">
+                <a:effectLst/>
+                <a:latin typeface="-apple-system"/>
+              </a:rPr>
+              <a:t>word</a:t>
+            </a:r>
+            <a:r>
+              <a:rPr lang="fr-FR" dirty="0">
+                <a:latin typeface="-apple-system"/>
+              </a:rPr>
+              <a:t> to </a:t>
+            </a:r>
+            <a:r>
+              <a:rPr lang="fr-FR" dirty="0" err="1">
+                <a:latin typeface="-apple-system"/>
+              </a:rPr>
+              <a:t>win</a:t>
+            </a:r>
+            <a:r>
+              <a:rPr lang="fr-FR" dirty="0">
+                <a:latin typeface="-apple-system"/>
+              </a:rPr>
+              <a:t>.</a:t>
+            </a:r>
+            <a:r>
+              <a:rPr lang="fr-FR" b="0" i="0" u="none" strike="noStrike" dirty="0">
+                <a:effectLst/>
+                <a:latin typeface="-apple-system"/>
+              </a:rPr>
+              <a:t> </a:t>
+            </a:r>
+            <a:r>
+              <a:rPr lang="fr-FR" b="0" i="0" u="none" strike="noStrike" dirty="0" err="1">
+                <a:effectLst/>
+                <a:latin typeface="-apple-system"/>
+              </a:rPr>
+              <a:t>However</a:t>
+            </a:r>
+            <a:r>
+              <a:rPr lang="fr-FR" b="0" i="0" u="none" strike="noStrike" dirty="0">
+                <a:effectLst/>
+                <a:latin typeface="-apple-system"/>
+              </a:rPr>
+              <a:t>, </a:t>
+            </a:r>
+            <a:r>
+              <a:rPr lang="fr-FR" b="0" i="0" u="none" strike="noStrike" dirty="0" err="1">
+                <a:effectLst/>
+                <a:latin typeface="-apple-system"/>
+              </a:rPr>
+              <a:t>there</a:t>
+            </a:r>
+            <a:r>
+              <a:rPr lang="fr-FR" b="0" i="0" u="none" strike="noStrike" dirty="0">
+                <a:effectLst/>
+                <a:latin typeface="-apple-system"/>
+              </a:rPr>
+              <a:t> are a </a:t>
+            </a:r>
+            <a:r>
+              <a:rPr lang="fr-FR" b="0" i="0" u="none" strike="noStrike" dirty="0" err="1">
+                <a:effectLst/>
+                <a:latin typeface="-apple-system"/>
+              </a:rPr>
+              <a:t>limited</a:t>
+            </a:r>
+            <a:r>
+              <a:rPr lang="fr-FR" b="0" i="0" u="none" strike="noStrike" dirty="0">
+                <a:effectLst/>
+                <a:latin typeface="-apple-system"/>
+              </a:rPr>
+              <a:t> </a:t>
+            </a:r>
+            <a:r>
+              <a:rPr lang="fr-FR" b="0" i="0" u="none" strike="noStrike" dirty="0" err="1">
+                <a:effectLst/>
+                <a:latin typeface="-apple-system"/>
+              </a:rPr>
+              <a:t>number</a:t>
+            </a:r>
+            <a:r>
+              <a:rPr lang="fr-FR" b="0" i="0" u="none" strike="noStrike" dirty="0">
+                <a:effectLst/>
+                <a:latin typeface="-apple-system"/>
+              </a:rPr>
+              <a:t> of </a:t>
+            </a:r>
+            <a:r>
+              <a:rPr lang="fr-FR" b="0" i="0" u="none" strike="noStrike" dirty="0" err="1">
+                <a:effectLst/>
+                <a:latin typeface="-apple-system"/>
+              </a:rPr>
+              <a:t>guesses</a:t>
+            </a:r>
+            <a:r>
+              <a:rPr lang="fr-FR" b="0" i="0" u="none" strike="noStrike" dirty="0">
+                <a:effectLst/>
+                <a:latin typeface="-apple-system"/>
+              </a:rPr>
+              <a:t> </a:t>
+            </a:r>
+            <a:r>
+              <a:rPr lang="fr-FR" b="0" i="0" u="none" strike="noStrike" dirty="0" err="1">
+                <a:effectLst/>
+                <a:latin typeface="-apple-system"/>
+              </a:rPr>
+              <a:t>before</a:t>
+            </a:r>
+            <a:r>
+              <a:rPr lang="fr-FR" b="0" i="0" u="none" strike="noStrike" dirty="0">
+                <a:effectLst/>
+                <a:latin typeface="-apple-system"/>
+              </a:rPr>
+              <a:t> the user </a:t>
+            </a:r>
+            <a:r>
+              <a:rPr lang="fr-FR" b="0" i="0" u="none" strike="noStrike" dirty="0" err="1">
+                <a:effectLst/>
+                <a:latin typeface="-apple-system"/>
+              </a:rPr>
+              <a:t>is</a:t>
+            </a:r>
+            <a:r>
+              <a:rPr lang="fr-FR" b="0" i="0" u="none" strike="noStrike" dirty="0">
+                <a:effectLst/>
+                <a:latin typeface="-apple-system"/>
+              </a:rPr>
+              <a:t>...</a:t>
+            </a:r>
+            <a:r>
+              <a:rPr lang="fr-FR" b="0" i="0" u="none" strike="noStrike" dirty="0" err="1">
+                <a:effectLst/>
+                <a:latin typeface="-apple-system"/>
+              </a:rPr>
+              <a:t>hung</a:t>
+            </a:r>
+            <a:r>
+              <a:rPr lang="fr-FR" b="0" i="0" u="none" strike="noStrike" dirty="0">
+                <a:effectLst/>
+                <a:latin typeface="-apple-system"/>
+              </a:rPr>
+              <a:t>.</a:t>
+            </a:r>
+          </a:p>
+          <a:p>
+            <a:pPr marL="0" indent="0">
+              <a:buNone/>
+            </a:pPr>
+            <a:endParaRPr lang="fr-FR" dirty="0"/>
+          </a:p>
+          <a:p>
+            <a:r>
+              <a:rPr lang="fr-FR" dirty="0" err="1"/>
+              <a:t>We</a:t>
             </a:r>
             <a:r>
               <a:rPr lang="fr-FR" dirty="0"/>
-              <a:t> the team : </a:t>
+              <a:t> chose a more inclusive </a:t>
             </a:r>
             <a:r>
               <a:rPr lang="fr-FR" dirty="0" err="1"/>
-              <a:t>we</a:t>
-            </a:r>
-            <a:r>
-              <a:rPr lang="fr-FR" dirty="0"/>
-              <a:t> are the </a:t>
-            </a:r>
-            <a:r>
-              <a:rPr lang="fr-FR" dirty="0" err="1"/>
-              <a:t>hung-ry</a:t>
+              <a:t>name</a:t>
             </a:r>
             <a:r>
               <a:rPr lang="fr-FR" dirty="0"/>
               <a:t> </a:t>
             </a:r>
-            <a:r>
-              <a:rPr lang="fr-FR" dirty="0" err="1"/>
-              <a:t>analysts</a:t>
-            </a:r>
-            <a:r>
-              <a:rPr lang="fr-FR" dirty="0"/>
-              <a:t> !</a:t>
-            </a:r>
-          </a:p>
-        </p:txBody>
-      </p:sp>
-      <p:sp>
-        <p:nvSpPr>
-          <p:cNvPr id="3" name="Content Placeholder 2">
-            <a:extLst>
-              <a:ext uri="{FF2B5EF4-FFF2-40B4-BE49-F238E27FC236}">
-                <a16:creationId xmlns:a16="http://schemas.microsoft.com/office/drawing/2014/main" id="{2C35E514-4225-1840-BD41-3081A120589B}"/>
-              </a:ext>
-            </a:extLst>
-          </p:cNvPr>
-          <p:cNvSpPr>
-            <a:spLocks noGrp="1"/>
-          </p:cNvSpPr>
-          <p:nvPr>
-            <p:ph idx="1"/>
-          </p:nvPr>
-        </p:nvSpPr>
-        <p:spPr/>
-        <p:txBody>
-          <a:bodyPr/>
-          <a:lstStyle/>
+          </a:p>
           <a:p>
             <a:pPr marL="0" indent="0">
               <a:buNone/>
@@ -3558,7 +3953,7 @@
     </p:spTree>
     <p:extLst>
       <p:ext uri="{BB962C8B-B14F-4D97-AF65-F5344CB8AC3E}">
-        <p14:creationId xmlns:p14="http://schemas.microsoft.com/office/powerpoint/2010/main" val="811205965"/>
+        <p14:creationId xmlns:p14="http://schemas.microsoft.com/office/powerpoint/2010/main" val="6789904"/>
       </p:ext>
     </p:extLst>
   </p:cSld>
@@ -3569,6 +3964,2429 @@
 </file>
 
 <file path=ppt/slides/slide3.xml><?xml version="1.0" encoding="utf-8"?>
+<p:sld xmlns:a="http://schemas.openxmlformats.org/drawingml/2006/main" xmlns:r="http://schemas.openxmlformats.org/officeDocument/2006/relationships" xmlns:p="http://schemas.openxmlformats.org/presentationml/2006/main">
+  <p:cSld>
+    <p:bg>
+      <p:bgPr>
+        <a:solidFill>
+          <a:schemeClr val="bg1"/>
+        </a:solidFill>
+        <a:effectLst/>
+      </p:bgPr>
+    </p:bg>
+    <p:spTree>
+      <p:nvGrpSpPr>
+        <p:cNvPr id="1" name=""/>
+        <p:cNvGrpSpPr/>
+        <p:nvPr/>
+      </p:nvGrpSpPr>
+      <p:grpSpPr>
+        <a:xfrm>
+          <a:off x="0" y="0"/>
+          <a:ext cx="0" cy="0"/>
+          <a:chOff x="0" y="0"/>
+          <a:chExt cx="0" cy="0"/>
+        </a:xfrm>
+      </p:grpSpPr>
+      <p:sp useBgFill="1">
+        <p:nvSpPr>
+          <p:cNvPr id="15" name="Rectangle 14">
+            <a:extLst>
+              <a:ext uri="{FF2B5EF4-FFF2-40B4-BE49-F238E27FC236}">
+                <a16:creationId xmlns:a16="http://schemas.microsoft.com/office/drawing/2014/main" id="{081EA652-8C6A-4E69-BEB9-170809474553}"/>
+              </a:ext>
+              <a:ext uri="{C183D7F6-B498-43B3-948B-1728B52AA6E4}">
+                <adec:decorative xmlns:adec="http://schemas.microsoft.com/office/drawing/2017/decorative" val="1"/>
+              </a:ext>
+            </a:extLst>
+          </p:cNvPr>
+          <p:cNvSpPr>
+            <a:spLocks noGrp="1" noRot="1" noChangeAspect="1" noMove="1" noResize="1" noEditPoints="1" noAdjustHandles="1" noChangeArrowheads="1" noChangeShapeType="1" noTextEdit="1"/>
+          </p:cNvSpPr>
+          <p:nvPr>
+            <p:extLst>
+              <p:ext uri="{386F3935-93C4-4BCD-93E2-E3B085C9AB24}">
+                <p16:designElem xmlns:p16="http://schemas.microsoft.com/office/powerpoint/2015/main" val="1"/>
+              </p:ext>
+            </p:extLst>
+          </p:nvPr>
+        </p:nvSpPr>
+        <p:spPr>
+          <a:xfrm>
+            <a:off x="0" y="0"/>
+            <a:ext cx="12192000" cy="6858000"/>
+          </a:xfrm>
+          <a:prstGeom prst="rect">
+            <a:avLst/>
+          </a:prstGeom>
+          <a:ln>
+            <a:noFill/>
+          </a:ln>
+        </p:spPr>
+        <p:style>
+          <a:lnRef idx="2">
+            <a:schemeClr val="accent1">
+              <a:shade val="50000"/>
+            </a:schemeClr>
+          </a:lnRef>
+          <a:fillRef idx="1">
+            <a:schemeClr val="accent1"/>
+          </a:fillRef>
+          <a:effectRef idx="0">
+            <a:schemeClr val="accent1"/>
+          </a:effectRef>
+          <a:fontRef idx="minor">
+            <a:schemeClr val="lt1"/>
+          </a:fontRef>
+        </p:style>
+        <p:txBody>
+          <a:bodyPr rtlCol="0" anchor="ctr"/>
+          <a:lstStyle/>
+          <a:p>
+            <a:pPr algn="ctr"/>
+            <a:endParaRPr lang="en-US"/>
+          </a:p>
+        </p:txBody>
+      </p:sp>
+      <p:sp>
+        <p:nvSpPr>
+          <p:cNvPr id="17" name="Right Triangle 16">
+            <a:extLst>
+              <a:ext uri="{FF2B5EF4-FFF2-40B4-BE49-F238E27FC236}">
+                <a16:creationId xmlns:a16="http://schemas.microsoft.com/office/drawing/2014/main" id="{5298780A-33B9-4EA2-8F67-DE68AD62841B}"/>
+              </a:ext>
+              <a:ext uri="{C183D7F6-B498-43B3-948B-1728B52AA6E4}">
+                <adec:decorative xmlns:adec="http://schemas.microsoft.com/office/drawing/2017/decorative" val="1"/>
+              </a:ext>
+            </a:extLst>
+          </p:cNvPr>
+          <p:cNvSpPr>
+            <a:spLocks noGrp="1" noRot="1" noChangeAspect="1" noMove="1" noResize="1" noEditPoints="1" noAdjustHandles="1" noChangeArrowheads="1" noChangeShapeType="1" noTextEdit="1"/>
+          </p:cNvSpPr>
+          <p:nvPr>
+            <p:extLst>
+              <p:ext uri="{386F3935-93C4-4BCD-93E2-E3B085C9AB24}">
+                <p16:designElem xmlns:p16="http://schemas.microsoft.com/office/powerpoint/2015/main" val="1"/>
+              </p:ext>
+            </p:extLst>
+          </p:nvPr>
+        </p:nvSpPr>
+        <p:spPr>
+          <a:xfrm flipH="1">
+            <a:off x="8576720" y="3335867"/>
+            <a:ext cx="3291840" cy="3200400"/>
+          </a:xfrm>
+          <a:prstGeom prst="rtTriangle">
+            <a:avLst/>
+          </a:prstGeom>
+          <a:solidFill>
+            <a:schemeClr val="accent4"/>
+          </a:solidFill>
+          <a:ln>
+            <a:noFill/>
+          </a:ln>
+        </p:spPr>
+        <p:style>
+          <a:lnRef idx="2">
+            <a:schemeClr val="accent1">
+              <a:shade val="50000"/>
+            </a:schemeClr>
+          </a:lnRef>
+          <a:fillRef idx="1">
+            <a:schemeClr val="accent1"/>
+          </a:fillRef>
+          <a:effectRef idx="0">
+            <a:schemeClr val="accent1"/>
+          </a:effectRef>
+          <a:fontRef idx="minor">
+            <a:schemeClr val="lt1"/>
+          </a:fontRef>
+        </p:style>
+        <p:txBody>
+          <a:bodyPr rtlCol="0" anchor="ctr"/>
+          <a:lstStyle/>
+          <a:p>
+            <a:pPr algn="ctr"/>
+            <a:endParaRPr lang="en-US" dirty="0"/>
+          </a:p>
+        </p:txBody>
+      </p:sp>
+      <p:sp>
+        <p:nvSpPr>
+          <p:cNvPr id="19" name="Rectangle 18">
+            <a:extLst>
+              <a:ext uri="{FF2B5EF4-FFF2-40B4-BE49-F238E27FC236}">
+                <a16:creationId xmlns:a16="http://schemas.microsoft.com/office/drawing/2014/main" id="{7F488E8B-4E1E-4402-8935-D4E6C02615C7}"/>
+              </a:ext>
+              <a:ext uri="{C183D7F6-B498-43B3-948B-1728B52AA6E4}">
+                <adec:decorative xmlns:adec="http://schemas.microsoft.com/office/drawing/2017/decorative" val="1"/>
+              </a:ext>
+            </a:extLst>
+          </p:cNvPr>
+          <p:cNvSpPr>
+            <a:spLocks noGrp="1" noRot="1" noChangeAspect="1" noMove="1" noResize="1" noEditPoints="1" noAdjustHandles="1" noChangeArrowheads="1" noChangeShapeType="1" noTextEdit="1"/>
+          </p:cNvSpPr>
+          <p:nvPr>
+            <p:extLst>
+              <p:ext uri="{386F3935-93C4-4BCD-93E2-E3B085C9AB24}">
+                <p16:designElem xmlns:p16="http://schemas.microsoft.com/office/powerpoint/2015/main" val="1"/>
+              </p:ext>
+            </p:extLst>
+          </p:nvPr>
+        </p:nvSpPr>
+        <p:spPr>
+          <a:xfrm>
+            <a:off x="641774" y="623275"/>
+            <a:ext cx="10905053" cy="5607882"/>
+          </a:xfrm>
+          <a:prstGeom prst="rect">
+            <a:avLst/>
+          </a:prstGeom>
+          <a:noFill/>
+          <a:ln w="19050">
+            <a:solidFill>
+              <a:schemeClr val="tx1">
+                <a:lumMod val="75000"/>
+                <a:lumOff val="25000"/>
+              </a:schemeClr>
+            </a:solidFill>
+          </a:ln>
+        </p:spPr>
+        <p:style>
+          <a:lnRef idx="2">
+            <a:schemeClr val="accent1">
+              <a:shade val="50000"/>
+            </a:schemeClr>
+          </a:lnRef>
+          <a:fillRef idx="1">
+            <a:schemeClr val="accent1"/>
+          </a:fillRef>
+          <a:effectRef idx="0">
+            <a:schemeClr val="accent1"/>
+          </a:effectRef>
+          <a:fontRef idx="minor">
+            <a:schemeClr val="lt1"/>
+          </a:fontRef>
+        </p:style>
+        <p:txBody>
+          <a:bodyPr rtlCol="0" anchor="ctr"/>
+          <a:lstStyle/>
+          <a:p>
+            <a:pPr algn="ctr"/>
+            <a:endParaRPr lang="en-US"/>
+          </a:p>
+        </p:txBody>
+      </p:sp>
+      <p:sp>
+        <p:nvSpPr>
+          <p:cNvPr id="2" name="Title 1">
+            <a:extLst>
+              <a:ext uri="{FF2B5EF4-FFF2-40B4-BE49-F238E27FC236}">
+                <a16:creationId xmlns:a16="http://schemas.microsoft.com/office/drawing/2014/main" id="{0E704E43-9779-6E4D-AEEB-C10FC0ACFEAC}"/>
+              </a:ext>
+            </a:extLst>
+          </p:cNvPr>
+          <p:cNvSpPr>
+            <a:spLocks noGrp="1"/>
+          </p:cNvSpPr>
+          <p:nvPr>
+            <p:ph type="title"/>
+          </p:nvPr>
+        </p:nvSpPr>
+        <p:spPr>
+          <a:xfrm>
+            <a:off x="1075766" y="1188637"/>
+            <a:ext cx="3291833" cy="1994830"/>
+          </a:xfrm>
+        </p:spPr>
+        <p:txBody>
+          <a:bodyPr>
+            <a:normAutofit/>
+          </a:bodyPr>
+          <a:lstStyle/>
+          <a:p>
+            <a:pPr algn="r"/>
+            <a:r>
+              <a:rPr lang="fr-FR" sz="4000" dirty="0"/>
+              <a:t>Our process in 3 </a:t>
+            </a:r>
+            <a:r>
+              <a:rPr lang="fr-FR" sz="4000" dirty="0" err="1"/>
+              <a:t>steps</a:t>
+            </a:r>
+            <a:r>
+              <a:rPr lang="fr-FR" sz="4000" dirty="0"/>
+              <a:t> : </a:t>
+            </a:r>
+          </a:p>
+        </p:txBody>
+      </p:sp>
+      <p:cxnSp>
+        <p:nvCxnSpPr>
+          <p:cNvPr id="21" name="Straight Connector 20">
+            <a:extLst>
+              <a:ext uri="{FF2B5EF4-FFF2-40B4-BE49-F238E27FC236}">
+                <a16:creationId xmlns:a16="http://schemas.microsoft.com/office/drawing/2014/main" id="{23AAC9B5-8015-485C-ACF9-A750390E9A56}"/>
+              </a:ext>
+              <a:ext uri="{C183D7F6-B498-43B3-948B-1728B52AA6E4}">
+                <adec:decorative xmlns:adec="http://schemas.microsoft.com/office/drawing/2017/decorative" val="1"/>
+              </a:ext>
+            </a:extLst>
+          </p:cNvPr>
+          <p:cNvCxnSpPr>
+            <a:cxnSpLocks noGrp="1" noRot="1" noChangeAspect="1" noMove="1" noResize="1" noEditPoints="1" noAdjustHandles="1" noChangeArrowheads="1" noChangeShapeType="1"/>
+          </p:cNvCxnSpPr>
+          <p:nvPr>
+            <p:extLst>
+              <p:ext uri="{386F3935-93C4-4BCD-93E2-E3B085C9AB24}">
+                <p16:designElem xmlns:p16="http://schemas.microsoft.com/office/powerpoint/2015/main" val="1"/>
+              </p:ext>
+            </p:extLst>
+          </p:nvPr>
+        </p:nvCxnSpPr>
+        <p:spPr>
+          <a:xfrm>
+            <a:off x="4654296" y="1852863"/>
+            <a:ext cx="0" cy="3236495"/>
+          </a:xfrm>
+          <a:prstGeom prst="line">
+            <a:avLst/>
+          </a:prstGeom>
+          <a:ln w="19050" cap="sq">
+            <a:solidFill>
+              <a:schemeClr val="tx1">
+                <a:lumMod val="75000"/>
+                <a:lumOff val="25000"/>
+              </a:schemeClr>
+            </a:solidFill>
+          </a:ln>
+        </p:spPr>
+        <p:style>
+          <a:lnRef idx="1">
+            <a:schemeClr val="accent1"/>
+          </a:lnRef>
+          <a:fillRef idx="0">
+            <a:schemeClr val="accent1"/>
+          </a:fillRef>
+          <a:effectRef idx="0">
+            <a:schemeClr val="accent1"/>
+          </a:effectRef>
+          <a:fontRef idx="minor">
+            <a:schemeClr val="tx1"/>
+          </a:fontRef>
+        </p:style>
+      </p:cxnSp>
+      <p:sp>
+        <p:nvSpPr>
+          <p:cNvPr id="3" name="Content Placeholder 2">
+            <a:extLst>
+              <a:ext uri="{FF2B5EF4-FFF2-40B4-BE49-F238E27FC236}">
+                <a16:creationId xmlns:a16="http://schemas.microsoft.com/office/drawing/2014/main" id="{84C5C586-F832-8F48-95F9-8416C31EDECA}"/>
+              </a:ext>
+            </a:extLst>
+          </p:cNvPr>
+          <p:cNvSpPr>
+            <a:spLocks noGrp="1"/>
+          </p:cNvSpPr>
+          <p:nvPr>
+            <p:ph idx="1"/>
+          </p:nvPr>
+        </p:nvSpPr>
+        <p:spPr>
+          <a:xfrm>
+            <a:off x="5255260" y="1648870"/>
+            <a:ext cx="4702848" cy="3560260"/>
+          </a:xfrm>
+        </p:spPr>
+        <p:txBody>
+          <a:bodyPr anchor="ctr">
+            <a:normAutofit/>
+          </a:bodyPr>
+          <a:lstStyle/>
+          <a:p>
+            <a:r>
+              <a:rPr lang="fr-FR" sz="2400" dirty="0" err="1"/>
+              <a:t>Brainstroming</a:t>
+            </a:r>
+            <a:r>
+              <a:rPr lang="fr-FR" sz="2400" dirty="0"/>
+              <a:t> </a:t>
+            </a:r>
+          </a:p>
+          <a:p>
+            <a:r>
+              <a:rPr lang="fr-FR" sz="2400" dirty="0" err="1"/>
+              <a:t>Realization</a:t>
+            </a:r>
+            <a:endParaRPr lang="fr-FR" sz="2400" dirty="0"/>
+          </a:p>
+          <a:p>
+            <a:r>
+              <a:rPr lang="fr-FR" sz="2400" dirty="0" err="1"/>
+              <a:t>Finalization</a:t>
+            </a:r>
+            <a:r>
+              <a:rPr lang="fr-FR" sz="2400" dirty="0"/>
+              <a:t> </a:t>
+            </a:r>
+            <a:r>
+              <a:rPr lang="fr-FR" sz="2400" dirty="0" err="1"/>
+              <a:t>with</a:t>
+            </a:r>
+            <a:r>
+              <a:rPr lang="fr-FR" sz="2400" dirty="0"/>
+              <a:t> feedback and  </a:t>
+            </a:r>
+            <a:r>
+              <a:rPr lang="fr-FR" sz="2400" dirty="0" err="1"/>
+              <a:t>improvement</a:t>
+            </a:r>
+            <a:r>
+              <a:rPr lang="fr-FR" sz="2400" dirty="0"/>
+              <a:t>. </a:t>
+            </a:r>
+          </a:p>
+          <a:p>
+            <a:endParaRPr lang="fr-FR" sz="2400" dirty="0"/>
+          </a:p>
+          <a:p>
+            <a:endParaRPr lang="fr-FR" sz="2400" dirty="0"/>
+          </a:p>
+          <a:p>
+            <a:endParaRPr lang="fr-FR" sz="2400" dirty="0"/>
+          </a:p>
+        </p:txBody>
+      </p:sp>
+    </p:spTree>
+    <p:extLst>
+      <p:ext uri="{BB962C8B-B14F-4D97-AF65-F5344CB8AC3E}">
+        <p14:creationId xmlns:p14="http://schemas.microsoft.com/office/powerpoint/2010/main" val="352345701"/>
+      </p:ext>
+    </p:extLst>
+  </p:cSld>
+  <p:clrMapOvr>
+    <a:masterClrMapping/>
+  </p:clrMapOvr>
+</p:sld>
+</file>
+
+<file path=ppt/slides/slide4.xml><?xml version="1.0" encoding="utf-8"?>
+<p:sld xmlns:a="http://schemas.openxmlformats.org/drawingml/2006/main" xmlns:r="http://schemas.openxmlformats.org/officeDocument/2006/relationships" xmlns:p="http://schemas.openxmlformats.org/presentationml/2006/main">
+  <p:cSld>
+    <p:bg>
+      <p:bgPr>
+        <a:solidFill>
+          <a:schemeClr val="bg1"/>
+        </a:solidFill>
+        <a:effectLst/>
+      </p:bgPr>
+    </p:bg>
+    <p:spTree>
+      <p:nvGrpSpPr>
+        <p:cNvPr id="1" name=""/>
+        <p:cNvGrpSpPr/>
+        <p:nvPr/>
+      </p:nvGrpSpPr>
+      <p:grpSpPr>
+        <a:xfrm>
+          <a:off x="0" y="0"/>
+          <a:ext cx="0" cy="0"/>
+          <a:chOff x="0" y="0"/>
+          <a:chExt cx="0" cy="0"/>
+        </a:xfrm>
+      </p:grpSpPr>
+      <p:sp useBgFill="1">
+        <p:nvSpPr>
+          <p:cNvPr id="10" name="Rectangle 9">
+            <a:extLst>
+              <a:ext uri="{FF2B5EF4-FFF2-40B4-BE49-F238E27FC236}">
+                <a16:creationId xmlns:a16="http://schemas.microsoft.com/office/drawing/2014/main" id="{665DBBEF-238B-476B-96AB-8AAC3224ECEA}"/>
+              </a:ext>
+              <a:ext uri="{C183D7F6-B498-43B3-948B-1728B52AA6E4}">
+                <adec:decorative xmlns:adec="http://schemas.microsoft.com/office/drawing/2017/decorative" val="1"/>
+              </a:ext>
+            </a:extLst>
+          </p:cNvPr>
+          <p:cNvSpPr>
+            <a:spLocks noGrp="1" noRot="1" noChangeAspect="1" noMove="1" noResize="1" noEditPoints="1" noAdjustHandles="1" noChangeArrowheads="1" noChangeShapeType="1" noTextEdit="1"/>
+          </p:cNvSpPr>
+          <p:nvPr>
+            <p:extLst>
+              <p:ext uri="{386F3935-93C4-4BCD-93E2-E3B085C9AB24}">
+                <p16:designElem xmlns:p16="http://schemas.microsoft.com/office/powerpoint/2015/main" val="1"/>
+              </p:ext>
+            </p:extLst>
+          </p:nvPr>
+        </p:nvSpPr>
+        <p:spPr>
+          <a:xfrm>
+            <a:off x="0" y="0"/>
+            <a:ext cx="12192000" cy="6858000"/>
+          </a:xfrm>
+          <a:prstGeom prst="rect">
+            <a:avLst/>
+          </a:prstGeom>
+          <a:ln>
+            <a:noFill/>
+          </a:ln>
+        </p:spPr>
+        <p:style>
+          <a:lnRef idx="2">
+            <a:schemeClr val="accent1">
+              <a:shade val="50000"/>
+            </a:schemeClr>
+          </a:lnRef>
+          <a:fillRef idx="1">
+            <a:schemeClr val="accent1"/>
+          </a:fillRef>
+          <a:effectRef idx="0">
+            <a:schemeClr val="accent1"/>
+          </a:effectRef>
+          <a:fontRef idx="minor">
+            <a:schemeClr val="lt1"/>
+          </a:fontRef>
+        </p:style>
+        <p:txBody>
+          <a:bodyPr rtlCol="0" anchor="ctr"/>
+          <a:lstStyle/>
+          <a:p>
+            <a:pPr algn="ctr"/>
+            <a:endParaRPr lang="en-US"/>
+          </a:p>
+        </p:txBody>
+      </p:sp>
+      <p:sp>
+        <p:nvSpPr>
+          <p:cNvPr id="2" name="Titre 1">
+            <a:extLst>
+              <a:ext uri="{FF2B5EF4-FFF2-40B4-BE49-F238E27FC236}">
+                <a16:creationId xmlns:a16="http://schemas.microsoft.com/office/drawing/2014/main" id="{800C08A3-070C-D9D4-2C6D-F3E64B517AF6}"/>
+              </a:ext>
+            </a:extLst>
+          </p:cNvPr>
+          <p:cNvSpPr>
+            <a:spLocks noGrp="1"/>
+          </p:cNvSpPr>
+          <p:nvPr>
+            <p:ph type="title"/>
+          </p:nvPr>
+        </p:nvSpPr>
+        <p:spPr>
+          <a:xfrm>
+            <a:off x="759398" y="-1865874"/>
+            <a:ext cx="8162490" cy="3573516"/>
+          </a:xfrm>
+        </p:spPr>
+        <p:txBody>
+          <a:bodyPr vert="horz" lIns="91440" tIns="45720" rIns="91440" bIns="45720" rtlCol="0" anchor="b">
+            <a:normAutofit/>
+          </a:bodyPr>
+          <a:lstStyle/>
+          <a:p>
+            <a:r>
+              <a:rPr lang="en-US" sz="4100" kern="1200" dirty="0">
+                <a:solidFill>
+                  <a:schemeClr val="tx1"/>
+                </a:solidFill>
+                <a:latin typeface="+mj-lt"/>
+                <a:ea typeface="+mj-ea"/>
+                <a:cs typeface="+mj-cs"/>
+              </a:rPr>
+              <a:t>1/ </a:t>
+            </a:r>
+            <a:r>
+              <a:rPr lang="en-US" sz="4100" dirty="0" err="1"/>
+              <a:t>B</a:t>
+            </a:r>
+            <a:r>
+              <a:rPr lang="en-US" sz="4100" kern="1200" dirty="0" err="1">
+                <a:solidFill>
+                  <a:schemeClr val="tx1"/>
+                </a:solidFill>
+                <a:latin typeface="+mj-lt"/>
+                <a:ea typeface="+mj-ea"/>
+                <a:cs typeface="+mj-cs"/>
+              </a:rPr>
+              <a:t>rainstroming</a:t>
+            </a:r>
+            <a:br>
+              <a:rPr lang="en-US" sz="4100" kern="1200" dirty="0">
+                <a:solidFill>
+                  <a:schemeClr val="tx1"/>
+                </a:solidFill>
+                <a:latin typeface="+mj-lt"/>
+                <a:ea typeface="+mj-ea"/>
+                <a:cs typeface="+mj-cs"/>
+              </a:rPr>
+            </a:br>
+            <a:endParaRPr lang="en-US" sz="4100" kern="1200" dirty="0">
+              <a:solidFill>
+                <a:schemeClr val="tx1"/>
+              </a:solidFill>
+              <a:latin typeface="+mj-lt"/>
+              <a:ea typeface="+mj-ea"/>
+              <a:cs typeface="+mj-cs"/>
+            </a:endParaRPr>
+          </a:p>
+        </p:txBody>
+      </p:sp>
+      <p:sp>
+        <p:nvSpPr>
+          <p:cNvPr id="3" name="Espace réservé du contenu 2">
+            <a:extLst>
+              <a:ext uri="{FF2B5EF4-FFF2-40B4-BE49-F238E27FC236}">
+                <a16:creationId xmlns:a16="http://schemas.microsoft.com/office/drawing/2014/main" id="{2EAB7E05-F349-2C9D-69C6-C3277FECA7ED}"/>
+              </a:ext>
+            </a:extLst>
+          </p:cNvPr>
+          <p:cNvSpPr>
+            <a:spLocks noGrp="1"/>
+          </p:cNvSpPr>
+          <p:nvPr>
+            <p:ph idx="1"/>
+          </p:nvPr>
+        </p:nvSpPr>
+        <p:spPr>
+          <a:xfrm>
+            <a:off x="759398" y="3415284"/>
+            <a:ext cx="3571810" cy="1559327"/>
+          </a:xfrm>
+        </p:spPr>
+        <p:txBody>
+          <a:bodyPr vert="horz" lIns="91440" tIns="45720" rIns="91440" bIns="45720" rtlCol="0">
+            <a:normAutofit/>
+          </a:bodyPr>
+          <a:lstStyle/>
+          <a:p>
+            <a:pPr marL="0" indent="0">
+              <a:buNone/>
+            </a:pPr>
+            <a:r>
+              <a:rPr lang="en-US" sz="3200" kern="1200" dirty="0">
+                <a:solidFill>
+                  <a:schemeClr val="tx1"/>
+                </a:solidFill>
+                <a:latin typeface="+mn-lt"/>
+                <a:ea typeface="+mn-ea"/>
+                <a:cs typeface="+mn-cs"/>
+              </a:rPr>
+              <a:t>Flowchart</a:t>
+            </a:r>
+          </a:p>
+          <a:p>
+            <a:pPr marL="0" indent="0">
+              <a:buNone/>
+            </a:pPr>
+            <a:r>
+              <a:rPr lang="en-US" sz="2400" kern="1200" dirty="0">
+                <a:solidFill>
+                  <a:schemeClr val="tx1"/>
+                </a:solidFill>
+                <a:latin typeface="+mn-lt"/>
+                <a:ea typeface="+mn-ea"/>
+                <a:cs typeface="+mn-cs"/>
+              </a:rPr>
+              <a:t> </a:t>
+            </a:r>
+          </a:p>
+        </p:txBody>
+      </p:sp>
+      <p:sp>
+        <p:nvSpPr>
+          <p:cNvPr id="12" name="sketch line">
+            <a:extLst>
+              <a:ext uri="{FF2B5EF4-FFF2-40B4-BE49-F238E27FC236}">
+                <a16:creationId xmlns:a16="http://schemas.microsoft.com/office/drawing/2014/main" id="{3FCFB1DE-0B7E-48CC-BA90-B2AB0889F9D6}"/>
+              </a:ext>
+              <a:ext uri="{C183D7F6-B498-43B3-948B-1728B52AA6E4}">
+                <adec:decorative xmlns:adec="http://schemas.microsoft.com/office/drawing/2017/decorative" val="1"/>
+              </a:ext>
+            </a:extLst>
+          </p:cNvPr>
+          <p:cNvSpPr>
+            <a:spLocks noGrp="1" noRot="1" noChangeAspect="1" noMove="1" noResize="1" noEditPoints="1" noAdjustHandles="1" noChangeArrowheads="1" noChangeShapeType="1" noTextEdit="1"/>
+          </p:cNvSpPr>
+          <p:nvPr>
+            <p:extLst>
+              <p:ext uri="{386F3935-93C4-4BCD-93E2-E3B085C9AB24}">
+                <p16:designElem xmlns:p16="http://schemas.microsoft.com/office/powerpoint/2015/main" val="1"/>
+              </p:ext>
+            </p:extLst>
+          </p:nvPr>
+        </p:nvSpPr>
+        <p:spPr>
+          <a:xfrm>
+            <a:off x="643278" y="4409267"/>
+            <a:ext cx="3255095" cy="18288"/>
+          </a:xfrm>
+          <a:custGeom>
+            <a:avLst/>
+            <a:gdLst>
+              <a:gd name="connsiteX0" fmla="*/ 0 w 3255095"/>
+              <a:gd name="connsiteY0" fmla="*/ 0 h 18288"/>
+              <a:gd name="connsiteX1" fmla="*/ 618468 w 3255095"/>
+              <a:gd name="connsiteY1" fmla="*/ 0 h 18288"/>
+              <a:gd name="connsiteX2" fmla="*/ 1269487 w 3255095"/>
+              <a:gd name="connsiteY2" fmla="*/ 0 h 18288"/>
+              <a:gd name="connsiteX3" fmla="*/ 1953057 w 3255095"/>
+              <a:gd name="connsiteY3" fmla="*/ 0 h 18288"/>
+              <a:gd name="connsiteX4" fmla="*/ 2636627 w 3255095"/>
+              <a:gd name="connsiteY4" fmla="*/ 0 h 18288"/>
+              <a:gd name="connsiteX5" fmla="*/ 3255095 w 3255095"/>
+              <a:gd name="connsiteY5" fmla="*/ 0 h 18288"/>
+              <a:gd name="connsiteX6" fmla="*/ 3255095 w 3255095"/>
+              <a:gd name="connsiteY6" fmla="*/ 18288 h 18288"/>
+              <a:gd name="connsiteX7" fmla="*/ 2538974 w 3255095"/>
+              <a:gd name="connsiteY7" fmla="*/ 18288 h 18288"/>
+              <a:gd name="connsiteX8" fmla="*/ 1822853 w 3255095"/>
+              <a:gd name="connsiteY8" fmla="*/ 18288 h 18288"/>
+              <a:gd name="connsiteX9" fmla="*/ 1171834 w 3255095"/>
+              <a:gd name="connsiteY9" fmla="*/ 18288 h 18288"/>
+              <a:gd name="connsiteX10" fmla="*/ 0 w 3255095"/>
+              <a:gd name="connsiteY10" fmla="*/ 18288 h 18288"/>
+              <a:gd name="connsiteX11" fmla="*/ 0 w 3255095"/>
+              <a:gd name="connsiteY11" fmla="*/ 0 h 18288"/>
+            </a:gdLst>
+            <a:ahLst/>
+            <a:cxnLst>
+              <a:cxn ang="0">
+                <a:pos x="connsiteX0" y="connsiteY0"/>
+              </a:cxn>
+              <a:cxn ang="0">
+                <a:pos x="connsiteX1" y="connsiteY1"/>
+              </a:cxn>
+              <a:cxn ang="0">
+                <a:pos x="connsiteX2" y="connsiteY2"/>
+              </a:cxn>
+              <a:cxn ang="0">
+                <a:pos x="connsiteX3" y="connsiteY3"/>
+              </a:cxn>
+              <a:cxn ang="0">
+                <a:pos x="connsiteX4" y="connsiteY4"/>
+              </a:cxn>
+              <a:cxn ang="0">
+                <a:pos x="connsiteX5" y="connsiteY5"/>
+              </a:cxn>
+              <a:cxn ang="0">
+                <a:pos x="connsiteX6" y="connsiteY6"/>
+              </a:cxn>
+              <a:cxn ang="0">
+                <a:pos x="connsiteX7" y="connsiteY7"/>
+              </a:cxn>
+              <a:cxn ang="0">
+                <a:pos x="connsiteX8" y="connsiteY8"/>
+              </a:cxn>
+              <a:cxn ang="0">
+                <a:pos x="connsiteX9" y="connsiteY9"/>
+              </a:cxn>
+              <a:cxn ang="0">
+                <a:pos x="connsiteX10" y="connsiteY10"/>
+              </a:cxn>
+              <a:cxn ang="0">
+                <a:pos x="connsiteX11" y="connsiteY11"/>
+              </a:cxn>
+            </a:cxnLst>
+            <a:rect l="l" t="t" r="r" b="b"/>
+            <a:pathLst>
+              <a:path w="3255095" h="18288" fill="none" extrusionOk="0">
+                <a:moveTo>
+                  <a:pt x="0" y="0"/>
+                </a:moveTo>
+                <a:cubicBezTo>
+                  <a:pt x="240201" y="-22123"/>
+                  <a:pt x="462021" y="-19623"/>
+                  <a:pt x="618468" y="0"/>
+                </a:cubicBezTo>
+                <a:cubicBezTo>
+                  <a:pt x="774915" y="19623"/>
+                  <a:pt x="974734" y="2035"/>
+                  <a:pt x="1269487" y="0"/>
+                </a:cubicBezTo>
+                <a:cubicBezTo>
+                  <a:pt x="1564240" y="-2035"/>
+                  <a:pt x="1733579" y="10639"/>
+                  <a:pt x="1953057" y="0"/>
+                </a:cubicBezTo>
+                <a:cubicBezTo>
+                  <a:pt x="2172535" y="-10639"/>
+                  <a:pt x="2453962" y="14018"/>
+                  <a:pt x="2636627" y="0"/>
+                </a:cubicBezTo>
+                <a:cubicBezTo>
+                  <a:pt x="2819292" y="-14018"/>
+                  <a:pt x="3121375" y="5399"/>
+                  <a:pt x="3255095" y="0"/>
+                </a:cubicBezTo>
+                <a:cubicBezTo>
+                  <a:pt x="3254386" y="8157"/>
+                  <a:pt x="3254682" y="12125"/>
+                  <a:pt x="3255095" y="18288"/>
+                </a:cubicBezTo>
+                <a:cubicBezTo>
+                  <a:pt x="3088545" y="23203"/>
+                  <a:pt x="2687475" y="7419"/>
+                  <a:pt x="2538974" y="18288"/>
+                </a:cubicBezTo>
+                <a:cubicBezTo>
+                  <a:pt x="2390473" y="29157"/>
+                  <a:pt x="2137381" y="-8959"/>
+                  <a:pt x="1822853" y="18288"/>
+                </a:cubicBezTo>
+                <a:cubicBezTo>
+                  <a:pt x="1508325" y="45535"/>
+                  <a:pt x="1466437" y="20385"/>
+                  <a:pt x="1171834" y="18288"/>
+                </a:cubicBezTo>
+                <a:cubicBezTo>
+                  <a:pt x="877231" y="16191"/>
+                  <a:pt x="561097" y="37643"/>
+                  <a:pt x="0" y="18288"/>
+                </a:cubicBezTo>
+                <a:cubicBezTo>
+                  <a:pt x="-46" y="12483"/>
+                  <a:pt x="-203" y="6491"/>
+                  <a:pt x="0" y="0"/>
+                </a:cubicBezTo>
+                <a:close/>
+              </a:path>
+              <a:path w="3255095" h="18288" stroke="0" extrusionOk="0">
+                <a:moveTo>
+                  <a:pt x="0" y="0"/>
+                </a:moveTo>
+                <a:cubicBezTo>
+                  <a:pt x="291965" y="19429"/>
+                  <a:pt x="363155" y="8568"/>
+                  <a:pt x="618468" y="0"/>
+                </a:cubicBezTo>
+                <a:cubicBezTo>
+                  <a:pt x="873781" y="-8568"/>
+                  <a:pt x="904459" y="-19505"/>
+                  <a:pt x="1171834" y="0"/>
+                </a:cubicBezTo>
+                <a:cubicBezTo>
+                  <a:pt x="1439209" y="19505"/>
+                  <a:pt x="1744369" y="9790"/>
+                  <a:pt x="1887955" y="0"/>
+                </a:cubicBezTo>
+                <a:cubicBezTo>
+                  <a:pt x="2031541" y="-9790"/>
+                  <a:pt x="2346378" y="21240"/>
+                  <a:pt x="2506423" y="0"/>
+                </a:cubicBezTo>
+                <a:cubicBezTo>
+                  <a:pt x="2666468" y="-21240"/>
+                  <a:pt x="2990257" y="30414"/>
+                  <a:pt x="3255095" y="0"/>
+                </a:cubicBezTo>
+                <a:cubicBezTo>
+                  <a:pt x="3254831" y="4493"/>
+                  <a:pt x="3255479" y="9472"/>
+                  <a:pt x="3255095" y="18288"/>
+                </a:cubicBezTo>
+                <a:cubicBezTo>
+                  <a:pt x="3120743" y="16690"/>
+                  <a:pt x="2759628" y="42462"/>
+                  <a:pt x="2604076" y="18288"/>
+                </a:cubicBezTo>
+                <a:cubicBezTo>
+                  <a:pt x="2448524" y="-5886"/>
+                  <a:pt x="2184336" y="19599"/>
+                  <a:pt x="1887955" y="18288"/>
+                </a:cubicBezTo>
+                <a:cubicBezTo>
+                  <a:pt x="1591574" y="16977"/>
+                  <a:pt x="1548845" y="6870"/>
+                  <a:pt x="1334589" y="18288"/>
+                </a:cubicBezTo>
+                <a:cubicBezTo>
+                  <a:pt x="1120333" y="29706"/>
+                  <a:pt x="996014" y="9662"/>
+                  <a:pt x="683570" y="18288"/>
+                </a:cubicBezTo>
+                <a:cubicBezTo>
+                  <a:pt x="371126" y="26914"/>
+                  <a:pt x="198687" y="16167"/>
+                  <a:pt x="0" y="18288"/>
+                </a:cubicBezTo>
+                <a:cubicBezTo>
+                  <a:pt x="843" y="9577"/>
+                  <a:pt x="371" y="6900"/>
+                  <a:pt x="0" y="0"/>
+                </a:cubicBezTo>
+                <a:close/>
+              </a:path>
+            </a:pathLst>
+          </a:custGeom>
+          <a:solidFill>
+            <a:schemeClr val="accent2"/>
+          </a:solidFill>
+          <a:ln w="38100" cap="rnd">
+            <a:solidFill>
+              <a:schemeClr val="accent2"/>
+            </a:solidFill>
+            <a:round/>
+            <a:extLst>
+              <a:ext uri="{C807C97D-BFC1-408E-A445-0C87EB9F89A2}">
+                <ask:lineSketchStyleProps xmlns:ask="http://schemas.microsoft.com/office/drawing/2018/sketchyshapes" sd="1219033472">
+                  <a:prstGeom prst="rect">
+                    <a:avLst/>
+                  </a:prstGeom>
+                  <ask:type>
+                    <ask:lineSketchFreehand/>
+                  </ask:type>
+                </ask:lineSketchStyleProps>
+              </a:ext>
+            </a:extLst>
+          </a:ln>
+        </p:spPr>
+        <p:style>
+          <a:lnRef idx="2">
+            <a:schemeClr val="accent1">
+              <a:shade val="50000"/>
+            </a:schemeClr>
+          </a:lnRef>
+          <a:fillRef idx="1">
+            <a:schemeClr val="accent1"/>
+          </a:fillRef>
+          <a:effectRef idx="0">
+            <a:schemeClr val="accent1"/>
+          </a:effectRef>
+          <a:fontRef idx="minor">
+            <a:schemeClr val="lt1"/>
+          </a:fontRef>
+        </p:style>
+        <p:txBody>
+          <a:bodyPr rtlCol="0" anchor="ctr"/>
+          <a:lstStyle/>
+          <a:p>
+            <a:pPr algn="ctr"/>
+            <a:endParaRPr lang="en-US"/>
+          </a:p>
+        </p:txBody>
+      </p:sp>
+      <p:pic>
+        <p:nvPicPr>
+          <p:cNvPr id="5" name="Image 4" descr="Une image contenant diagramme&#10;&#10;Description générée automatiquement">
+            <a:extLst>
+              <a:ext uri="{FF2B5EF4-FFF2-40B4-BE49-F238E27FC236}">
+                <a16:creationId xmlns:a16="http://schemas.microsoft.com/office/drawing/2014/main" id="{696B0037-9B96-10B2-C9FD-C085315FD757}"/>
+              </a:ext>
+            </a:extLst>
+          </p:cNvPr>
+          <p:cNvPicPr>
+            <a:picLocks noChangeAspect="1"/>
+          </p:cNvPicPr>
+          <p:nvPr/>
+        </p:nvPicPr>
+        <p:blipFill>
+          <a:blip r:embed="rId2"/>
+          <a:stretch>
+            <a:fillRect/>
+          </a:stretch>
+        </p:blipFill>
+        <p:spPr>
+          <a:xfrm>
+            <a:off x="4654296" y="950966"/>
+            <a:ext cx="7214616" cy="4928636"/>
+          </a:xfrm>
+          <a:prstGeom prst="rect">
+            <a:avLst/>
+          </a:prstGeom>
+        </p:spPr>
+      </p:pic>
+    </p:spTree>
+    <p:extLst>
+      <p:ext uri="{BB962C8B-B14F-4D97-AF65-F5344CB8AC3E}">
+        <p14:creationId xmlns:p14="http://schemas.microsoft.com/office/powerpoint/2010/main" val="2332064010"/>
+      </p:ext>
+    </p:extLst>
+  </p:cSld>
+  <p:clrMapOvr>
+    <a:masterClrMapping/>
+  </p:clrMapOvr>
+</p:sld>
+</file>
+
+<file path=ppt/slides/slide5.xml><?xml version="1.0" encoding="utf-8"?>
+<p:sld xmlns:a="http://schemas.openxmlformats.org/drawingml/2006/main" xmlns:r="http://schemas.openxmlformats.org/officeDocument/2006/relationships" xmlns:p="http://schemas.openxmlformats.org/presentationml/2006/main">
+  <p:cSld>
+    <p:bg>
+      <p:bgPr>
+        <a:solidFill>
+          <a:schemeClr val="bg1"/>
+        </a:solidFill>
+        <a:effectLst/>
+      </p:bgPr>
+    </p:bg>
+    <p:spTree>
+      <p:nvGrpSpPr>
+        <p:cNvPr id="1" name=""/>
+        <p:cNvGrpSpPr/>
+        <p:nvPr/>
+      </p:nvGrpSpPr>
+      <p:grpSpPr>
+        <a:xfrm>
+          <a:off x="0" y="0"/>
+          <a:ext cx="0" cy="0"/>
+          <a:chOff x="0" y="0"/>
+          <a:chExt cx="0" cy="0"/>
+        </a:xfrm>
+      </p:grpSpPr>
+      <p:sp useBgFill="1">
+        <p:nvSpPr>
+          <p:cNvPr id="28" name="Rectangle 27">
+            <a:extLst>
+              <a:ext uri="{FF2B5EF4-FFF2-40B4-BE49-F238E27FC236}">
+                <a16:creationId xmlns:a16="http://schemas.microsoft.com/office/drawing/2014/main" id="{665DBBEF-238B-476B-96AB-8AAC3224ECEA}"/>
+              </a:ext>
+              <a:ext uri="{C183D7F6-B498-43B3-948B-1728B52AA6E4}">
+                <adec:decorative xmlns:adec="http://schemas.microsoft.com/office/drawing/2017/decorative" val="1"/>
+              </a:ext>
+            </a:extLst>
+          </p:cNvPr>
+          <p:cNvSpPr>
+            <a:spLocks noGrp="1" noRot="1" noChangeAspect="1" noMove="1" noResize="1" noEditPoints="1" noAdjustHandles="1" noChangeArrowheads="1" noChangeShapeType="1" noTextEdit="1"/>
+          </p:cNvSpPr>
+          <p:nvPr>
+            <p:extLst>
+              <p:ext uri="{386F3935-93C4-4BCD-93E2-E3B085C9AB24}">
+                <p16:designElem xmlns:p16="http://schemas.microsoft.com/office/powerpoint/2015/main" val="1"/>
+              </p:ext>
+            </p:extLst>
+          </p:nvPr>
+        </p:nvSpPr>
+        <p:spPr>
+          <a:xfrm>
+            <a:off x="0" y="0"/>
+            <a:ext cx="12192000" cy="6858000"/>
+          </a:xfrm>
+          <a:prstGeom prst="rect">
+            <a:avLst/>
+          </a:prstGeom>
+          <a:ln>
+            <a:noFill/>
+          </a:ln>
+        </p:spPr>
+        <p:style>
+          <a:lnRef idx="2">
+            <a:schemeClr val="accent1">
+              <a:shade val="50000"/>
+            </a:schemeClr>
+          </a:lnRef>
+          <a:fillRef idx="1">
+            <a:schemeClr val="accent1"/>
+          </a:fillRef>
+          <a:effectRef idx="0">
+            <a:schemeClr val="accent1"/>
+          </a:effectRef>
+          <a:fontRef idx="minor">
+            <a:schemeClr val="lt1"/>
+          </a:fontRef>
+        </p:style>
+        <p:txBody>
+          <a:bodyPr rtlCol="0" anchor="ctr"/>
+          <a:lstStyle/>
+          <a:p>
+            <a:pPr algn="ctr"/>
+            <a:endParaRPr lang="en-US"/>
+          </a:p>
+        </p:txBody>
+      </p:sp>
+      <p:sp>
+        <p:nvSpPr>
+          <p:cNvPr id="2" name="Titre 1">
+            <a:extLst>
+              <a:ext uri="{FF2B5EF4-FFF2-40B4-BE49-F238E27FC236}">
+                <a16:creationId xmlns:a16="http://schemas.microsoft.com/office/drawing/2014/main" id="{B83D7E0E-34EA-E78D-14C1-804FFAEDD772}"/>
+              </a:ext>
+            </a:extLst>
+          </p:cNvPr>
+          <p:cNvSpPr>
+            <a:spLocks noGrp="1"/>
+          </p:cNvSpPr>
+          <p:nvPr>
+            <p:ph type="title"/>
+          </p:nvPr>
+        </p:nvSpPr>
+        <p:spPr>
+          <a:xfrm>
+            <a:off x="665684" y="3415283"/>
+            <a:ext cx="3571810" cy="1441142"/>
+          </a:xfrm>
+        </p:spPr>
+        <p:txBody>
+          <a:bodyPr vert="horz" lIns="91440" tIns="45720" rIns="91440" bIns="45720" rtlCol="0" anchor="b">
+            <a:normAutofit fontScale="90000"/>
+          </a:bodyPr>
+          <a:lstStyle/>
+          <a:p>
+            <a:r>
+              <a:rPr lang="en-US" sz="5100" kern="1200" dirty="0">
+                <a:solidFill>
+                  <a:schemeClr val="tx1"/>
+                </a:solidFill>
+                <a:latin typeface="+mj-lt"/>
+                <a:ea typeface="+mj-ea"/>
+                <a:cs typeface="+mj-cs"/>
+              </a:rPr>
+              <a:t>Pseudocode</a:t>
+            </a:r>
+            <a:br>
+              <a:rPr lang="en-US" sz="5100" kern="1200" dirty="0">
+                <a:solidFill>
+                  <a:schemeClr val="tx1"/>
+                </a:solidFill>
+                <a:latin typeface="+mj-lt"/>
+                <a:ea typeface="+mj-ea"/>
+                <a:cs typeface="+mj-cs"/>
+              </a:rPr>
+            </a:br>
+            <a:endParaRPr lang="en-US" sz="5100" kern="1200" dirty="0">
+              <a:solidFill>
+                <a:schemeClr val="tx1"/>
+              </a:solidFill>
+              <a:latin typeface="+mj-lt"/>
+              <a:ea typeface="+mj-ea"/>
+              <a:cs typeface="+mj-cs"/>
+            </a:endParaRPr>
+          </a:p>
+        </p:txBody>
+      </p:sp>
+      <p:sp>
+        <p:nvSpPr>
+          <p:cNvPr id="30" name="sketch line">
+            <a:extLst>
+              <a:ext uri="{FF2B5EF4-FFF2-40B4-BE49-F238E27FC236}">
+                <a16:creationId xmlns:a16="http://schemas.microsoft.com/office/drawing/2014/main" id="{3FCFB1DE-0B7E-48CC-BA90-B2AB0889F9D6}"/>
+              </a:ext>
+              <a:ext uri="{C183D7F6-B498-43B3-948B-1728B52AA6E4}">
+                <adec:decorative xmlns:adec="http://schemas.microsoft.com/office/drawing/2017/decorative" val="1"/>
+              </a:ext>
+            </a:extLst>
+          </p:cNvPr>
+          <p:cNvSpPr>
+            <a:spLocks noGrp="1" noRot="1" noChangeAspect="1" noMove="1" noResize="1" noEditPoints="1" noAdjustHandles="1" noChangeArrowheads="1" noChangeShapeType="1" noTextEdit="1"/>
+          </p:cNvSpPr>
+          <p:nvPr>
+            <p:extLst>
+              <p:ext uri="{386F3935-93C4-4BCD-93E2-E3B085C9AB24}">
+                <p16:designElem xmlns:p16="http://schemas.microsoft.com/office/powerpoint/2015/main" val="1"/>
+              </p:ext>
+            </p:extLst>
+          </p:nvPr>
+        </p:nvSpPr>
+        <p:spPr>
+          <a:xfrm>
+            <a:off x="643278" y="4409267"/>
+            <a:ext cx="3255095" cy="18288"/>
+          </a:xfrm>
+          <a:custGeom>
+            <a:avLst/>
+            <a:gdLst>
+              <a:gd name="connsiteX0" fmla="*/ 0 w 3255095"/>
+              <a:gd name="connsiteY0" fmla="*/ 0 h 18288"/>
+              <a:gd name="connsiteX1" fmla="*/ 618468 w 3255095"/>
+              <a:gd name="connsiteY1" fmla="*/ 0 h 18288"/>
+              <a:gd name="connsiteX2" fmla="*/ 1269487 w 3255095"/>
+              <a:gd name="connsiteY2" fmla="*/ 0 h 18288"/>
+              <a:gd name="connsiteX3" fmla="*/ 1953057 w 3255095"/>
+              <a:gd name="connsiteY3" fmla="*/ 0 h 18288"/>
+              <a:gd name="connsiteX4" fmla="*/ 2636627 w 3255095"/>
+              <a:gd name="connsiteY4" fmla="*/ 0 h 18288"/>
+              <a:gd name="connsiteX5" fmla="*/ 3255095 w 3255095"/>
+              <a:gd name="connsiteY5" fmla="*/ 0 h 18288"/>
+              <a:gd name="connsiteX6" fmla="*/ 3255095 w 3255095"/>
+              <a:gd name="connsiteY6" fmla="*/ 18288 h 18288"/>
+              <a:gd name="connsiteX7" fmla="*/ 2538974 w 3255095"/>
+              <a:gd name="connsiteY7" fmla="*/ 18288 h 18288"/>
+              <a:gd name="connsiteX8" fmla="*/ 1822853 w 3255095"/>
+              <a:gd name="connsiteY8" fmla="*/ 18288 h 18288"/>
+              <a:gd name="connsiteX9" fmla="*/ 1171834 w 3255095"/>
+              <a:gd name="connsiteY9" fmla="*/ 18288 h 18288"/>
+              <a:gd name="connsiteX10" fmla="*/ 0 w 3255095"/>
+              <a:gd name="connsiteY10" fmla="*/ 18288 h 18288"/>
+              <a:gd name="connsiteX11" fmla="*/ 0 w 3255095"/>
+              <a:gd name="connsiteY11" fmla="*/ 0 h 18288"/>
+            </a:gdLst>
+            <a:ahLst/>
+            <a:cxnLst>
+              <a:cxn ang="0">
+                <a:pos x="connsiteX0" y="connsiteY0"/>
+              </a:cxn>
+              <a:cxn ang="0">
+                <a:pos x="connsiteX1" y="connsiteY1"/>
+              </a:cxn>
+              <a:cxn ang="0">
+                <a:pos x="connsiteX2" y="connsiteY2"/>
+              </a:cxn>
+              <a:cxn ang="0">
+                <a:pos x="connsiteX3" y="connsiteY3"/>
+              </a:cxn>
+              <a:cxn ang="0">
+                <a:pos x="connsiteX4" y="connsiteY4"/>
+              </a:cxn>
+              <a:cxn ang="0">
+                <a:pos x="connsiteX5" y="connsiteY5"/>
+              </a:cxn>
+              <a:cxn ang="0">
+                <a:pos x="connsiteX6" y="connsiteY6"/>
+              </a:cxn>
+              <a:cxn ang="0">
+                <a:pos x="connsiteX7" y="connsiteY7"/>
+              </a:cxn>
+              <a:cxn ang="0">
+                <a:pos x="connsiteX8" y="connsiteY8"/>
+              </a:cxn>
+              <a:cxn ang="0">
+                <a:pos x="connsiteX9" y="connsiteY9"/>
+              </a:cxn>
+              <a:cxn ang="0">
+                <a:pos x="connsiteX10" y="connsiteY10"/>
+              </a:cxn>
+              <a:cxn ang="0">
+                <a:pos x="connsiteX11" y="connsiteY11"/>
+              </a:cxn>
+            </a:cxnLst>
+            <a:rect l="l" t="t" r="r" b="b"/>
+            <a:pathLst>
+              <a:path w="3255095" h="18288" fill="none" extrusionOk="0">
+                <a:moveTo>
+                  <a:pt x="0" y="0"/>
+                </a:moveTo>
+                <a:cubicBezTo>
+                  <a:pt x="240201" y="-22123"/>
+                  <a:pt x="462021" y="-19623"/>
+                  <a:pt x="618468" y="0"/>
+                </a:cubicBezTo>
+                <a:cubicBezTo>
+                  <a:pt x="774915" y="19623"/>
+                  <a:pt x="974734" y="2035"/>
+                  <a:pt x="1269487" y="0"/>
+                </a:cubicBezTo>
+                <a:cubicBezTo>
+                  <a:pt x="1564240" y="-2035"/>
+                  <a:pt x="1733579" y="10639"/>
+                  <a:pt x="1953057" y="0"/>
+                </a:cubicBezTo>
+                <a:cubicBezTo>
+                  <a:pt x="2172535" y="-10639"/>
+                  <a:pt x="2453962" y="14018"/>
+                  <a:pt x="2636627" y="0"/>
+                </a:cubicBezTo>
+                <a:cubicBezTo>
+                  <a:pt x="2819292" y="-14018"/>
+                  <a:pt x="3121375" y="5399"/>
+                  <a:pt x="3255095" y="0"/>
+                </a:cubicBezTo>
+                <a:cubicBezTo>
+                  <a:pt x="3254386" y="8157"/>
+                  <a:pt x="3254682" y="12125"/>
+                  <a:pt x="3255095" y="18288"/>
+                </a:cubicBezTo>
+                <a:cubicBezTo>
+                  <a:pt x="3088545" y="23203"/>
+                  <a:pt x="2687475" y="7419"/>
+                  <a:pt x="2538974" y="18288"/>
+                </a:cubicBezTo>
+                <a:cubicBezTo>
+                  <a:pt x="2390473" y="29157"/>
+                  <a:pt x="2137381" y="-8959"/>
+                  <a:pt x="1822853" y="18288"/>
+                </a:cubicBezTo>
+                <a:cubicBezTo>
+                  <a:pt x="1508325" y="45535"/>
+                  <a:pt x="1466437" y="20385"/>
+                  <a:pt x="1171834" y="18288"/>
+                </a:cubicBezTo>
+                <a:cubicBezTo>
+                  <a:pt x="877231" y="16191"/>
+                  <a:pt x="561097" y="37643"/>
+                  <a:pt x="0" y="18288"/>
+                </a:cubicBezTo>
+                <a:cubicBezTo>
+                  <a:pt x="-46" y="12483"/>
+                  <a:pt x="-203" y="6491"/>
+                  <a:pt x="0" y="0"/>
+                </a:cubicBezTo>
+                <a:close/>
+              </a:path>
+              <a:path w="3255095" h="18288" stroke="0" extrusionOk="0">
+                <a:moveTo>
+                  <a:pt x="0" y="0"/>
+                </a:moveTo>
+                <a:cubicBezTo>
+                  <a:pt x="291965" y="19429"/>
+                  <a:pt x="363155" y="8568"/>
+                  <a:pt x="618468" y="0"/>
+                </a:cubicBezTo>
+                <a:cubicBezTo>
+                  <a:pt x="873781" y="-8568"/>
+                  <a:pt x="904459" y="-19505"/>
+                  <a:pt x="1171834" y="0"/>
+                </a:cubicBezTo>
+                <a:cubicBezTo>
+                  <a:pt x="1439209" y="19505"/>
+                  <a:pt x="1744369" y="9790"/>
+                  <a:pt x="1887955" y="0"/>
+                </a:cubicBezTo>
+                <a:cubicBezTo>
+                  <a:pt x="2031541" y="-9790"/>
+                  <a:pt x="2346378" y="21240"/>
+                  <a:pt x="2506423" y="0"/>
+                </a:cubicBezTo>
+                <a:cubicBezTo>
+                  <a:pt x="2666468" y="-21240"/>
+                  <a:pt x="2990257" y="30414"/>
+                  <a:pt x="3255095" y="0"/>
+                </a:cubicBezTo>
+                <a:cubicBezTo>
+                  <a:pt x="3254831" y="4493"/>
+                  <a:pt x="3255479" y="9472"/>
+                  <a:pt x="3255095" y="18288"/>
+                </a:cubicBezTo>
+                <a:cubicBezTo>
+                  <a:pt x="3120743" y="16690"/>
+                  <a:pt x="2759628" y="42462"/>
+                  <a:pt x="2604076" y="18288"/>
+                </a:cubicBezTo>
+                <a:cubicBezTo>
+                  <a:pt x="2448524" y="-5886"/>
+                  <a:pt x="2184336" y="19599"/>
+                  <a:pt x="1887955" y="18288"/>
+                </a:cubicBezTo>
+                <a:cubicBezTo>
+                  <a:pt x="1591574" y="16977"/>
+                  <a:pt x="1548845" y="6870"/>
+                  <a:pt x="1334589" y="18288"/>
+                </a:cubicBezTo>
+                <a:cubicBezTo>
+                  <a:pt x="1120333" y="29706"/>
+                  <a:pt x="996014" y="9662"/>
+                  <a:pt x="683570" y="18288"/>
+                </a:cubicBezTo>
+                <a:cubicBezTo>
+                  <a:pt x="371126" y="26914"/>
+                  <a:pt x="198687" y="16167"/>
+                  <a:pt x="0" y="18288"/>
+                </a:cubicBezTo>
+                <a:cubicBezTo>
+                  <a:pt x="843" y="9577"/>
+                  <a:pt x="371" y="6900"/>
+                  <a:pt x="0" y="0"/>
+                </a:cubicBezTo>
+                <a:close/>
+              </a:path>
+            </a:pathLst>
+          </a:custGeom>
+          <a:solidFill>
+            <a:schemeClr val="accent2"/>
+          </a:solidFill>
+          <a:ln w="38100" cap="rnd">
+            <a:solidFill>
+              <a:schemeClr val="accent2"/>
+            </a:solidFill>
+            <a:round/>
+            <a:extLst>
+              <a:ext uri="{C807C97D-BFC1-408E-A445-0C87EB9F89A2}">
+                <ask:lineSketchStyleProps xmlns:ask="http://schemas.microsoft.com/office/drawing/2018/sketchyshapes" sd="1219033472">
+                  <a:prstGeom prst="rect">
+                    <a:avLst/>
+                  </a:prstGeom>
+                  <ask:type>
+                    <ask:lineSketchFreehand/>
+                  </ask:type>
+                </ask:lineSketchStyleProps>
+              </a:ext>
+            </a:extLst>
+          </a:ln>
+        </p:spPr>
+        <p:style>
+          <a:lnRef idx="2">
+            <a:schemeClr val="accent1">
+              <a:shade val="50000"/>
+            </a:schemeClr>
+          </a:lnRef>
+          <a:fillRef idx="1">
+            <a:schemeClr val="accent1"/>
+          </a:fillRef>
+          <a:effectRef idx="0">
+            <a:schemeClr val="accent1"/>
+          </a:effectRef>
+          <a:fontRef idx="minor">
+            <a:schemeClr val="lt1"/>
+          </a:fontRef>
+        </p:style>
+        <p:txBody>
+          <a:bodyPr rtlCol="0" anchor="ctr"/>
+          <a:lstStyle/>
+          <a:p>
+            <a:pPr algn="ctr"/>
+            <a:endParaRPr lang="en-US"/>
+          </a:p>
+        </p:txBody>
+      </p:sp>
+      <p:pic>
+        <p:nvPicPr>
+          <p:cNvPr id="7" name="Espace réservé du contenu 6" descr="Une image contenant texte&#10;&#10;Description générée automatiquement">
+            <a:extLst>
+              <a:ext uri="{FF2B5EF4-FFF2-40B4-BE49-F238E27FC236}">
+                <a16:creationId xmlns:a16="http://schemas.microsoft.com/office/drawing/2014/main" id="{EE2FA025-1975-6D21-E105-2137AD2B9326}"/>
+              </a:ext>
+            </a:extLst>
+          </p:cNvPr>
+          <p:cNvPicPr>
+            <a:picLocks noGrp="1" noChangeAspect="1"/>
+          </p:cNvPicPr>
+          <p:nvPr>
+            <p:ph idx="1"/>
+          </p:nvPr>
+        </p:nvPicPr>
+        <p:blipFill>
+          <a:blip r:embed="rId2"/>
+          <a:stretch>
+            <a:fillRect/>
+          </a:stretch>
+        </p:blipFill>
+        <p:spPr>
+          <a:xfrm>
+            <a:off x="4654296" y="1629666"/>
+            <a:ext cx="7214616" cy="3571235"/>
+          </a:xfrm>
+          <a:prstGeom prst="rect">
+            <a:avLst/>
+          </a:prstGeom>
+        </p:spPr>
+      </p:pic>
+    </p:spTree>
+    <p:extLst>
+      <p:ext uri="{BB962C8B-B14F-4D97-AF65-F5344CB8AC3E}">
+        <p14:creationId xmlns:p14="http://schemas.microsoft.com/office/powerpoint/2010/main" val="263096533"/>
+      </p:ext>
+    </p:extLst>
+  </p:cSld>
+  <p:clrMapOvr>
+    <a:masterClrMapping/>
+  </p:clrMapOvr>
+</p:sld>
+</file>
+
+<file path=ppt/slides/slide6.xml><?xml version="1.0" encoding="utf-8"?>
+<p:sld xmlns:a="http://schemas.openxmlformats.org/drawingml/2006/main" xmlns:r="http://schemas.openxmlformats.org/officeDocument/2006/relationships" xmlns:p="http://schemas.openxmlformats.org/presentationml/2006/main">
+  <p:cSld>
+    <p:bg>
+      <p:bgPr>
+        <a:solidFill>
+          <a:schemeClr val="bg1"/>
+        </a:solidFill>
+        <a:effectLst/>
+      </p:bgPr>
+    </p:bg>
+    <p:spTree>
+      <p:nvGrpSpPr>
+        <p:cNvPr id="1" name=""/>
+        <p:cNvGrpSpPr/>
+        <p:nvPr/>
+      </p:nvGrpSpPr>
+      <p:grpSpPr>
+        <a:xfrm>
+          <a:off x="0" y="0"/>
+          <a:ext cx="0" cy="0"/>
+          <a:chOff x="0" y="0"/>
+          <a:chExt cx="0" cy="0"/>
+        </a:xfrm>
+      </p:grpSpPr>
+      <p:sp useBgFill="1">
+        <p:nvSpPr>
+          <p:cNvPr id="9" name="Rectangle 8">
+            <a:extLst>
+              <a:ext uri="{FF2B5EF4-FFF2-40B4-BE49-F238E27FC236}">
+                <a16:creationId xmlns:a16="http://schemas.microsoft.com/office/drawing/2014/main" id="{04812C46-200A-4DEB-A05E-3ED6C68C2387}"/>
+              </a:ext>
+              <a:ext uri="{C183D7F6-B498-43B3-948B-1728B52AA6E4}">
+                <adec:decorative xmlns:adec="http://schemas.microsoft.com/office/drawing/2017/decorative" val="1"/>
+              </a:ext>
+            </a:extLst>
+          </p:cNvPr>
+          <p:cNvSpPr>
+            <a:spLocks noGrp="1" noRot="1" noChangeAspect="1" noMove="1" noResize="1" noEditPoints="1" noAdjustHandles="1" noChangeArrowheads="1" noChangeShapeType="1" noTextEdit="1"/>
+          </p:cNvSpPr>
+          <p:nvPr>
+            <p:extLst>
+              <p:ext uri="{386F3935-93C4-4BCD-93E2-E3B085C9AB24}">
+                <p16:designElem xmlns:p16="http://schemas.microsoft.com/office/powerpoint/2015/main" val="1"/>
+              </p:ext>
+            </p:extLst>
+          </p:nvPr>
+        </p:nvSpPr>
+        <p:spPr>
+          <a:xfrm>
+            <a:off x="3049" y="0"/>
+            <a:ext cx="12188952" cy="6858000"/>
+          </a:xfrm>
+          <a:prstGeom prst="rect">
+            <a:avLst/>
+          </a:prstGeom>
+          <a:ln>
+            <a:noFill/>
+          </a:ln>
+        </p:spPr>
+        <p:style>
+          <a:lnRef idx="2">
+            <a:schemeClr val="accent1">
+              <a:shade val="50000"/>
+            </a:schemeClr>
+          </a:lnRef>
+          <a:fillRef idx="1">
+            <a:schemeClr val="accent1"/>
+          </a:fillRef>
+          <a:effectRef idx="0">
+            <a:schemeClr val="accent1"/>
+          </a:effectRef>
+          <a:fontRef idx="minor">
+            <a:schemeClr val="lt1"/>
+          </a:fontRef>
+        </p:style>
+        <p:txBody>
+          <a:bodyPr rtlCol="0" anchor="ctr"/>
+          <a:lstStyle/>
+          <a:p>
+            <a:pPr algn="ctr"/>
+            <a:endParaRPr lang="en-US"/>
+          </a:p>
+        </p:txBody>
+      </p:sp>
+      <p:pic>
+        <p:nvPicPr>
+          <p:cNvPr id="5" name="Picture 4" descr="Computer script on a screen">
+            <a:extLst>
+              <a:ext uri="{FF2B5EF4-FFF2-40B4-BE49-F238E27FC236}">
+                <a16:creationId xmlns:a16="http://schemas.microsoft.com/office/drawing/2014/main" id="{DF0E5278-68D2-2D11-B0D7-F2DF19E2550B}"/>
+              </a:ext>
+            </a:extLst>
+          </p:cNvPr>
+          <p:cNvPicPr>
+            <a:picLocks noChangeAspect="1"/>
+          </p:cNvPicPr>
+          <p:nvPr/>
+        </p:nvPicPr>
+        <p:blipFill rotWithShape="1">
+          <a:blip r:embed="rId2"/>
+          <a:srcRect r="5882" b="-1"/>
+          <a:stretch/>
+        </p:blipFill>
+        <p:spPr>
+          <a:xfrm>
+            <a:off x="2522356" y="10"/>
+            <a:ext cx="9669642" cy="6857990"/>
+          </a:xfrm>
+          <a:prstGeom prst="rect">
+            <a:avLst/>
+          </a:prstGeom>
+        </p:spPr>
+      </p:pic>
+      <p:sp>
+        <p:nvSpPr>
+          <p:cNvPr id="11" name="Rectangle 10">
+            <a:extLst>
+              <a:ext uri="{FF2B5EF4-FFF2-40B4-BE49-F238E27FC236}">
+                <a16:creationId xmlns:a16="http://schemas.microsoft.com/office/drawing/2014/main" id="{D1EA859B-E555-4109-94F3-6700E046E008}"/>
+              </a:ext>
+              <a:ext uri="{C183D7F6-B498-43B3-948B-1728B52AA6E4}">
+                <adec:decorative xmlns:adec="http://schemas.microsoft.com/office/drawing/2017/decorative" val="1"/>
+              </a:ext>
+            </a:extLst>
+          </p:cNvPr>
+          <p:cNvSpPr>
+            <a:spLocks noGrp="1" noRot="1" noChangeAspect="1" noMove="1" noResize="1" noEditPoints="1" noAdjustHandles="1" noChangeArrowheads="1" noChangeShapeType="1" noTextEdit="1"/>
+          </p:cNvSpPr>
+          <p:nvPr>
+            <p:extLst>
+              <p:ext uri="{386F3935-93C4-4BCD-93E2-E3B085C9AB24}">
+                <p16:designElem xmlns:p16="http://schemas.microsoft.com/office/powerpoint/2015/main" val="1"/>
+              </p:ext>
+            </p:extLst>
+          </p:nvPr>
+        </p:nvSpPr>
+        <p:spPr>
+          <a:xfrm>
+            <a:off x="-1" y="0"/>
+            <a:ext cx="7390263" cy="6858000"/>
+          </a:xfrm>
+          <a:prstGeom prst="rect">
+            <a:avLst/>
+          </a:prstGeom>
+          <a:gradFill>
+            <a:gsLst>
+              <a:gs pos="48000">
+                <a:schemeClr val="bg1"/>
+              </a:gs>
+              <a:gs pos="35000">
+                <a:schemeClr val="bg1">
+                  <a:alpha val="77000"/>
+                </a:schemeClr>
+              </a:gs>
+              <a:gs pos="19000">
+                <a:schemeClr val="bg1">
+                  <a:alpha val="38000"/>
+                </a:schemeClr>
+              </a:gs>
+              <a:gs pos="0">
+                <a:schemeClr val="bg1">
+                  <a:alpha val="0"/>
+                </a:schemeClr>
+              </a:gs>
+              <a:gs pos="100000">
+                <a:schemeClr val="bg1"/>
+              </a:gs>
+            </a:gsLst>
+            <a:lin ang="10800000" scaled="0"/>
+          </a:gradFill>
+          <a:ln>
+            <a:noFill/>
+          </a:ln>
+        </p:spPr>
+        <p:style>
+          <a:lnRef idx="2">
+            <a:schemeClr val="accent1">
+              <a:shade val="50000"/>
+            </a:schemeClr>
+          </a:lnRef>
+          <a:fillRef idx="1">
+            <a:schemeClr val="accent1"/>
+          </a:fillRef>
+          <a:effectRef idx="0">
+            <a:schemeClr val="accent1"/>
+          </a:effectRef>
+          <a:fontRef idx="minor">
+            <a:schemeClr val="lt1"/>
+          </a:fontRef>
+        </p:style>
+        <p:txBody>
+          <a:bodyPr rtlCol="0" anchor="ctr"/>
+          <a:lstStyle/>
+          <a:p>
+            <a:pPr algn="ctr"/>
+            <a:endParaRPr lang="en-US" dirty="0"/>
+          </a:p>
+        </p:txBody>
+      </p:sp>
+      <p:sp>
+        <p:nvSpPr>
+          <p:cNvPr id="2" name="Titre 1">
+            <a:extLst>
+              <a:ext uri="{FF2B5EF4-FFF2-40B4-BE49-F238E27FC236}">
+                <a16:creationId xmlns:a16="http://schemas.microsoft.com/office/drawing/2014/main" id="{96AE5343-B395-285D-6853-6F8FC9F754AA}"/>
+              </a:ext>
+            </a:extLst>
+          </p:cNvPr>
+          <p:cNvSpPr>
+            <a:spLocks noGrp="1"/>
+          </p:cNvSpPr>
+          <p:nvPr>
+            <p:ph type="title"/>
+          </p:nvPr>
+        </p:nvSpPr>
+        <p:spPr>
+          <a:xfrm>
+            <a:off x="838200" y="365125"/>
+            <a:ext cx="3822189" cy="1899912"/>
+          </a:xfrm>
+        </p:spPr>
+        <p:txBody>
+          <a:bodyPr>
+            <a:normAutofit/>
+          </a:bodyPr>
+          <a:lstStyle/>
+          <a:p>
+            <a:r>
+              <a:rPr lang="fr-FR" sz="4000" dirty="0"/>
+              <a:t>2/ </a:t>
+            </a:r>
+            <a:r>
+              <a:rPr lang="en-US" sz="4000" dirty="0"/>
+              <a:t>Realization</a:t>
+            </a:r>
+            <a:endParaRPr lang="fr-FR" sz="4000" dirty="0"/>
+          </a:p>
+        </p:txBody>
+      </p:sp>
+      <p:sp>
+        <p:nvSpPr>
+          <p:cNvPr id="3" name="Espace réservé du contenu 2">
+            <a:extLst>
+              <a:ext uri="{FF2B5EF4-FFF2-40B4-BE49-F238E27FC236}">
+                <a16:creationId xmlns:a16="http://schemas.microsoft.com/office/drawing/2014/main" id="{EB505ADB-3543-1A6A-D6AA-DCA26BC6531F}"/>
+              </a:ext>
+            </a:extLst>
+          </p:cNvPr>
+          <p:cNvSpPr>
+            <a:spLocks noGrp="1"/>
+          </p:cNvSpPr>
+          <p:nvPr>
+            <p:ph idx="1"/>
+          </p:nvPr>
+        </p:nvSpPr>
+        <p:spPr>
+          <a:xfrm>
+            <a:off x="838200" y="2434201"/>
+            <a:ext cx="3822189" cy="3742762"/>
+          </a:xfrm>
+        </p:spPr>
+        <p:txBody>
+          <a:bodyPr>
+            <a:normAutofit/>
+          </a:bodyPr>
+          <a:lstStyle/>
+          <a:p>
+            <a:r>
+              <a:rPr lang="fr-FR" sz="2000"/>
+              <a:t>Key is coding .</a:t>
+            </a:r>
+          </a:p>
+        </p:txBody>
+      </p:sp>
+    </p:spTree>
+    <p:extLst>
+      <p:ext uri="{BB962C8B-B14F-4D97-AF65-F5344CB8AC3E}">
+        <p14:creationId xmlns:p14="http://schemas.microsoft.com/office/powerpoint/2010/main" val="2812649655"/>
+      </p:ext>
+    </p:extLst>
+  </p:cSld>
+  <p:clrMapOvr>
+    <a:masterClrMapping/>
+  </p:clrMapOvr>
+</p:sld>
+</file>
+
+<file path=ppt/slides/slide7.xml><?xml version="1.0" encoding="utf-8"?>
+<p:sld xmlns:a="http://schemas.openxmlformats.org/drawingml/2006/main" xmlns:r="http://schemas.openxmlformats.org/officeDocument/2006/relationships" xmlns:p="http://schemas.openxmlformats.org/presentationml/2006/main">
+  <p:cSld>
+    <p:bg>
+      <p:bgPr>
+        <a:solidFill>
+          <a:schemeClr val="bg1"/>
+        </a:solidFill>
+        <a:effectLst/>
+      </p:bgPr>
+    </p:bg>
+    <p:spTree>
+      <p:nvGrpSpPr>
+        <p:cNvPr id="1" name=""/>
+        <p:cNvGrpSpPr/>
+        <p:nvPr/>
+      </p:nvGrpSpPr>
+      <p:grpSpPr>
+        <a:xfrm>
+          <a:off x="0" y="0"/>
+          <a:ext cx="0" cy="0"/>
+          <a:chOff x="0" y="0"/>
+          <a:chExt cx="0" cy="0"/>
+        </a:xfrm>
+      </p:grpSpPr>
+      <p:sp useBgFill="1">
+        <p:nvSpPr>
+          <p:cNvPr id="8" name="Rectangle 7">
+            <a:extLst>
+              <a:ext uri="{FF2B5EF4-FFF2-40B4-BE49-F238E27FC236}">
+                <a16:creationId xmlns:a16="http://schemas.microsoft.com/office/drawing/2014/main" id="{777A147A-9ED8-46B4-8660-1B3C2AA880B5}"/>
+              </a:ext>
+              <a:ext uri="{C183D7F6-B498-43B3-948B-1728B52AA6E4}">
+                <adec:decorative xmlns:adec="http://schemas.microsoft.com/office/drawing/2017/decorative" val="1"/>
+              </a:ext>
+            </a:extLst>
+          </p:cNvPr>
+          <p:cNvSpPr>
+            <a:spLocks noGrp="1" noRot="1" noChangeAspect="1" noMove="1" noResize="1" noEditPoints="1" noAdjustHandles="1" noChangeArrowheads="1" noChangeShapeType="1" noTextEdit="1"/>
+          </p:cNvSpPr>
+          <p:nvPr>
+            <p:extLst>
+              <p:ext uri="{386F3935-93C4-4BCD-93E2-E3B085C9AB24}">
+                <p16:designElem xmlns:p16="http://schemas.microsoft.com/office/powerpoint/2015/main" val="1"/>
+              </p:ext>
+            </p:extLst>
+          </p:nvPr>
+        </p:nvSpPr>
+        <p:spPr>
+          <a:xfrm>
+            <a:off x="0" y="0"/>
+            <a:ext cx="12188952" cy="6858000"/>
+          </a:xfrm>
+          <a:prstGeom prst="rect">
+            <a:avLst/>
+          </a:prstGeom>
+          <a:ln>
+            <a:noFill/>
+          </a:ln>
+        </p:spPr>
+        <p:style>
+          <a:lnRef idx="2">
+            <a:schemeClr val="accent1">
+              <a:shade val="50000"/>
+            </a:schemeClr>
+          </a:lnRef>
+          <a:fillRef idx="1">
+            <a:schemeClr val="accent1"/>
+          </a:fillRef>
+          <a:effectRef idx="0">
+            <a:schemeClr val="accent1"/>
+          </a:effectRef>
+          <a:fontRef idx="minor">
+            <a:schemeClr val="lt1"/>
+          </a:fontRef>
+        </p:style>
+        <p:txBody>
+          <a:bodyPr rtlCol="0" anchor="ctr"/>
+          <a:lstStyle/>
+          <a:p>
+            <a:pPr algn="ctr"/>
+            <a:endParaRPr lang="en-US"/>
+          </a:p>
+        </p:txBody>
+      </p:sp>
+      <p:sp>
+        <p:nvSpPr>
+          <p:cNvPr id="2" name="Titre 1">
+            <a:extLst>
+              <a:ext uri="{FF2B5EF4-FFF2-40B4-BE49-F238E27FC236}">
+                <a16:creationId xmlns:a16="http://schemas.microsoft.com/office/drawing/2014/main" id="{DF9C0824-35AC-B060-899B-BF33A8AC7AC6}"/>
+              </a:ext>
+            </a:extLst>
+          </p:cNvPr>
+          <p:cNvSpPr>
+            <a:spLocks noGrp="1"/>
+          </p:cNvSpPr>
+          <p:nvPr>
+            <p:ph type="title"/>
+          </p:nvPr>
+        </p:nvSpPr>
+        <p:spPr>
+          <a:xfrm>
+            <a:off x="841248" y="548640"/>
+            <a:ext cx="3600860" cy="5431536"/>
+          </a:xfrm>
+        </p:spPr>
+        <p:txBody>
+          <a:bodyPr>
+            <a:normAutofit/>
+          </a:bodyPr>
+          <a:lstStyle/>
+          <a:p>
+            <a:r>
+              <a:rPr lang="fr-FR" sz="4200" dirty="0"/>
+              <a:t>3/ </a:t>
+            </a:r>
+            <a:r>
+              <a:rPr lang="fr-FR" sz="4200" dirty="0" err="1"/>
+              <a:t>Finalization</a:t>
+            </a:r>
+            <a:r>
+              <a:rPr lang="fr-FR" sz="4200" dirty="0"/>
+              <a:t> </a:t>
+            </a:r>
+            <a:r>
+              <a:rPr lang="fr-FR" sz="4200" dirty="0" err="1"/>
+              <a:t>with</a:t>
+            </a:r>
+            <a:r>
+              <a:rPr lang="fr-FR" sz="4200" dirty="0"/>
+              <a:t> </a:t>
+            </a:r>
+            <a:r>
+              <a:rPr lang="fr-FR" sz="4200" dirty="0" err="1"/>
+              <a:t>improvement</a:t>
+            </a:r>
+            <a:endParaRPr lang="fr-FR" sz="4200" dirty="0"/>
+          </a:p>
+        </p:txBody>
+      </p:sp>
+      <p:sp>
+        <p:nvSpPr>
+          <p:cNvPr id="10" name="sketch line">
+            <a:extLst>
+              <a:ext uri="{FF2B5EF4-FFF2-40B4-BE49-F238E27FC236}">
+                <a16:creationId xmlns:a16="http://schemas.microsoft.com/office/drawing/2014/main" id="{5D6C15A0-C087-4593-8414-2B4EC1CDC3DE}"/>
+              </a:ext>
+              <a:ext uri="{C183D7F6-B498-43B3-948B-1728B52AA6E4}">
+                <adec:decorative xmlns:adec="http://schemas.microsoft.com/office/drawing/2017/decorative" val="1"/>
+              </a:ext>
+            </a:extLst>
+          </p:cNvPr>
+          <p:cNvSpPr>
+            <a:spLocks noGrp="1" noRot="1" noChangeAspect="1" noMove="1" noResize="1" noEditPoints="1" noAdjustHandles="1" noChangeArrowheads="1" noChangeShapeType="1" noTextEdit="1"/>
+          </p:cNvSpPr>
+          <p:nvPr>
+            <p:extLst>
+              <p:ext uri="{386F3935-93C4-4BCD-93E2-E3B085C9AB24}">
+                <p16:designElem xmlns:p16="http://schemas.microsoft.com/office/powerpoint/2015/main" val="1"/>
+              </p:ext>
+            </p:extLst>
+          </p:nvPr>
+        </p:nvSpPr>
+        <p:spPr>
+          <a:xfrm rot="5400000">
+            <a:off x="2543983" y="3258715"/>
+            <a:ext cx="4480560" cy="18288"/>
+          </a:xfrm>
+          <a:custGeom>
+            <a:avLst/>
+            <a:gdLst>
+              <a:gd name="connsiteX0" fmla="*/ 0 w 4480560"/>
+              <a:gd name="connsiteY0" fmla="*/ 0 h 18288"/>
+              <a:gd name="connsiteX1" fmla="*/ 595274 w 4480560"/>
+              <a:gd name="connsiteY1" fmla="*/ 0 h 18288"/>
+              <a:gd name="connsiteX2" fmla="*/ 1100938 w 4480560"/>
+              <a:gd name="connsiteY2" fmla="*/ 0 h 18288"/>
+              <a:gd name="connsiteX3" fmla="*/ 1651406 w 4480560"/>
+              <a:gd name="connsiteY3" fmla="*/ 0 h 18288"/>
+              <a:gd name="connsiteX4" fmla="*/ 2336292 w 4480560"/>
+              <a:gd name="connsiteY4" fmla="*/ 0 h 18288"/>
+              <a:gd name="connsiteX5" fmla="*/ 2931566 w 4480560"/>
+              <a:gd name="connsiteY5" fmla="*/ 0 h 18288"/>
+              <a:gd name="connsiteX6" fmla="*/ 3482035 w 4480560"/>
+              <a:gd name="connsiteY6" fmla="*/ 0 h 18288"/>
+              <a:gd name="connsiteX7" fmla="*/ 4480560 w 4480560"/>
+              <a:gd name="connsiteY7" fmla="*/ 0 h 18288"/>
+              <a:gd name="connsiteX8" fmla="*/ 4480560 w 4480560"/>
+              <a:gd name="connsiteY8" fmla="*/ 18288 h 18288"/>
+              <a:gd name="connsiteX9" fmla="*/ 3840480 w 4480560"/>
+              <a:gd name="connsiteY9" fmla="*/ 18288 h 18288"/>
+              <a:gd name="connsiteX10" fmla="*/ 3290011 w 4480560"/>
+              <a:gd name="connsiteY10" fmla="*/ 18288 h 18288"/>
+              <a:gd name="connsiteX11" fmla="*/ 2560320 w 4480560"/>
+              <a:gd name="connsiteY11" fmla="*/ 18288 h 18288"/>
+              <a:gd name="connsiteX12" fmla="*/ 1965046 w 4480560"/>
+              <a:gd name="connsiteY12" fmla="*/ 18288 h 18288"/>
+              <a:gd name="connsiteX13" fmla="*/ 1459382 w 4480560"/>
+              <a:gd name="connsiteY13" fmla="*/ 18288 h 18288"/>
+              <a:gd name="connsiteX14" fmla="*/ 774497 w 4480560"/>
+              <a:gd name="connsiteY14" fmla="*/ 18288 h 18288"/>
+              <a:gd name="connsiteX15" fmla="*/ 0 w 4480560"/>
+              <a:gd name="connsiteY15" fmla="*/ 18288 h 18288"/>
+              <a:gd name="connsiteX16" fmla="*/ 0 w 4480560"/>
+              <a:gd name="connsiteY16" fmla="*/ 0 h 18288"/>
+            </a:gdLst>
+            <a:ahLst/>
+            <a:cxnLst>
+              <a:cxn ang="0">
+                <a:pos x="connsiteX0" y="connsiteY0"/>
+              </a:cxn>
+              <a:cxn ang="0">
+                <a:pos x="connsiteX1" y="connsiteY1"/>
+              </a:cxn>
+              <a:cxn ang="0">
+                <a:pos x="connsiteX2" y="connsiteY2"/>
+              </a:cxn>
+              <a:cxn ang="0">
+                <a:pos x="connsiteX3" y="connsiteY3"/>
+              </a:cxn>
+              <a:cxn ang="0">
+                <a:pos x="connsiteX4" y="connsiteY4"/>
+              </a:cxn>
+              <a:cxn ang="0">
+                <a:pos x="connsiteX5" y="connsiteY5"/>
+              </a:cxn>
+              <a:cxn ang="0">
+                <a:pos x="connsiteX6" y="connsiteY6"/>
+              </a:cxn>
+              <a:cxn ang="0">
+                <a:pos x="connsiteX7" y="connsiteY7"/>
+              </a:cxn>
+              <a:cxn ang="0">
+                <a:pos x="connsiteX8" y="connsiteY8"/>
+              </a:cxn>
+              <a:cxn ang="0">
+                <a:pos x="connsiteX9" y="connsiteY9"/>
+              </a:cxn>
+              <a:cxn ang="0">
+                <a:pos x="connsiteX10" y="connsiteY10"/>
+              </a:cxn>
+              <a:cxn ang="0">
+                <a:pos x="connsiteX11" y="connsiteY11"/>
+              </a:cxn>
+              <a:cxn ang="0">
+                <a:pos x="connsiteX12" y="connsiteY12"/>
+              </a:cxn>
+              <a:cxn ang="0">
+                <a:pos x="connsiteX13" y="connsiteY13"/>
+              </a:cxn>
+              <a:cxn ang="0">
+                <a:pos x="connsiteX14" y="connsiteY14"/>
+              </a:cxn>
+              <a:cxn ang="0">
+                <a:pos x="connsiteX15" y="connsiteY15"/>
+              </a:cxn>
+              <a:cxn ang="0">
+                <a:pos x="connsiteX16" y="connsiteY16"/>
+              </a:cxn>
+            </a:cxnLst>
+            <a:rect l="l" t="t" r="r" b="b"/>
+            <a:pathLst>
+              <a:path w="4480560" h="18288" fill="none" extrusionOk="0">
+                <a:moveTo>
+                  <a:pt x="0" y="0"/>
+                </a:moveTo>
+                <a:cubicBezTo>
+                  <a:pt x="267821" y="8731"/>
+                  <a:pt x="334105" y="2629"/>
+                  <a:pt x="595274" y="0"/>
+                </a:cubicBezTo>
+                <a:cubicBezTo>
+                  <a:pt x="856443" y="-2629"/>
+                  <a:pt x="863808" y="-13353"/>
+                  <a:pt x="1100938" y="0"/>
+                </a:cubicBezTo>
+                <a:cubicBezTo>
+                  <a:pt x="1338068" y="13353"/>
+                  <a:pt x="1431663" y="-25862"/>
+                  <a:pt x="1651406" y="0"/>
+                </a:cubicBezTo>
+                <a:cubicBezTo>
+                  <a:pt x="1871149" y="25862"/>
+                  <a:pt x="2173163" y="23827"/>
+                  <a:pt x="2336292" y="0"/>
+                </a:cubicBezTo>
+                <a:cubicBezTo>
+                  <a:pt x="2499421" y="-23827"/>
+                  <a:pt x="2720589" y="28148"/>
+                  <a:pt x="2931566" y="0"/>
+                </a:cubicBezTo>
+                <a:cubicBezTo>
+                  <a:pt x="3142543" y="-28148"/>
+                  <a:pt x="3323630" y="27022"/>
+                  <a:pt x="3482035" y="0"/>
+                </a:cubicBezTo>
+                <a:cubicBezTo>
+                  <a:pt x="3640440" y="-27022"/>
+                  <a:pt x="4012110" y="-20118"/>
+                  <a:pt x="4480560" y="0"/>
+                </a:cubicBezTo>
+                <a:cubicBezTo>
+                  <a:pt x="4480958" y="7429"/>
+                  <a:pt x="4480540" y="10822"/>
+                  <a:pt x="4480560" y="18288"/>
+                </a:cubicBezTo>
+                <a:cubicBezTo>
+                  <a:pt x="4314132" y="14924"/>
+                  <a:pt x="4028383" y="36632"/>
+                  <a:pt x="3840480" y="18288"/>
+                </a:cubicBezTo>
+                <a:cubicBezTo>
+                  <a:pt x="3652577" y="-56"/>
+                  <a:pt x="3547615" y="2848"/>
+                  <a:pt x="3290011" y="18288"/>
+                </a:cubicBezTo>
+                <a:cubicBezTo>
+                  <a:pt x="3032407" y="33728"/>
+                  <a:pt x="2830268" y="8719"/>
+                  <a:pt x="2560320" y="18288"/>
+                </a:cubicBezTo>
+                <a:cubicBezTo>
+                  <a:pt x="2290372" y="27857"/>
+                  <a:pt x="2147422" y="6728"/>
+                  <a:pt x="1965046" y="18288"/>
+                </a:cubicBezTo>
+                <a:cubicBezTo>
+                  <a:pt x="1782670" y="29848"/>
+                  <a:pt x="1689791" y="40680"/>
+                  <a:pt x="1459382" y="18288"/>
+                </a:cubicBezTo>
+                <a:cubicBezTo>
+                  <a:pt x="1228973" y="-4104"/>
+                  <a:pt x="915486" y="36501"/>
+                  <a:pt x="774497" y="18288"/>
+                </a:cubicBezTo>
+                <a:cubicBezTo>
+                  <a:pt x="633508" y="75"/>
+                  <a:pt x="361442" y="-11107"/>
+                  <a:pt x="0" y="18288"/>
+                </a:cubicBezTo>
+                <a:cubicBezTo>
+                  <a:pt x="-591" y="13205"/>
+                  <a:pt x="-663" y="6329"/>
+                  <a:pt x="0" y="0"/>
+                </a:cubicBezTo>
+                <a:close/>
+              </a:path>
+              <a:path w="4480560" h="18288" stroke="0" extrusionOk="0">
+                <a:moveTo>
+                  <a:pt x="0" y="0"/>
+                </a:moveTo>
+                <a:cubicBezTo>
+                  <a:pt x="285465" y="225"/>
+                  <a:pt x="322691" y="16223"/>
+                  <a:pt x="595274" y="0"/>
+                </a:cubicBezTo>
+                <a:cubicBezTo>
+                  <a:pt x="867857" y="-16223"/>
+                  <a:pt x="989129" y="-11242"/>
+                  <a:pt x="1100938" y="0"/>
+                </a:cubicBezTo>
+                <a:cubicBezTo>
+                  <a:pt x="1212747" y="11242"/>
+                  <a:pt x="1574350" y="-36410"/>
+                  <a:pt x="1830629" y="0"/>
+                </a:cubicBezTo>
+                <a:cubicBezTo>
+                  <a:pt x="2086908" y="36410"/>
+                  <a:pt x="2180922" y="4645"/>
+                  <a:pt x="2425903" y="0"/>
+                </a:cubicBezTo>
+                <a:cubicBezTo>
+                  <a:pt x="2670884" y="-4645"/>
+                  <a:pt x="2782024" y="22929"/>
+                  <a:pt x="3021178" y="0"/>
+                </a:cubicBezTo>
+                <a:cubicBezTo>
+                  <a:pt x="3260332" y="-22929"/>
+                  <a:pt x="3456982" y="-1586"/>
+                  <a:pt x="3750869" y="0"/>
+                </a:cubicBezTo>
+                <a:cubicBezTo>
+                  <a:pt x="4044756" y="1586"/>
+                  <a:pt x="4302726" y="17043"/>
+                  <a:pt x="4480560" y="0"/>
+                </a:cubicBezTo>
+                <a:cubicBezTo>
+                  <a:pt x="4479674" y="5429"/>
+                  <a:pt x="4481381" y="14046"/>
+                  <a:pt x="4480560" y="18288"/>
+                </a:cubicBezTo>
+                <a:cubicBezTo>
+                  <a:pt x="4279652" y="-6850"/>
+                  <a:pt x="4200762" y="41566"/>
+                  <a:pt x="3930091" y="18288"/>
+                </a:cubicBezTo>
+                <a:cubicBezTo>
+                  <a:pt x="3659420" y="-4990"/>
+                  <a:pt x="3456052" y="22294"/>
+                  <a:pt x="3290011" y="18288"/>
+                </a:cubicBezTo>
+                <a:cubicBezTo>
+                  <a:pt x="3123970" y="14282"/>
+                  <a:pt x="2882392" y="32818"/>
+                  <a:pt x="2649931" y="18288"/>
+                </a:cubicBezTo>
+                <a:cubicBezTo>
+                  <a:pt x="2417470" y="3758"/>
+                  <a:pt x="2238426" y="7337"/>
+                  <a:pt x="2054657" y="18288"/>
+                </a:cubicBezTo>
+                <a:cubicBezTo>
+                  <a:pt x="1870888" y="29239"/>
+                  <a:pt x="1566368" y="45040"/>
+                  <a:pt x="1324966" y="18288"/>
+                </a:cubicBezTo>
+                <a:cubicBezTo>
+                  <a:pt x="1083564" y="-8464"/>
+                  <a:pt x="787410" y="10946"/>
+                  <a:pt x="595274" y="18288"/>
+                </a:cubicBezTo>
+                <a:cubicBezTo>
+                  <a:pt x="403138" y="25630"/>
+                  <a:pt x="169622" y="10499"/>
+                  <a:pt x="0" y="18288"/>
+                </a:cubicBezTo>
+                <a:cubicBezTo>
+                  <a:pt x="668" y="13665"/>
+                  <a:pt x="578" y="5675"/>
+                  <a:pt x="0" y="0"/>
+                </a:cubicBezTo>
+                <a:close/>
+              </a:path>
+            </a:pathLst>
+          </a:custGeom>
+          <a:solidFill>
+            <a:schemeClr val="accent2"/>
+          </a:solidFill>
+          <a:ln w="41275" cap="rnd">
+            <a:solidFill>
+              <a:schemeClr val="accent2"/>
+            </a:solidFill>
+            <a:round/>
+            <a:extLst>
+              <a:ext uri="{C807C97D-BFC1-408E-A445-0C87EB9F89A2}">
+                <ask:lineSketchStyleProps xmlns:ask="http://schemas.microsoft.com/office/drawing/2018/sketchyshapes" sd="1219033472">
+                  <a:prstGeom prst="rect">
+                    <a:avLst/>
+                  </a:prstGeom>
+                  <ask:type>
+                    <ask:lineSketchFreehand/>
+                  </ask:type>
+                </ask:lineSketchStyleProps>
+              </a:ext>
+            </a:extLst>
+          </a:ln>
+        </p:spPr>
+        <p:style>
+          <a:lnRef idx="2">
+            <a:schemeClr val="accent1">
+              <a:shade val="50000"/>
+            </a:schemeClr>
+          </a:lnRef>
+          <a:fillRef idx="1">
+            <a:schemeClr val="accent1"/>
+          </a:fillRef>
+          <a:effectRef idx="0">
+            <a:schemeClr val="accent1"/>
+          </a:effectRef>
+          <a:fontRef idx="minor">
+            <a:schemeClr val="lt1"/>
+          </a:fontRef>
+        </p:style>
+        <p:txBody>
+          <a:bodyPr rtlCol="0" anchor="ctr"/>
+          <a:lstStyle/>
+          <a:p>
+            <a:pPr algn="ctr"/>
+            <a:endParaRPr lang="en-US"/>
+          </a:p>
+        </p:txBody>
+      </p:sp>
+      <p:sp>
+        <p:nvSpPr>
+          <p:cNvPr id="13" name="Espace réservé du contenu 2">
+            <a:extLst>
+              <a:ext uri="{FF2B5EF4-FFF2-40B4-BE49-F238E27FC236}">
+                <a16:creationId xmlns:a16="http://schemas.microsoft.com/office/drawing/2014/main" id="{F92C3B55-9B3F-1C61-25B2-95A40CE422B4}"/>
+              </a:ext>
+            </a:extLst>
+          </p:cNvPr>
+          <p:cNvSpPr>
+            <a:spLocks noGrp="1"/>
+          </p:cNvSpPr>
+          <p:nvPr>
+            <p:ph idx="1"/>
+          </p:nvPr>
+        </p:nvSpPr>
+        <p:spPr>
+          <a:xfrm>
+            <a:off x="5126418" y="552091"/>
+            <a:ext cx="6224335" cy="5431536"/>
+          </a:xfrm>
+        </p:spPr>
+        <p:txBody>
+          <a:bodyPr anchor="ctr">
+            <a:normAutofit/>
+          </a:bodyPr>
+          <a:lstStyle/>
+          <a:p>
+            <a:r>
+              <a:rPr lang="fr-FR" sz="2200" dirty="0" err="1"/>
+              <a:t>Tested</a:t>
+            </a:r>
+            <a:r>
+              <a:rPr lang="fr-FR" sz="2200" dirty="0"/>
+              <a:t> by Andy on Friday at 16h</a:t>
+            </a:r>
+          </a:p>
+          <a:p>
+            <a:pPr marL="0" indent="0">
+              <a:buNone/>
+            </a:pPr>
+            <a:endParaRPr lang="fr-FR" sz="2200" dirty="0"/>
+          </a:p>
+          <a:p>
+            <a:pPr marL="0" indent="0">
+              <a:buNone/>
+            </a:pPr>
+            <a:r>
+              <a:rPr lang="fr-FR" sz="2200" dirty="0"/>
+              <a:t>Feedback:  </a:t>
+            </a:r>
+          </a:p>
+          <a:p>
+            <a:pPr marL="0" indent="0">
+              <a:buNone/>
+            </a:pPr>
+            <a:r>
+              <a:rPr lang="fr-FR" sz="2200" dirty="0"/>
+              <a:t>1/ Put a </a:t>
+            </a:r>
+            <a:r>
+              <a:rPr lang="fr-FR" sz="2200" dirty="0" err="1"/>
+              <a:t>space</a:t>
+            </a:r>
+            <a:r>
+              <a:rPr lang="fr-FR" sz="2200" dirty="0"/>
+              <a:t> </a:t>
+            </a:r>
+            <a:r>
+              <a:rPr lang="fr-FR" sz="2200" dirty="0" err="1"/>
+              <a:t>between</a:t>
+            </a:r>
+            <a:r>
+              <a:rPr lang="fr-FR" sz="2200" dirty="0"/>
+              <a:t> </a:t>
+            </a:r>
+            <a:r>
+              <a:rPr lang="fr-FR" sz="2200" dirty="0" err="1"/>
+              <a:t>each</a:t>
+            </a:r>
+            <a:r>
+              <a:rPr lang="fr-FR" sz="2200" dirty="0"/>
+              <a:t> </a:t>
+            </a:r>
+            <a:r>
+              <a:rPr lang="fr-FR" sz="2200" dirty="0" err="1"/>
+              <a:t>character</a:t>
+            </a:r>
+            <a:r>
+              <a:rPr lang="fr-FR" sz="2200" dirty="0"/>
+              <a:t> _ _ _ _ _ </a:t>
+            </a:r>
+          </a:p>
+          <a:p>
+            <a:pPr marL="0" indent="0">
+              <a:buNone/>
+            </a:pPr>
+            <a:r>
+              <a:rPr lang="fr-FR" sz="2200" dirty="0"/>
+              <a:t>2/Change the </a:t>
+            </a:r>
+            <a:r>
+              <a:rPr lang="fr-FR" sz="2200" dirty="0" err="1"/>
+              <a:t>words</a:t>
+            </a:r>
+            <a:r>
+              <a:rPr lang="fr-FR" sz="2200" dirty="0"/>
+              <a:t> and </a:t>
+            </a:r>
+            <a:r>
+              <a:rPr lang="fr-FR" sz="2200" dirty="0" err="1"/>
+              <a:t>make</a:t>
+            </a:r>
+            <a:r>
+              <a:rPr lang="fr-FR" sz="2200" dirty="0"/>
+              <a:t> </a:t>
+            </a:r>
+            <a:r>
+              <a:rPr lang="fr-FR" sz="2200" dirty="0" err="1"/>
+              <a:t>it</a:t>
+            </a:r>
+            <a:r>
+              <a:rPr lang="fr-FR" sz="2200" dirty="0"/>
+              <a:t> more fun.</a:t>
+            </a:r>
+          </a:p>
+          <a:p>
+            <a:pPr marL="0" indent="0">
+              <a:buNone/>
+            </a:pPr>
+            <a:r>
+              <a:rPr lang="fr-FR" sz="2200" dirty="0"/>
+              <a:t>3/ Show the </a:t>
+            </a:r>
+            <a:r>
+              <a:rPr lang="fr-FR" sz="2200" dirty="0" err="1"/>
+              <a:t>missed</a:t>
+            </a:r>
+            <a:r>
+              <a:rPr lang="fr-FR" sz="2200" dirty="0"/>
+              <a:t> </a:t>
+            </a:r>
+            <a:r>
+              <a:rPr lang="fr-FR" sz="2200" dirty="0" err="1"/>
+              <a:t>word</a:t>
+            </a:r>
+            <a:r>
+              <a:rPr lang="fr-FR" sz="2200" dirty="0"/>
+              <a:t> if </a:t>
+            </a:r>
+            <a:r>
+              <a:rPr lang="fr-FR" sz="2200" dirty="0" err="1"/>
+              <a:t>game</a:t>
+            </a:r>
+            <a:r>
+              <a:rPr lang="fr-FR" sz="2200" dirty="0"/>
+              <a:t> </a:t>
+            </a:r>
+            <a:r>
+              <a:rPr lang="fr-FR" sz="2200" dirty="0" err="1"/>
+              <a:t>is</a:t>
+            </a:r>
+            <a:r>
+              <a:rPr lang="fr-FR" sz="2200" dirty="0"/>
+              <a:t> </a:t>
+            </a:r>
+            <a:r>
+              <a:rPr lang="fr-FR" sz="2200" dirty="0" err="1"/>
+              <a:t>lost</a:t>
+            </a:r>
+            <a:r>
+              <a:rPr lang="fr-FR" sz="2200" dirty="0"/>
+              <a:t>.</a:t>
+            </a:r>
+          </a:p>
+          <a:p>
+            <a:pPr marL="0" indent="0">
+              <a:buNone/>
+            </a:pPr>
+            <a:endParaRPr lang="fr-FR" sz="2200" dirty="0"/>
+          </a:p>
+          <a:p>
+            <a:pPr marL="0" indent="0">
+              <a:buNone/>
+            </a:pPr>
+            <a:r>
+              <a:rPr lang="fr-FR" sz="2200" dirty="0"/>
+              <a:t>Our </a:t>
+            </a:r>
+            <a:r>
+              <a:rPr lang="fr-FR" sz="2200" dirty="0" err="1"/>
+              <a:t>bonuses</a:t>
+            </a:r>
+            <a:r>
+              <a:rPr lang="fr-FR" sz="2200" dirty="0"/>
+              <a:t>: </a:t>
+            </a:r>
+          </a:p>
+          <a:p>
+            <a:pPr marL="0" indent="0">
+              <a:buNone/>
+            </a:pPr>
+            <a:r>
+              <a:rPr lang="fr-FR" sz="2200" dirty="0"/>
+              <a:t>1/ </a:t>
+            </a:r>
+            <a:r>
+              <a:rPr lang="fr-FR" sz="2200" dirty="0" err="1"/>
+              <a:t>Drawing</a:t>
+            </a:r>
+            <a:endParaRPr lang="fr-FR" sz="2200" dirty="0"/>
+          </a:p>
+          <a:p>
+            <a:pPr marL="0" indent="0">
+              <a:buNone/>
+            </a:pPr>
+            <a:r>
+              <a:rPr lang="fr-FR" sz="2200" dirty="0"/>
+              <a:t>2/ </a:t>
+            </a:r>
+            <a:r>
+              <a:rPr lang="fr-FR" sz="2200" dirty="0" err="1"/>
+              <a:t>Two-player</a:t>
+            </a:r>
+            <a:r>
+              <a:rPr lang="fr-FR" sz="2200" dirty="0"/>
+              <a:t> option</a:t>
+            </a:r>
+          </a:p>
+        </p:txBody>
+      </p:sp>
+    </p:spTree>
+    <p:extLst>
+      <p:ext uri="{BB962C8B-B14F-4D97-AF65-F5344CB8AC3E}">
+        <p14:creationId xmlns:p14="http://schemas.microsoft.com/office/powerpoint/2010/main" val="197017055"/>
+      </p:ext>
+    </p:extLst>
+  </p:cSld>
+  <p:clrMapOvr>
+    <a:masterClrMapping/>
+  </p:clrMapOvr>
+</p:sld>
+</file>
+
+<file path=ppt/slides/slide8.xml><?xml version="1.0" encoding="utf-8"?>
 <p:sld xmlns:a="http://schemas.openxmlformats.org/drawingml/2006/main" xmlns:r="http://schemas.openxmlformats.org/officeDocument/2006/relationships" xmlns:p="http://schemas.openxmlformats.org/presentationml/2006/main">
   <p:cSld>
     <p:spTree>
@@ -3590,7 +6408,7 @@
           <p:cNvPr id="2" name="Title 1">
             <a:extLst>
               <a:ext uri="{FF2B5EF4-FFF2-40B4-BE49-F238E27FC236}">
-                <a16:creationId xmlns:a16="http://schemas.microsoft.com/office/drawing/2014/main" id="{23FD7EEC-3707-724D-8AC9-20C9693E525F}"/>
+                <a16:creationId xmlns:a16="http://schemas.microsoft.com/office/drawing/2014/main" id="{3F83FF9A-FA7A-8545-BDB3-17B66F207D47}"/>
               </a:ext>
             </a:extLst>
           </p:cNvPr>
@@ -3608,45 +6426,410 @@
           <a:p>
             <a:r>
               <a:rPr lang="fr-FR" dirty="0"/>
-              <a:t>Description of the </a:t>
+              <a:t>Challenges</a:t>
+            </a:r>
+          </a:p>
+        </p:txBody>
+      </p:sp>
+      <p:sp>
+        <p:nvSpPr>
+          <p:cNvPr id="3" name="Content Placeholder 2">
+            <a:extLst>
+              <a:ext uri="{FF2B5EF4-FFF2-40B4-BE49-F238E27FC236}">
+                <a16:creationId xmlns:a16="http://schemas.microsoft.com/office/drawing/2014/main" id="{906581BB-FAA7-7944-B936-8CBFB93D9767}"/>
+              </a:ext>
+            </a:extLst>
+          </p:cNvPr>
+          <p:cNvSpPr>
+            <a:spLocks noGrp="1"/>
+          </p:cNvSpPr>
+          <p:nvPr>
+            <p:ph idx="1"/>
+          </p:nvPr>
+        </p:nvSpPr>
+        <p:spPr/>
+        <p:txBody>
+          <a:bodyPr/>
+          <a:lstStyle/>
+          <a:p>
+            <a:r>
+              <a:rPr lang="fr-FR" dirty="0" err="1"/>
+              <a:t>Different</a:t>
+            </a:r>
+            <a:r>
+              <a:rPr lang="fr-FR" dirty="0"/>
+              <a:t> software and </a:t>
+            </a:r>
+            <a:r>
+              <a:rPr lang="fr-FR" dirty="0" err="1"/>
+              <a:t>levels</a:t>
+            </a:r>
+            <a:r>
+              <a:rPr lang="fr-FR" dirty="0"/>
+              <a:t> of </a:t>
+            </a:r>
+            <a:r>
+              <a:rPr lang="fr-FR" dirty="0" err="1"/>
+              <a:t>understanding</a:t>
+            </a:r>
+            <a:r>
+              <a:rPr lang="fr-FR" dirty="0"/>
+              <a:t> of git</a:t>
+            </a:r>
+          </a:p>
+          <a:p>
+            <a:r>
+              <a:rPr lang="fr-FR" dirty="0"/>
+              <a:t>New issues </a:t>
+            </a:r>
+            <a:r>
+              <a:rPr lang="fr-FR" dirty="0" err="1"/>
+              <a:t>found</a:t>
+            </a:r>
+            <a:r>
+              <a:rPr lang="fr-FR" dirty="0"/>
+              <a:t> </a:t>
+            </a:r>
+            <a:r>
+              <a:rPr lang="fr-FR" dirty="0" err="1"/>
+              <a:t>while</a:t>
+            </a:r>
+            <a:r>
+              <a:rPr lang="fr-FR" dirty="0"/>
+              <a:t> </a:t>
+            </a:r>
+            <a:r>
+              <a:rPr lang="fr-FR" dirty="0" err="1"/>
+              <a:t>coding</a:t>
+            </a:r>
+            <a:r>
+              <a:rPr lang="fr-FR" dirty="0"/>
+              <a:t> (</a:t>
+            </a:r>
+            <a:r>
+              <a:rPr lang="fr-FR" dirty="0" err="1"/>
+              <a:t>that</a:t>
+            </a:r>
+            <a:r>
+              <a:rPr lang="fr-FR" dirty="0"/>
+              <a:t> </a:t>
+            </a:r>
+            <a:r>
+              <a:rPr lang="fr-FR" dirty="0" err="1"/>
+              <a:t>we</a:t>
+            </a:r>
+            <a:r>
+              <a:rPr lang="fr-FR" dirty="0"/>
+              <a:t> </a:t>
+            </a:r>
+            <a:r>
+              <a:rPr lang="fr-FR" dirty="0" err="1"/>
+              <a:t>didn’t</a:t>
+            </a:r>
+            <a:r>
+              <a:rPr lang="fr-FR" dirty="0"/>
+              <a:t> </a:t>
+            </a:r>
+            <a:r>
+              <a:rPr lang="fr-FR" dirty="0" err="1"/>
+              <a:t>identify</a:t>
+            </a:r>
+            <a:r>
+              <a:rPr lang="fr-FR" dirty="0"/>
+              <a:t> in the pseudocode) </a:t>
+            </a:r>
+          </a:p>
+          <a:p>
+            <a:pPr lvl="1"/>
+            <a:r>
+              <a:rPr lang="fr-FR" dirty="0" err="1"/>
+              <a:t>We</a:t>
+            </a:r>
+            <a:r>
+              <a:rPr lang="fr-FR" dirty="0"/>
+              <a:t> </a:t>
+            </a:r>
+            <a:r>
+              <a:rPr lang="fr-FR" dirty="0" err="1"/>
+              <a:t>hadn’t</a:t>
+            </a:r>
+            <a:r>
+              <a:rPr lang="fr-FR" dirty="0"/>
+              <a:t> </a:t>
+            </a:r>
+            <a:r>
+              <a:rPr lang="fr-FR" dirty="0" err="1"/>
+              <a:t>planned</a:t>
+            </a:r>
+            <a:r>
+              <a:rPr lang="fr-FR" dirty="0"/>
+              <a:t> the </a:t>
+            </a:r>
+            <a:r>
+              <a:rPr lang="fr-FR" dirty="0" err="1"/>
+              <a:t>while</a:t>
+            </a:r>
+            <a:r>
+              <a:rPr lang="fr-FR" dirty="0"/>
+              <a:t> </a:t>
+            </a:r>
+            <a:r>
+              <a:rPr lang="fr-FR" dirty="0" err="1"/>
+              <a:t>loop</a:t>
+            </a:r>
+            <a:r>
+              <a:rPr lang="fr-FR" dirty="0"/>
+              <a:t> </a:t>
+            </a:r>
+            <a:r>
+              <a:rPr lang="fr-FR" dirty="0" err="1"/>
+              <a:t>which</a:t>
+            </a:r>
+            <a:r>
+              <a:rPr lang="fr-FR" dirty="0"/>
+              <a:t> </a:t>
+            </a:r>
+            <a:r>
+              <a:rPr lang="fr-FR" dirty="0" err="1"/>
+              <a:t>was</a:t>
+            </a:r>
+            <a:r>
+              <a:rPr lang="fr-FR" dirty="0"/>
+              <a:t> </a:t>
+            </a:r>
+            <a:r>
+              <a:rPr lang="fr-FR" dirty="0" err="1"/>
+              <a:t>necessary</a:t>
+            </a:r>
+            <a:r>
+              <a:rPr lang="fr-FR" dirty="0"/>
+              <a:t> to </a:t>
+            </a:r>
+            <a:r>
+              <a:rPr lang="fr-FR" dirty="0" err="1"/>
+              <a:t>keep</a:t>
+            </a:r>
+            <a:r>
+              <a:rPr lang="fr-FR" dirty="0"/>
+              <a:t> </a:t>
+            </a:r>
+            <a:r>
+              <a:rPr lang="fr-FR" dirty="0" err="1"/>
+              <a:t>asking</a:t>
+            </a:r>
+            <a:r>
+              <a:rPr lang="fr-FR" dirty="0"/>
+              <a:t> for a </a:t>
+            </a:r>
+            <a:r>
+              <a:rPr lang="fr-FR" dirty="0" err="1"/>
+              <a:t>letter</a:t>
+            </a:r>
+            <a:r>
+              <a:rPr lang="fr-FR" dirty="0"/>
+              <a:t> </a:t>
+            </a:r>
+            <a:r>
+              <a:rPr lang="fr-FR" dirty="0" err="1"/>
+              <a:t>until</a:t>
+            </a:r>
+            <a:r>
+              <a:rPr lang="fr-FR" dirty="0"/>
+              <a:t> the </a:t>
             </a:r>
             <a:r>
               <a:rPr lang="fr-FR" dirty="0" err="1"/>
               <a:t>game</a:t>
             </a:r>
-            <a:endParaRPr lang="fr-FR" dirty="0"/>
-          </a:p>
-        </p:txBody>
-      </p:sp>
-      <p:sp>
-        <p:nvSpPr>
-          <p:cNvPr id="3" name="Content Placeholder 2">
-            <a:extLst>
-              <a:ext uri="{FF2B5EF4-FFF2-40B4-BE49-F238E27FC236}">
-                <a16:creationId xmlns:a16="http://schemas.microsoft.com/office/drawing/2014/main" id="{A0BBE70A-5B0A-D149-A451-CBFB855531BB}"/>
-              </a:ext>
-            </a:extLst>
-          </p:cNvPr>
-          <p:cNvSpPr>
-            <a:spLocks noGrp="1"/>
-          </p:cNvSpPr>
-          <p:nvPr>
-            <p:ph idx="1"/>
-          </p:nvPr>
-        </p:nvSpPr>
-        <p:spPr/>
-        <p:txBody>
-          <a:bodyPr/>
-          <a:lstStyle/>
-          <a:p>
-            <a:endParaRPr lang="fr-FR"/>
+            <a:r>
+              <a:rPr lang="fr-FR" dirty="0"/>
+              <a:t> </a:t>
+            </a:r>
+            <a:r>
+              <a:rPr lang="fr-FR" dirty="0" err="1"/>
+              <a:t>had</a:t>
+            </a:r>
+            <a:r>
+              <a:rPr lang="fr-FR" dirty="0"/>
+              <a:t> </a:t>
+            </a:r>
+            <a:r>
+              <a:rPr lang="fr-FR" dirty="0" err="1"/>
+              <a:t>ended</a:t>
+            </a:r>
+            <a:r>
+              <a:rPr lang="fr-FR" dirty="0"/>
+              <a:t> </a:t>
+            </a:r>
+          </a:p>
+          <a:p>
+            <a:pPr lvl="1"/>
+            <a:r>
+              <a:rPr lang="fr-FR" dirty="0" err="1"/>
+              <a:t>We</a:t>
+            </a:r>
+            <a:r>
+              <a:rPr lang="fr-FR" dirty="0"/>
+              <a:t> </a:t>
+            </a:r>
+            <a:r>
+              <a:rPr lang="fr-FR" dirty="0" err="1"/>
+              <a:t>had</a:t>
+            </a:r>
+            <a:r>
+              <a:rPr lang="fr-FR" dirty="0"/>
+              <a:t> issues </a:t>
+            </a:r>
+            <a:r>
+              <a:rPr lang="fr-FR" dirty="0" err="1"/>
+              <a:t>with</a:t>
+            </a:r>
+            <a:r>
+              <a:rPr lang="fr-FR" dirty="0"/>
+              <a:t> the </a:t>
+            </a:r>
+            <a:r>
+              <a:rPr lang="fr-FR" dirty="0" err="1"/>
+              <a:t>naming</a:t>
+            </a:r>
+            <a:r>
+              <a:rPr lang="fr-FR" dirty="0"/>
+              <a:t> of the variable </a:t>
+            </a:r>
+            <a:r>
+              <a:rPr lang="fr-FR" dirty="0" err="1"/>
+              <a:t>used</a:t>
+            </a:r>
+            <a:r>
+              <a:rPr lang="fr-FR" dirty="0"/>
+              <a:t> to update the </a:t>
+            </a:r>
+            <a:r>
+              <a:rPr lang="fr-FR" dirty="0" err="1"/>
+              <a:t>letters</a:t>
+            </a:r>
+            <a:r>
+              <a:rPr lang="fr-FR" dirty="0"/>
+              <a:t> </a:t>
+            </a:r>
+            <a:r>
+              <a:rPr lang="fr-FR" dirty="0" err="1"/>
+              <a:t>found</a:t>
+            </a:r>
+            <a:r>
+              <a:rPr lang="fr-FR" dirty="0"/>
+              <a:t> and display </a:t>
+            </a:r>
+            <a:r>
+              <a:rPr lang="fr-FR" dirty="0" err="1"/>
+              <a:t>them</a:t>
+            </a:r>
+            <a:r>
+              <a:rPr lang="fr-FR" dirty="0"/>
+              <a:t> : </a:t>
+            </a:r>
+            <a:r>
+              <a:rPr lang="fr-FR" dirty="0" err="1"/>
+              <a:t>it</a:t>
+            </a:r>
+            <a:r>
+              <a:rPr lang="fr-FR" dirty="0"/>
+              <a:t> </a:t>
+            </a:r>
+            <a:r>
+              <a:rPr lang="fr-FR" dirty="0" err="1"/>
+              <a:t>required</a:t>
+            </a:r>
+            <a:r>
+              <a:rPr lang="fr-FR" dirty="0"/>
+              <a:t> </a:t>
+            </a:r>
+            <a:r>
+              <a:rPr lang="fr-FR" dirty="0" err="1"/>
+              <a:t>keeping</a:t>
+            </a:r>
+            <a:r>
+              <a:rPr lang="fr-FR" dirty="0"/>
+              <a:t> the </a:t>
+            </a:r>
+            <a:r>
+              <a:rPr lang="fr-FR" dirty="0" err="1"/>
+              <a:t>same</a:t>
+            </a:r>
+            <a:r>
+              <a:rPr lang="fr-FR" dirty="0"/>
+              <a:t> </a:t>
+            </a:r>
+            <a:r>
+              <a:rPr lang="fr-FR" dirty="0" err="1"/>
+              <a:t>name</a:t>
+            </a:r>
+            <a:r>
+              <a:rPr lang="fr-FR" dirty="0"/>
+              <a:t> but </a:t>
+            </a:r>
+            <a:r>
+              <a:rPr lang="fr-FR" dirty="0" err="1"/>
+              <a:t>converting</a:t>
+            </a:r>
+            <a:r>
+              <a:rPr lang="fr-FR" dirty="0"/>
+              <a:t> </a:t>
+            </a:r>
+            <a:r>
+              <a:rPr lang="fr-FR" dirty="0" err="1"/>
+              <a:t>from</a:t>
+            </a:r>
+            <a:r>
+              <a:rPr lang="fr-FR" dirty="0"/>
+              <a:t> string to </a:t>
+            </a:r>
+            <a:r>
+              <a:rPr lang="fr-FR" dirty="0" err="1"/>
+              <a:t>list</a:t>
+            </a:r>
+            <a:r>
+              <a:rPr lang="fr-FR" dirty="0"/>
+              <a:t> and back) </a:t>
+            </a:r>
+          </a:p>
+          <a:p>
+            <a:pPr lvl="1"/>
+            <a:r>
+              <a:rPr lang="fr-FR" dirty="0"/>
+              <a:t>Don’t go to the sushi place (not </a:t>
+            </a:r>
+            <a:r>
+              <a:rPr lang="fr-FR" dirty="0" err="1"/>
+              <a:t>too</a:t>
+            </a:r>
+            <a:r>
+              <a:rPr lang="fr-FR" dirty="0"/>
+              <a:t> </a:t>
+            </a:r>
+            <a:r>
+              <a:rPr lang="fr-FR" dirty="0" err="1"/>
+              <a:t>expensive</a:t>
+            </a:r>
+            <a:r>
+              <a:rPr lang="fr-FR" dirty="0"/>
+              <a:t> but </a:t>
+            </a:r>
+            <a:r>
+              <a:rPr lang="fr-FR" dirty="0" err="1"/>
+              <a:t>fish</a:t>
+            </a:r>
+            <a:r>
+              <a:rPr lang="fr-FR" dirty="0"/>
+              <a:t> not good) </a:t>
+            </a:r>
           </a:p>
         </p:txBody>
       </p:sp>
     </p:spTree>
     <p:extLst>
       <p:ext uri="{BB962C8B-B14F-4D97-AF65-F5344CB8AC3E}">
-        <p14:creationId xmlns:p14="http://schemas.microsoft.com/office/powerpoint/2010/main" val="6789904"/>
+        <p14:creationId xmlns:p14="http://schemas.microsoft.com/office/powerpoint/2010/main" val="1454727633"/>
       </p:ext>
     </p:extLst>
   </p:cSld>
@@ -3656,7 +6839,7 @@
 </p:sld>
 </file>
 
-<file path=ppt/slides/slide4.xml><?xml version="1.0" encoding="utf-8"?>
+<file path=ppt/slides/slide9.xml><?xml version="1.0" encoding="utf-8"?>
 <p:sld xmlns:a="http://schemas.openxmlformats.org/drawingml/2006/main" xmlns:r="http://schemas.openxmlformats.org/officeDocument/2006/relationships" xmlns:p="http://schemas.openxmlformats.org/presentationml/2006/main">
   <p:cSld>
     <p:spTree>
@@ -3678,7 +6861,7 @@
           <p:cNvPr id="2" name="Title 1">
             <a:extLst>
               <a:ext uri="{FF2B5EF4-FFF2-40B4-BE49-F238E27FC236}">
-                <a16:creationId xmlns:a16="http://schemas.microsoft.com/office/drawing/2014/main" id="{3F83FF9A-FA7A-8545-BDB3-17B66F207D47}"/>
+                <a16:creationId xmlns:a16="http://schemas.microsoft.com/office/drawing/2014/main" id="{80E2BAD0-FEAA-A743-B478-CC037D79703C}"/>
               </a:ext>
             </a:extLst>
           </p:cNvPr>
@@ -3695,136 +6878,62 @@
           <a:lstStyle/>
           <a:p>
             <a:r>
+              <a:rPr lang="fr-FR" dirty="0" err="1"/>
+              <a:t>Highlights</a:t>
+            </a:r>
+            <a:endParaRPr lang="fr-FR" dirty="0"/>
+          </a:p>
+        </p:txBody>
+      </p:sp>
+      <p:sp>
+        <p:nvSpPr>
+          <p:cNvPr id="3" name="Content Placeholder 2">
+            <a:extLst>
+              <a:ext uri="{FF2B5EF4-FFF2-40B4-BE49-F238E27FC236}">
+                <a16:creationId xmlns:a16="http://schemas.microsoft.com/office/drawing/2014/main" id="{4304C057-BFE2-5F4E-B4B6-02913FCA7720}"/>
+              </a:ext>
+            </a:extLst>
+          </p:cNvPr>
+          <p:cNvSpPr>
+            <a:spLocks noGrp="1"/>
+          </p:cNvSpPr>
+          <p:nvPr>
+            <p:ph idx="1"/>
+          </p:nvPr>
+        </p:nvSpPr>
+        <p:spPr>
+          <a:xfrm>
+            <a:off x="838200" y="1573841"/>
+            <a:ext cx="10515600" cy="4351338"/>
+          </a:xfrm>
+        </p:spPr>
+        <p:txBody>
+          <a:bodyPr/>
+          <a:lstStyle/>
+          <a:p>
+            <a:r>
               <a:rPr lang="fr-FR" dirty="0"/>
-              <a:t>Challenges</a:t>
-            </a:r>
-          </a:p>
-        </p:txBody>
-      </p:sp>
-      <p:sp>
-        <p:nvSpPr>
-          <p:cNvPr id="3" name="Content Placeholder 2">
-            <a:extLst>
-              <a:ext uri="{FF2B5EF4-FFF2-40B4-BE49-F238E27FC236}">
-                <a16:creationId xmlns:a16="http://schemas.microsoft.com/office/drawing/2014/main" id="{906581BB-FAA7-7944-B936-8CBFB93D9767}"/>
-              </a:ext>
-            </a:extLst>
-          </p:cNvPr>
-          <p:cNvSpPr>
-            <a:spLocks noGrp="1"/>
-          </p:cNvSpPr>
-          <p:nvPr>
-            <p:ph idx="1"/>
-          </p:nvPr>
-        </p:nvSpPr>
-        <p:spPr/>
-        <p:txBody>
-          <a:bodyPr/>
-          <a:lstStyle/>
-          <a:p>
-            <a:endParaRPr lang="fr-FR"/>
-          </a:p>
-        </p:txBody>
-      </p:sp>
-    </p:spTree>
-    <p:extLst>
-      <p:ext uri="{BB962C8B-B14F-4D97-AF65-F5344CB8AC3E}">
-        <p14:creationId xmlns:p14="http://schemas.microsoft.com/office/powerpoint/2010/main" val="1454727633"/>
-      </p:ext>
-    </p:extLst>
-  </p:cSld>
-  <p:clrMapOvr>
-    <a:masterClrMapping/>
-  </p:clrMapOvr>
-</p:sld>
-</file>
-
-<file path=ppt/slides/slide5.xml><?xml version="1.0" encoding="utf-8"?>
-<p:sld xmlns:a="http://schemas.openxmlformats.org/drawingml/2006/main" xmlns:r="http://schemas.openxmlformats.org/officeDocument/2006/relationships" xmlns:p="http://schemas.openxmlformats.org/presentationml/2006/main">
-  <p:cSld>
-    <p:spTree>
-      <p:nvGrpSpPr>
-        <p:cNvPr id="1" name=""/>
-        <p:cNvGrpSpPr/>
-        <p:nvPr/>
-      </p:nvGrpSpPr>
-      <p:grpSpPr>
-        <a:xfrm>
-          <a:off x="0" y="0"/>
-          <a:ext cx="0" cy="0"/>
-          <a:chOff x="0" y="0"/>
-          <a:chExt cx="0" cy="0"/>
-        </a:xfrm>
-      </p:grpSpPr>
-      <p:sp>
-        <p:nvSpPr>
-          <p:cNvPr id="2" name="Title 1">
-            <a:extLst>
-              <a:ext uri="{FF2B5EF4-FFF2-40B4-BE49-F238E27FC236}">
-                <a16:creationId xmlns:a16="http://schemas.microsoft.com/office/drawing/2014/main" id="{0E704E43-9779-6E4D-AEEB-C10FC0ACFEAC}"/>
-              </a:ext>
-            </a:extLst>
-          </p:cNvPr>
-          <p:cNvSpPr>
-            <a:spLocks noGrp="1"/>
-          </p:cNvSpPr>
-          <p:nvPr>
-            <p:ph type="title"/>
-          </p:nvPr>
-        </p:nvSpPr>
-        <p:spPr/>
-        <p:txBody>
-          <a:bodyPr/>
-          <a:lstStyle/>
-          <a:p>
+              <a:t>A </a:t>
+            </a:r>
             <a:r>
               <a:rPr lang="fr-FR" dirty="0" err="1"/>
-              <a:t>Process</a:t>
-            </a:r>
-            <a:endParaRPr lang="fr-FR" dirty="0"/>
-          </a:p>
-        </p:txBody>
-      </p:sp>
-      <p:sp>
-        <p:nvSpPr>
-          <p:cNvPr id="3" name="Content Placeholder 2">
-            <a:extLst>
-              <a:ext uri="{FF2B5EF4-FFF2-40B4-BE49-F238E27FC236}">
-                <a16:creationId xmlns:a16="http://schemas.microsoft.com/office/drawing/2014/main" id="{84C5C586-F832-8F48-95F9-8416C31EDECA}"/>
-              </a:ext>
-            </a:extLst>
-          </p:cNvPr>
-          <p:cNvSpPr>
-            <a:spLocks noGrp="1"/>
-          </p:cNvSpPr>
-          <p:nvPr>
-            <p:ph idx="1"/>
-          </p:nvPr>
-        </p:nvSpPr>
-        <p:spPr/>
-        <p:txBody>
-          <a:bodyPr/>
-          <a:lstStyle/>
-          <a:p>
+              <a:t>function</a:t>
+            </a:r>
+            <a:r>
+              <a:rPr lang="fr-FR" dirty="0"/>
+              <a:t> to </a:t>
+            </a:r>
             <a:r>
               <a:rPr lang="fr-FR" dirty="0" err="1"/>
-              <a:t>Creating</a:t>
+              <a:t>automatically</a:t>
             </a:r>
             <a:r>
               <a:rPr lang="fr-FR" dirty="0"/>
-              <a:t> collaboration </a:t>
+              <a:t> update the </a:t>
             </a:r>
             <a:r>
               <a:rPr lang="fr-FR" dirty="0" err="1"/>
-              <a:t>tools</a:t>
-            </a:r>
-            <a:r>
-              <a:rPr lang="fr-FR" dirty="0"/>
-              <a:t> : discord conversation, </a:t>
-            </a:r>
-            <a:r>
-              <a:rPr lang="fr-FR" dirty="0" err="1"/>
-              <a:t>install</a:t>
+              <a:t>word</a:t>
             </a:r>
             <a:r>
               <a:rPr lang="fr-FR" dirty="0"/>
@@ -3832,15 +6941,7 @@
             </a:r>
             <a:r>
               <a:rPr lang="fr-FR" dirty="0" err="1"/>
-              <a:t>vscode</a:t>
-            </a:r>
-            <a:r>
-              <a:rPr lang="fr-FR" dirty="0"/>
-              <a:t>, </a:t>
-            </a:r>
-            <a:r>
-              <a:rPr lang="fr-FR" dirty="0" err="1"/>
-              <a:t>create</a:t>
+              <a:t>with</a:t>
             </a:r>
             <a:r>
               <a:rPr lang="fr-FR" dirty="0"/>
@@ -3848,253 +6949,135 @@
             </a:r>
             <a:r>
               <a:rPr lang="fr-FR" dirty="0" err="1"/>
-              <a:t>repository</a:t>
+              <a:t>found</a:t>
             </a:r>
             <a:r>
               <a:rPr lang="fr-FR" dirty="0"/>
-              <a:t> and fork </a:t>
+              <a:t> </a:t>
             </a:r>
             <a:r>
               <a:rPr lang="fr-FR" dirty="0" err="1"/>
-              <a:t>it</a:t>
+              <a:t>letters</a:t>
             </a:r>
             <a:r>
               <a:rPr lang="fr-FR" dirty="0"/>
-              <a:t>. </a:t>
+              <a:t> </a:t>
             </a:r>
           </a:p>
           <a:p>
             <a:endParaRPr lang="fr-FR" dirty="0"/>
           </a:p>
-        </p:txBody>
-      </p:sp>
-    </p:spTree>
-    <p:extLst>
-      <p:ext uri="{BB962C8B-B14F-4D97-AF65-F5344CB8AC3E}">
-        <p14:creationId xmlns:p14="http://schemas.microsoft.com/office/powerpoint/2010/main" val="352345701"/>
-      </p:ext>
-    </p:extLst>
-  </p:cSld>
-  <p:clrMapOvr>
-    <a:masterClrMapping/>
-  </p:clrMapOvr>
-</p:sld>
-</file>
-
-<file path=ppt/slides/slide6.xml><?xml version="1.0" encoding="utf-8"?>
-<p:sld xmlns:a="http://schemas.openxmlformats.org/drawingml/2006/main" xmlns:r="http://schemas.openxmlformats.org/officeDocument/2006/relationships" xmlns:p="http://schemas.openxmlformats.org/presentationml/2006/main">
-  <p:cSld>
-    <p:spTree>
-      <p:nvGrpSpPr>
-        <p:cNvPr id="1" name=""/>
-        <p:cNvGrpSpPr/>
-        <p:nvPr/>
-      </p:nvGrpSpPr>
-      <p:grpSpPr>
-        <a:xfrm>
-          <a:off x="0" y="0"/>
-          <a:ext cx="0" cy="0"/>
-          <a:chOff x="0" y="0"/>
-          <a:chExt cx="0" cy="0"/>
-        </a:xfrm>
-      </p:grpSpPr>
-      <p:sp>
-        <p:nvSpPr>
-          <p:cNvPr id="2" name="Title 1">
-            <a:extLst>
-              <a:ext uri="{FF2B5EF4-FFF2-40B4-BE49-F238E27FC236}">
-                <a16:creationId xmlns:a16="http://schemas.microsoft.com/office/drawing/2014/main" id="{80E2BAD0-FEAA-A743-B478-CC037D79703C}"/>
-              </a:ext>
-            </a:extLst>
-          </p:cNvPr>
-          <p:cNvSpPr>
-            <a:spLocks noGrp="1"/>
-          </p:cNvSpPr>
-          <p:nvPr>
-            <p:ph type="title"/>
-          </p:nvPr>
-        </p:nvSpPr>
-        <p:spPr/>
-        <p:txBody>
-          <a:bodyPr/>
-          <a:lstStyle/>
-          <a:p>
+          <a:p>
+            <a:endParaRPr lang="fr-FR" dirty="0"/>
+          </a:p>
+          <a:p>
+            <a:endParaRPr lang="fr-FR" dirty="0"/>
+          </a:p>
+          <a:p>
+            <a:endParaRPr lang="fr-FR" dirty="0"/>
+          </a:p>
+          <a:p>
+            <a:endParaRPr lang="fr-FR" dirty="0"/>
+          </a:p>
+          <a:p>
+            <a:r>
+              <a:rPr lang="fr-FR" dirty="0"/>
+              <a:t>A regex to </a:t>
+            </a:r>
             <a:r>
               <a:rPr lang="fr-FR" dirty="0" err="1"/>
-              <a:t>Highlights</a:t>
+              <a:t>identify</a:t>
+            </a:r>
+            <a:r>
+              <a:rPr lang="fr-FR" dirty="0"/>
+              <a:t> if the input </a:t>
+            </a:r>
+            <a:r>
+              <a:rPr lang="fr-FR" dirty="0" err="1"/>
+              <a:t>is</a:t>
+            </a:r>
+            <a:r>
+              <a:rPr lang="fr-FR" dirty="0"/>
+              <a:t> a </a:t>
+            </a:r>
+            <a:r>
+              <a:rPr lang="fr-FR" dirty="0" err="1"/>
+              <a:t>letter</a:t>
             </a:r>
             <a:endParaRPr lang="fr-FR" dirty="0"/>
           </a:p>
-        </p:txBody>
-      </p:sp>
-      <p:sp>
-        <p:nvSpPr>
-          <p:cNvPr id="3" name="Content Placeholder 2">
-            <a:extLst>
-              <a:ext uri="{FF2B5EF4-FFF2-40B4-BE49-F238E27FC236}">
-                <a16:creationId xmlns:a16="http://schemas.microsoft.com/office/drawing/2014/main" id="{4304C057-BFE2-5F4E-B4B6-02913FCA7720}"/>
-              </a:ext>
-            </a:extLst>
-          </p:cNvPr>
-          <p:cNvSpPr>
-            <a:spLocks noGrp="1"/>
-          </p:cNvSpPr>
-          <p:nvPr>
-            <p:ph idx="1"/>
-          </p:nvPr>
-        </p:nvSpPr>
-        <p:spPr/>
-        <p:txBody>
-          <a:bodyPr/>
-          <a:lstStyle/>
-          <a:p>
-            <a:r>
-              <a:rPr lang="fr-FR" dirty="0" err="1"/>
-              <a:t>Think</a:t>
-            </a:r>
-            <a:r>
-              <a:rPr lang="fr-FR" dirty="0"/>
-              <a:t> to </a:t>
-            </a:r>
-            <a:r>
-              <a:rPr lang="fr-FR" dirty="0" err="1"/>
-              <a:t>include</a:t>
-            </a:r>
-            <a:r>
-              <a:rPr lang="fr-FR" dirty="0"/>
-              <a:t> bits of code </a:t>
-            </a:r>
-          </a:p>
-        </p:txBody>
-      </p:sp>
+          <a:p>
+            <a:pPr marL="0" indent="0">
+              <a:buNone/>
+            </a:pPr>
+            <a:endParaRPr lang="fr-FR" dirty="0"/>
+          </a:p>
+        </p:txBody>
+      </p:sp>
+      <p:pic>
+        <p:nvPicPr>
+          <p:cNvPr id="9" name="Image 8" descr="Une image contenant texte&#10;&#10;Description générée automatiquement">
+            <a:extLst>
+              <a:ext uri="{FF2B5EF4-FFF2-40B4-BE49-F238E27FC236}">
+                <a16:creationId xmlns:a16="http://schemas.microsoft.com/office/drawing/2014/main" id="{52A36869-7500-88AE-F6FC-B8809396B1F5}"/>
+              </a:ext>
+            </a:extLst>
+          </p:cNvPr>
+          <p:cNvPicPr>
+            <a:picLocks noChangeAspect="1"/>
+          </p:cNvPicPr>
+          <p:nvPr/>
+        </p:nvPicPr>
+        <p:blipFill>
+          <a:blip r:embed="rId2"/>
+          <a:stretch>
+            <a:fillRect/>
+          </a:stretch>
+        </p:blipFill>
+        <p:spPr>
+          <a:xfrm>
+            <a:off x="1146987" y="2190307"/>
+            <a:ext cx="7232152" cy="2322735"/>
+          </a:xfrm>
+          <a:prstGeom prst="rect">
+            <a:avLst/>
+          </a:prstGeom>
+        </p:spPr>
+      </p:pic>
+      <p:pic>
+        <p:nvPicPr>
+          <p:cNvPr id="11" name="Image 10">
+            <a:extLst>
+              <a:ext uri="{FF2B5EF4-FFF2-40B4-BE49-F238E27FC236}">
+                <a16:creationId xmlns:a16="http://schemas.microsoft.com/office/drawing/2014/main" id="{9D91D3FD-973B-0793-30DD-7DBD3E0FF7FC}"/>
+              </a:ext>
+            </a:extLst>
+          </p:cNvPr>
+          <p:cNvPicPr>
+            <a:picLocks noChangeAspect="1"/>
+          </p:cNvPicPr>
+          <p:nvPr/>
+        </p:nvPicPr>
+        <p:blipFill>
+          <a:blip r:embed="rId3"/>
+          <a:stretch>
+            <a:fillRect/>
+          </a:stretch>
+        </p:blipFill>
+        <p:spPr>
+          <a:xfrm>
+            <a:off x="1146987" y="5155130"/>
+            <a:ext cx="9466575" cy="737929"/>
+          </a:xfrm>
+          <a:prstGeom prst="rect">
+            <a:avLst/>
+          </a:prstGeom>
+        </p:spPr>
+      </p:pic>
     </p:spTree>
     <p:extLst>
       <p:ext uri="{BB962C8B-B14F-4D97-AF65-F5344CB8AC3E}">
         <p14:creationId xmlns:p14="http://schemas.microsoft.com/office/powerpoint/2010/main" val="1500906618"/>
-      </p:ext>
-    </p:extLst>
-  </p:cSld>
-  <p:clrMapOvr>
-    <a:masterClrMapping/>
-  </p:clrMapOvr>
-</p:sld>
-</file>
-
-<file path=ppt/slides/slide7.xml><?xml version="1.0" encoding="utf-8"?>
-<p:sld xmlns:a="http://schemas.openxmlformats.org/drawingml/2006/main" xmlns:r="http://schemas.openxmlformats.org/officeDocument/2006/relationships" xmlns:p="http://schemas.openxmlformats.org/presentationml/2006/main">
-  <p:cSld>
-    <p:spTree>
-      <p:nvGrpSpPr>
-        <p:cNvPr id="1" name=""/>
-        <p:cNvGrpSpPr/>
-        <p:nvPr/>
-      </p:nvGrpSpPr>
-      <p:grpSpPr>
-        <a:xfrm>
-          <a:off x="0" y="0"/>
-          <a:ext cx="0" cy="0"/>
-          <a:chOff x="0" y="0"/>
-          <a:chExt cx="0" cy="0"/>
-        </a:xfrm>
-      </p:grpSpPr>
-      <p:sp>
-        <p:nvSpPr>
-          <p:cNvPr id="2" name="Title 1">
-            <a:extLst>
-              <a:ext uri="{FF2B5EF4-FFF2-40B4-BE49-F238E27FC236}">
-                <a16:creationId xmlns:a16="http://schemas.microsoft.com/office/drawing/2014/main" id="{A1AA4AD9-A12A-454D-83CE-AC5D1637CE78}"/>
-              </a:ext>
-            </a:extLst>
-          </p:cNvPr>
-          <p:cNvSpPr>
-            <a:spLocks noGrp="1"/>
-          </p:cNvSpPr>
-          <p:nvPr>
-            <p:ph type="title"/>
-          </p:nvPr>
-        </p:nvSpPr>
-        <p:spPr/>
-        <p:txBody>
-          <a:bodyPr/>
-          <a:lstStyle/>
-          <a:p>
-            <a:r>
-              <a:rPr lang="fr-FR" dirty="0" err="1"/>
-              <a:t>Let’s</a:t>
-            </a:r>
-            <a:r>
-              <a:rPr lang="fr-FR" dirty="0"/>
-              <a:t> </a:t>
-            </a:r>
-            <a:r>
-              <a:rPr lang="fr-FR" dirty="0" err="1"/>
-              <a:t>try</a:t>
-            </a:r>
-            <a:r>
-              <a:rPr lang="fr-FR" dirty="0"/>
-              <a:t> </a:t>
-            </a:r>
-            <a:r>
-              <a:rPr lang="fr-FR" dirty="0" err="1"/>
-              <a:t>it</a:t>
-            </a:r>
-            <a:r>
-              <a:rPr lang="fr-FR" dirty="0"/>
-              <a:t> ! </a:t>
-            </a:r>
-          </a:p>
-        </p:txBody>
-      </p:sp>
-      <p:sp>
-        <p:nvSpPr>
-          <p:cNvPr id="3" name="Content Placeholder 2">
-            <a:extLst>
-              <a:ext uri="{FF2B5EF4-FFF2-40B4-BE49-F238E27FC236}">
-                <a16:creationId xmlns:a16="http://schemas.microsoft.com/office/drawing/2014/main" id="{37AED402-B90E-5340-9283-DDFE7AC9A294}"/>
-              </a:ext>
-            </a:extLst>
-          </p:cNvPr>
-          <p:cNvSpPr>
-            <a:spLocks noGrp="1"/>
-          </p:cNvSpPr>
-          <p:nvPr>
-            <p:ph idx="1"/>
-          </p:nvPr>
-        </p:nvSpPr>
-        <p:spPr/>
-        <p:txBody>
-          <a:bodyPr/>
-          <a:lstStyle/>
-          <a:p>
-            <a:pPr marL="0" indent="0">
-              <a:buNone/>
-            </a:pPr>
-            <a:r>
-              <a:rPr lang="fr-FR" dirty="0"/>
-              <a:t>DEMO TIME ! </a:t>
-            </a:r>
-          </a:p>
-          <a:p>
-            <a:pPr marL="0" indent="0">
-              <a:buNone/>
-            </a:pPr>
-            <a:endParaRPr lang="fr-FR" dirty="0"/>
-          </a:p>
-          <a:p>
-            <a:pPr marL="0" indent="0">
-              <a:buNone/>
-            </a:pPr>
-            <a:r>
-              <a:rPr lang="fr-FR" dirty="0"/>
-              <a:t>URL : </a:t>
-            </a:r>
-          </a:p>
-        </p:txBody>
-      </p:sp>
-    </p:spTree>
-    <p:extLst>
-      <p:ext uri="{BB962C8B-B14F-4D97-AF65-F5344CB8AC3E}">
-        <p14:creationId xmlns:p14="http://schemas.microsoft.com/office/powerpoint/2010/main" val="3941300787"/>
       </p:ext>
     </p:extLst>
   </p:cSld>

--- a/Presentation1.pptx
+++ b/Presentation1.pptx
@@ -12,9 +12,11 @@
     <p:sldId id="264" r:id="rId6"/>
     <p:sldId id="265" r:id="rId7"/>
     <p:sldId id="266" r:id="rId8"/>
-    <p:sldId id="259" r:id="rId9"/>
-    <p:sldId id="261" r:id="rId10"/>
+    <p:sldId id="267" r:id="rId9"/>
+    <p:sldId id="268" r:id="rId10"/>
     <p:sldId id="262" r:id="rId11"/>
+    <p:sldId id="259" r:id="rId12"/>
+    <p:sldId id="261" r:id="rId13"/>
   </p:sldIdLst>
   <p:sldSz cx="12192000" cy="6858000"/>
   <p:notesSz cx="6858000" cy="9144000"/>
@@ -3584,14 +3586,6 @@
             </a:r>
             <a:r>
               <a:rPr lang="fr-FR" sz="8000" dirty="0"/>
-              <a:t> </a:t>
-            </a:r>
-            <a:r>
-              <a:rPr lang="fr-FR" sz="8000" dirty="0" err="1"/>
-              <a:t>it</a:t>
-            </a:r>
-            <a:r>
-              <a:rPr lang="fr-FR" sz="8000" dirty="0"/>
               <a:t> ?</a:t>
             </a:r>
             <a:endParaRPr lang="fr-FR" sz="5400" dirty="0">
@@ -3638,6 +3632,707 @@
     <p:extLst>
       <p:ext uri="{BB962C8B-B14F-4D97-AF65-F5344CB8AC3E}">
         <p14:creationId xmlns:p14="http://schemas.microsoft.com/office/powerpoint/2010/main" val="3941300787"/>
+      </p:ext>
+    </p:extLst>
+  </p:cSld>
+  <p:clrMapOvr>
+    <a:masterClrMapping/>
+  </p:clrMapOvr>
+</p:sld>
+</file>
+
+<file path=ppt/slides/slide11.xml><?xml version="1.0" encoding="utf-8"?>
+<p:sld xmlns:a="http://schemas.openxmlformats.org/drawingml/2006/main" xmlns:r="http://schemas.openxmlformats.org/officeDocument/2006/relationships" xmlns:p="http://schemas.openxmlformats.org/presentationml/2006/main">
+  <p:cSld>
+    <p:spTree>
+      <p:nvGrpSpPr>
+        <p:cNvPr id="1" name=""/>
+        <p:cNvGrpSpPr/>
+        <p:nvPr/>
+      </p:nvGrpSpPr>
+      <p:grpSpPr>
+        <a:xfrm>
+          <a:off x="0" y="0"/>
+          <a:ext cx="0" cy="0"/>
+          <a:chOff x="0" y="0"/>
+          <a:chExt cx="0" cy="0"/>
+        </a:xfrm>
+      </p:grpSpPr>
+      <p:sp>
+        <p:nvSpPr>
+          <p:cNvPr id="2" name="Title 1">
+            <a:extLst>
+              <a:ext uri="{FF2B5EF4-FFF2-40B4-BE49-F238E27FC236}">
+                <a16:creationId xmlns:a16="http://schemas.microsoft.com/office/drawing/2014/main" id="{3F83FF9A-FA7A-8545-BDB3-17B66F207D47}"/>
+              </a:ext>
+            </a:extLst>
+          </p:cNvPr>
+          <p:cNvSpPr>
+            <a:spLocks noGrp="1"/>
+          </p:cNvSpPr>
+          <p:nvPr>
+            <p:ph type="title"/>
+          </p:nvPr>
+        </p:nvSpPr>
+        <p:spPr/>
+        <p:txBody>
+          <a:bodyPr/>
+          <a:lstStyle/>
+          <a:p>
+            <a:r>
+              <a:rPr lang="fr-FR" dirty="0"/>
+              <a:t>Challenges</a:t>
+            </a:r>
+          </a:p>
+        </p:txBody>
+      </p:sp>
+      <p:sp>
+        <p:nvSpPr>
+          <p:cNvPr id="3" name="Content Placeholder 2">
+            <a:extLst>
+              <a:ext uri="{FF2B5EF4-FFF2-40B4-BE49-F238E27FC236}">
+                <a16:creationId xmlns:a16="http://schemas.microsoft.com/office/drawing/2014/main" id="{906581BB-FAA7-7944-B936-8CBFB93D9767}"/>
+              </a:ext>
+            </a:extLst>
+          </p:cNvPr>
+          <p:cNvSpPr>
+            <a:spLocks noGrp="1"/>
+          </p:cNvSpPr>
+          <p:nvPr>
+            <p:ph idx="1"/>
+          </p:nvPr>
+        </p:nvSpPr>
+        <p:spPr/>
+        <p:txBody>
+          <a:bodyPr/>
+          <a:lstStyle/>
+          <a:p>
+            <a:r>
+              <a:rPr lang="fr-FR" dirty="0" err="1"/>
+              <a:t>Different</a:t>
+            </a:r>
+            <a:r>
+              <a:rPr lang="fr-FR" dirty="0"/>
+              <a:t> software and </a:t>
+            </a:r>
+            <a:r>
+              <a:rPr lang="fr-FR" dirty="0" err="1"/>
+              <a:t>levels</a:t>
+            </a:r>
+            <a:r>
+              <a:rPr lang="fr-FR" dirty="0"/>
+              <a:t> of </a:t>
+            </a:r>
+            <a:r>
+              <a:rPr lang="fr-FR" dirty="0" err="1"/>
+              <a:t>understanding</a:t>
+            </a:r>
+            <a:r>
+              <a:rPr lang="fr-FR" dirty="0"/>
+              <a:t> of git</a:t>
+            </a:r>
+          </a:p>
+          <a:p>
+            <a:r>
+              <a:rPr lang="fr-FR" dirty="0"/>
+              <a:t>New issues </a:t>
+            </a:r>
+            <a:r>
+              <a:rPr lang="fr-FR" dirty="0" err="1"/>
+              <a:t>found</a:t>
+            </a:r>
+            <a:r>
+              <a:rPr lang="fr-FR" dirty="0"/>
+              <a:t> </a:t>
+            </a:r>
+            <a:r>
+              <a:rPr lang="fr-FR" dirty="0" err="1"/>
+              <a:t>while</a:t>
+            </a:r>
+            <a:r>
+              <a:rPr lang="fr-FR" dirty="0"/>
+              <a:t> </a:t>
+            </a:r>
+            <a:r>
+              <a:rPr lang="fr-FR" dirty="0" err="1"/>
+              <a:t>coding</a:t>
+            </a:r>
+            <a:r>
+              <a:rPr lang="fr-FR" dirty="0"/>
+              <a:t> (</a:t>
+            </a:r>
+            <a:r>
+              <a:rPr lang="fr-FR" dirty="0" err="1"/>
+              <a:t>that</a:t>
+            </a:r>
+            <a:r>
+              <a:rPr lang="fr-FR" dirty="0"/>
+              <a:t> </a:t>
+            </a:r>
+            <a:r>
+              <a:rPr lang="fr-FR" dirty="0" err="1"/>
+              <a:t>we</a:t>
+            </a:r>
+            <a:r>
+              <a:rPr lang="fr-FR" dirty="0"/>
+              <a:t> </a:t>
+            </a:r>
+            <a:r>
+              <a:rPr lang="fr-FR" dirty="0" err="1"/>
+              <a:t>didn’t</a:t>
+            </a:r>
+            <a:r>
+              <a:rPr lang="fr-FR" dirty="0"/>
+              <a:t> </a:t>
+            </a:r>
+            <a:r>
+              <a:rPr lang="fr-FR" dirty="0" err="1"/>
+              <a:t>identify</a:t>
+            </a:r>
+            <a:r>
+              <a:rPr lang="fr-FR" dirty="0"/>
+              <a:t> in the pseudocode) </a:t>
+            </a:r>
+          </a:p>
+          <a:p>
+            <a:pPr lvl="1"/>
+            <a:r>
+              <a:rPr lang="fr-FR" dirty="0" err="1"/>
+              <a:t>We</a:t>
+            </a:r>
+            <a:r>
+              <a:rPr lang="fr-FR" dirty="0"/>
+              <a:t> </a:t>
+            </a:r>
+            <a:r>
+              <a:rPr lang="fr-FR" dirty="0" err="1"/>
+              <a:t>hadn’t</a:t>
+            </a:r>
+            <a:r>
+              <a:rPr lang="fr-FR" dirty="0"/>
+              <a:t> </a:t>
+            </a:r>
+            <a:r>
+              <a:rPr lang="fr-FR" dirty="0" err="1"/>
+              <a:t>planned</a:t>
+            </a:r>
+            <a:r>
+              <a:rPr lang="fr-FR" dirty="0"/>
+              <a:t> the </a:t>
+            </a:r>
+            <a:r>
+              <a:rPr lang="fr-FR" dirty="0" err="1"/>
+              <a:t>while</a:t>
+            </a:r>
+            <a:r>
+              <a:rPr lang="fr-FR" dirty="0"/>
+              <a:t> </a:t>
+            </a:r>
+            <a:r>
+              <a:rPr lang="fr-FR" dirty="0" err="1"/>
+              <a:t>loop</a:t>
+            </a:r>
+            <a:r>
+              <a:rPr lang="fr-FR" dirty="0"/>
+              <a:t> </a:t>
+            </a:r>
+            <a:r>
+              <a:rPr lang="fr-FR" dirty="0" err="1"/>
+              <a:t>which</a:t>
+            </a:r>
+            <a:r>
+              <a:rPr lang="fr-FR" dirty="0"/>
+              <a:t> </a:t>
+            </a:r>
+            <a:r>
+              <a:rPr lang="fr-FR" dirty="0" err="1"/>
+              <a:t>was</a:t>
+            </a:r>
+            <a:r>
+              <a:rPr lang="fr-FR" dirty="0"/>
+              <a:t> </a:t>
+            </a:r>
+            <a:r>
+              <a:rPr lang="fr-FR" dirty="0" err="1"/>
+              <a:t>necessary</a:t>
+            </a:r>
+            <a:r>
+              <a:rPr lang="fr-FR" dirty="0"/>
+              <a:t> to </a:t>
+            </a:r>
+            <a:r>
+              <a:rPr lang="fr-FR" dirty="0" err="1"/>
+              <a:t>keep</a:t>
+            </a:r>
+            <a:r>
+              <a:rPr lang="fr-FR" dirty="0"/>
+              <a:t> </a:t>
+            </a:r>
+            <a:r>
+              <a:rPr lang="fr-FR" dirty="0" err="1"/>
+              <a:t>asking</a:t>
+            </a:r>
+            <a:r>
+              <a:rPr lang="fr-FR" dirty="0"/>
+              <a:t> for a </a:t>
+            </a:r>
+            <a:r>
+              <a:rPr lang="fr-FR" dirty="0" err="1"/>
+              <a:t>letter</a:t>
+            </a:r>
+            <a:r>
+              <a:rPr lang="fr-FR" dirty="0"/>
+              <a:t> </a:t>
+            </a:r>
+            <a:r>
+              <a:rPr lang="fr-FR" dirty="0" err="1"/>
+              <a:t>until</a:t>
+            </a:r>
+            <a:r>
+              <a:rPr lang="fr-FR" dirty="0"/>
+              <a:t> the </a:t>
+            </a:r>
+            <a:r>
+              <a:rPr lang="fr-FR" dirty="0" err="1"/>
+              <a:t>game</a:t>
+            </a:r>
+            <a:r>
+              <a:rPr lang="fr-FR" dirty="0"/>
+              <a:t> </a:t>
+            </a:r>
+            <a:r>
+              <a:rPr lang="fr-FR" dirty="0" err="1"/>
+              <a:t>had</a:t>
+            </a:r>
+            <a:r>
+              <a:rPr lang="fr-FR" dirty="0"/>
+              <a:t> </a:t>
+            </a:r>
+            <a:r>
+              <a:rPr lang="fr-FR" dirty="0" err="1"/>
+              <a:t>ended</a:t>
+            </a:r>
+            <a:r>
+              <a:rPr lang="fr-FR" dirty="0"/>
+              <a:t> </a:t>
+            </a:r>
+          </a:p>
+          <a:p>
+            <a:pPr lvl="1"/>
+            <a:r>
+              <a:rPr lang="fr-FR" dirty="0" err="1"/>
+              <a:t>We</a:t>
+            </a:r>
+            <a:r>
+              <a:rPr lang="fr-FR" dirty="0"/>
+              <a:t> </a:t>
+            </a:r>
+            <a:r>
+              <a:rPr lang="fr-FR" dirty="0" err="1"/>
+              <a:t>had</a:t>
+            </a:r>
+            <a:r>
+              <a:rPr lang="fr-FR" dirty="0"/>
+              <a:t> issues </a:t>
+            </a:r>
+            <a:r>
+              <a:rPr lang="fr-FR" dirty="0" err="1"/>
+              <a:t>with</a:t>
+            </a:r>
+            <a:r>
+              <a:rPr lang="fr-FR" dirty="0"/>
+              <a:t> the </a:t>
+            </a:r>
+            <a:r>
+              <a:rPr lang="fr-FR" dirty="0" err="1"/>
+              <a:t>naming</a:t>
+            </a:r>
+            <a:r>
+              <a:rPr lang="fr-FR" dirty="0"/>
+              <a:t> of the variable </a:t>
+            </a:r>
+            <a:r>
+              <a:rPr lang="fr-FR" dirty="0" err="1"/>
+              <a:t>used</a:t>
+            </a:r>
+            <a:r>
+              <a:rPr lang="fr-FR" dirty="0"/>
+              <a:t> to update the </a:t>
+            </a:r>
+            <a:r>
+              <a:rPr lang="fr-FR" dirty="0" err="1"/>
+              <a:t>letters</a:t>
+            </a:r>
+            <a:r>
+              <a:rPr lang="fr-FR" dirty="0"/>
+              <a:t> </a:t>
+            </a:r>
+            <a:r>
+              <a:rPr lang="fr-FR" dirty="0" err="1"/>
+              <a:t>found</a:t>
+            </a:r>
+            <a:r>
+              <a:rPr lang="fr-FR" dirty="0"/>
+              <a:t> and display </a:t>
+            </a:r>
+            <a:r>
+              <a:rPr lang="fr-FR" dirty="0" err="1"/>
+              <a:t>them</a:t>
+            </a:r>
+            <a:r>
+              <a:rPr lang="fr-FR" dirty="0"/>
+              <a:t> : </a:t>
+            </a:r>
+            <a:r>
+              <a:rPr lang="fr-FR" dirty="0" err="1"/>
+              <a:t>it</a:t>
+            </a:r>
+            <a:r>
+              <a:rPr lang="fr-FR" dirty="0"/>
+              <a:t> </a:t>
+            </a:r>
+            <a:r>
+              <a:rPr lang="fr-FR" dirty="0" err="1"/>
+              <a:t>required</a:t>
+            </a:r>
+            <a:r>
+              <a:rPr lang="fr-FR" dirty="0"/>
+              <a:t> </a:t>
+            </a:r>
+            <a:r>
+              <a:rPr lang="fr-FR" dirty="0" err="1"/>
+              <a:t>keeping</a:t>
+            </a:r>
+            <a:r>
+              <a:rPr lang="fr-FR" dirty="0"/>
+              <a:t> the </a:t>
+            </a:r>
+            <a:r>
+              <a:rPr lang="fr-FR" dirty="0" err="1"/>
+              <a:t>same</a:t>
+            </a:r>
+            <a:r>
+              <a:rPr lang="fr-FR" dirty="0"/>
+              <a:t> </a:t>
+            </a:r>
+            <a:r>
+              <a:rPr lang="fr-FR" dirty="0" err="1"/>
+              <a:t>name</a:t>
+            </a:r>
+            <a:r>
+              <a:rPr lang="fr-FR" dirty="0"/>
+              <a:t> but </a:t>
+            </a:r>
+            <a:r>
+              <a:rPr lang="fr-FR" dirty="0" err="1"/>
+              <a:t>converting</a:t>
+            </a:r>
+            <a:r>
+              <a:rPr lang="fr-FR" dirty="0"/>
+              <a:t> </a:t>
+            </a:r>
+            <a:r>
+              <a:rPr lang="fr-FR" dirty="0" err="1"/>
+              <a:t>from</a:t>
+            </a:r>
+            <a:r>
+              <a:rPr lang="fr-FR" dirty="0"/>
+              <a:t> string to </a:t>
+            </a:r>
+            <a:r>
+              <a:rPr lang="fr-FR" dirty="0" err="1"/>
+              <a:t>list</a:t>
+            </a:r>
+            <a:r>
+              <a:rPr lang="fr-FR" dirty="0"/>
+              <a:t> and back) </a:t>
+            </a:r>
+          </a:p>
+          <a:p>
+            <a:pPr lvl="1"/>
+            <a:r>
+              <a:rPr lang="fr-FR" dirty="0"/>
+              <a:t>Don’t go to the sushi place (not </a:t>
+            </a:r>
+            <a:r>
+              <a:rPr lang="fr-FR" dirty="0" err="1"/>
+              <a:t>too</a:t>
+            </a:r>
+            <a:r>
+              <a:rPr lang="fr-FR" dirty="0"/>
+              <a:t> </a:t>
+            </a:r>
+            <a:r>
+              <a:rPr lang="fr-FR" dirty="0" err="1"/>
+              <a:t>expensive</a:t>
+            </a:r>
+            <a:r>
+              <a:rPr lang="fr-FR" dirty="0"/>
+              <a:t> but </a:t>
+            </a:r>
+            <a:r>
+              <a:rPr lang="fr-FR" dirty="0" err="1"/>
+              <a:t>fish</a:t>
+            </a:r>
+            <a:r>
+              <a:rPr lang="fr-FR" dirty="0"/>
+              <a:t> not good) </a:t>
+            </a:r>
+          </a:p>
+        </p:txBody>
+      </p:sp>
+    </p:spTree>
+    <p:extLst>
+      <p:ext uri="{BB962C8B-B14F-4D97-AF65-F5344CB8AC3E}">
+        <p14:creationId xmlns:p14="http://schemas.microsoft.com/office/powerpoint/2010/main" val="1454727633"/>
+      </p:ext>
+    </p:extLst>
+  </p:cSld>
+  <p:clrMapOvr>
+    <a:masterClrMapping/>
+  </p:clrMapOvr>
+</p:sld>
+</file>
+
+<file path=ppt/slides/slide12.xml><?xml version="1.0" encoding="utf-8"?>
+<p:sld xmlns:a="http://schemas.openxmlformats.org/drawingml/2006/main" xmlns:r="http://schemas.openxmlformats.org/officeDocument/2006/relationships" xmlns:p="http://schemas.openxmlformats.org/presentationml/2006/main">
+  <p:cSld>
+    <p:spTree>
+      <p:nvGrpSpPr>
+        <p:cNvPr id="1" name=""/>
+        <p:cNvGrpSpPr/>
+        <p:nvPr/>
+      </p:nvGrpSpPr>
+      <p:grpSpPr>
+        <a:xfrm>
+          <a:off x="0" y="0"/>
+          <a:ext cx="0" cy="0"/>
+          <a:chOff x="0" y="0"/>
+          <a:chExt cx="0" cy="0"/>
+        </a:xfrm>
+      </p:grpSpPr>
+      <p:sp>
+        <p:nvSpPr>
+          <p:cNvPr id="2" name="Title 1">
+            <a:extLst>
+              <a:ext uri="{FF2B5EF4-FFF2-40B4-BE49-F238E27FC236}">
+                <a16:creationId xmlns:a16="http://schemas.microsoft.com/office/drawing/2014/main" id="{80E2BAD0-FEAA-A743-B478-CC037D79703C}"/>
+              </a:ext>
+            </a:extLst>
+          </p:cNvPr>
+          <p:cNvSpPr>
+            <a:spLocks noGrp="1"/>
+          </p:cNvSpPr>
+          <p:nvPr>
+            <p:ph type="title"/>
+          </p:nvPr>
+        </p:nvSpPr>
+        <p:spPr/>
+        <p:txBody>
+          <a:bodyPr/>
+          <a:lstStyle/>
+          <a:p>
+            <a:r>
+              <a:rPr lang="fr-FR" dirty="0" err="1"/>
+              <a:t>Highlights</a:t>
+            </a:r>
+            <a:endParaRPr lang="fr-FR" dirty="0"/>
+          </a:p>
+        </p:txBody>
+      </p:sp>
+      <p:sp>
+        <p:nvSpPr>
+          <p:cNvPr id="3" name="Content Placeholder 2">
+            <a:extLst>
+              <a:ext uri="{FF2B5EF4-FFF2-40B4-BE49-F238E27FC236}">
+                <a16:creationId xmlns:a16="http://schemas.microsoft.com/office/drawing/2014/main" id="{4304C057-BFE2-5F4E-B4B6-02913FCA7720}"/>
+              </a:ext>
+            </a:extLst>
+          </p:cNvPr>
+          <p:cNvSpPr>
+            <a:spLocks noGrp="1"/>
+          </p:cNvSpPr>
+          <p:nvPr>
+            <p:ph idx="1"/>
+          </p:nvPr>
+        </p:nvSpPr>
+        <p:spPr>
+          <a:xfrm>
+            <a:off x="838200" y="1573841"/>
+            <a:ext cx="10515600" cy="4351338"/>
+          </a:xfrm>
+        </p:spPr>
+        <p:txBody>
+          <a:bodyPr/>
+          <a:lstStyle/>
+          <a:p>
+            <a:r>
+              <a:rPr lang="fr-FR" dirty="0"/>
+              <a:t>A </a:t>
+            </a:r>
+            <a:r>
+              <a:rPr lang="fr-FR" dirty="0" err="1"/>
+              <a:t>function</a:t>
+            </a:r>
+            <a:r>
+              <a:rPr lang="fr-FR" dirty="0"/>
+              <a:t> to </a:t>
+            </a:r>
+            <a:r>
+              <a:rPr lang="fr-FR" dirty="0" err="1"/>
+              <a:t>automatically</a:t>
+            </a:r>
+            <a:r>
+              <a:rPr lang="fr-FR" dirty="0"/>
+              <a:t> update the </a:t>
+            </a:r>
+            <a:r>
+              <a:rPr lang="fr-FR" dirty="0" err="1"/>
+              <a:t>word</a:t>
+            </a:r>
+            <a:r>
+              <a:rPr lang="fr-FR" dirty="0"/>
+              <a:t> </a:t>
+            </a:r>
+            <a:r>
+              <a:rPr lang="fr-FR" dirty="0" err="1"/>
+              <a:t>with</a:t>
+            </a:r>
+            <a:r>
+              <a:rPr lang="fr-FR" dirty="0"/>
+              <a:t> </a:t>
+            </a:r>
+            <a:r>
+              <a:rPr lang="fr-FR" dirty="0" err="1"/>
+              <a:t>found</a:t>
+            </a:r>
+            <a:r>
+              <a:rPr lang="fr-FR" dirty="0"/>
+              <a:t> </a:t>
+            </a:r>
+            <a:r>
+              <a:rPr lang="fr-FR" dirty="0" err="1"/>
+              <a:t>letters</a:t>
+            </a:r>
+            <a:r>
+              <a:rPr lang="fr-FR" dirty="0"/>
+              <a:t> </a:t>
+            </a:r>
+          </a:p>
+          <a:p>
+            <a:endParaRPr lang="fr-FR" dirty="0"/>
+          </a:p>
+          <a:p>
+            <a:endParaRPr lang="fr-FR" dirty="0"/>
+          </a:p>
+          <a:p>
+            <a:endParaRPr lang="fr-FR" dirty="0"/>
+          </a:p>
+          <a:p>
+            <a:endParaRPr lang="fr-FR" dirty="0"/>
+          </a:p>
+          <a:p>
+            <a:endParaRPr lang="fr-FR" dirty="0"/>
+          </a:p>
+          <a:p>
+            <a:r>
+              <a:rPr lang="fr-FR" dirty="0"/>
+              <a:t>A regex to </a:t>
+            </a:r>
+            <a:r>
+              <a:rPr lang="fr-FR" dirty="0" err="1"/>
+              <a:t>identify</a:t>
+            </a:r>
+            <a:r>
+              <a:rPr lang="fr-FR" dirty="0"/>
+              <a:t> if the input </a:t>
+            </a:r>
+            <a:r>
+              <a:rPr lang="fr-FR" dirty="0" err="1"/>
+              <a:t>is</a:t>
+            </a:r>
+            <a:r>
+              <a:rPr lang="fr-FR" dirty="0"/>
+              <a:t> a </a:t>
+            </a:r>
+            <a:r>
+              <a:rPr lang="fr-FR" dirty="0" err="1"/>
+              <a:t>letter</a:t>
+            </a:r>
+            <a:endParaRPr lang="fr-FR" dirty="0"/>
+          </a:p>
+          <a:p>
+            <a:pPr marL="0" indent="0">
+              <a:buNone/>
+            </a:pPr>
+            <a:endParaRPr lang="fr-FR" dirty="0"/>
+          </a:p>
+        </p:txBody>
+      </p:sp>
+      <p:pic>
+        <p:nvPicPr>
+          <p:cNvPr id="9" name="Image 8" descr="Une image contenant texte&#10;&#10;Description générée automatiquement">
+            <a:extLst>
+              <a:ext uri="{FF2B5EF4-FFF2-40B4-BE49-F238E27FC236}">
+                <a16:creationId xmlns:a16="http://schemas.microsoft.com/office/drawing/2014/main" id="{52A36869-7500-88AE-F6FC-B8809396B1F5}"/>
+              </a:ext>
+            </a:extLst>
+          </p:cNvPr>
+          <p:cNvPicPr>
+            <a:picLocks noChangeAspect="1"/>
+          </p:cNvPicPr>
+          <p:nvPr/>
+        </p:nvPicPr>
+        <p:blipFill>
+          <a:blip r:embed="rId2"/>
+          <a:stretch>
+            <a:fillRect/>
+          </a:stretch>
+        </p:blipFill>
+        <p:spPr>
+          <a:xfrm>
+            <a:off x="1146987" y="2190307"/>
+            <a:ext cx="7232152" cy="2322735"/>
+          </a:xfrm>
+          <a:prstGeom prst="rect">
+            <a:avLst/>
+          </a:prstGeom>
+        </p:spPr>
+      </p:pic>
+      <p:pic>
+        <p:nvPicPr>
+          <p:cNvPr id="11" name="Image 10">
+            <a:extLst>
+              <a:ext uri="{FF2B5EF4-FFF2-40B4-BE49-F238E27FC236}">
+                <a16:creationId xmlns:a16="http://schemas.microsoft.com/office/drawing/2014/main" id="{9D91D3FD-973B-0793-30DD-7DBD3E0FF7FC}"/>
+              </a:ext>
+            </a:extLst>
+          </p:cNvPr>
+          <p:cNvPicPr>
+            <a:picLocks noChangeAspect="1"/>
+          </p:cNvPicPr>
+          <p:nvPr/>
+        </p:nvPicPr>
+        <p:blipFill>
+          <a:blip r:embed="rId3"/>
+          <a:stretch>
+            <a:fillRect/>
+          </a:stretch>
+        </p:blipFill>
+        <p:spPr>
+          <a:xfrm>
+            <a:off x="1146987" y="5155130"/>
+            <a:ext cx="9466575" cy="737929"/>
+          </a:xfrm>
+          <a:prstGeom prst="rect">
+            <a:avLst/>
+          </a:prstGeom>
+        </p:spPr>
+      </p:pic>
+    </p:spTree>
+    <p:extLst>
+      <p:ext uri="{BB962C8B-B14F-4D97-AF65-F5344CB8AC3E}">
+        <p14:creationId xmlns:p14="http://schemas.microsoft.com/office/powerpoint/2010/main" val="1500906618"/>
       </p:ext>
     </p:extLst>
   </p:cSld>
@@ -3923,24 +4618,6 @@
               <a:buNone/>
             </a:pPr>
             <a:endParaRPr lang="fr-FR" dirty="0"/>
-          </a:p>
-          <a:p>
-            <a:r>
-              <a:rPr lang="fr-FR" dirty="0" err="1"/>
-              <a:t>We</a:t>
-            </a:r>
-            <a:r>
-              <a:rPr lang="fr-FR" dirty="0"/>
-              <a:t> chose a more inclusive </a:t>
-            </a:r>
-            <a:r>
-              <a:rPr lang="fr-FR" dirty="0" err="1"/>
-              <a:t>name</a:t>
-            </a:r>
-            <a:r>
-              <a:rPr lang="fr-FR" dirty="0"/>
-              <a:t> </a:t>
-            </a:r>
           </a:p>
           <a:p>
             <a:pPr marL="0" indent="0">
@@ -4866,10 +5543,10 @@
       </p:sp>
       <p:pic>
         <p:nvPicPr>
-          <p:cNvPr id="5" name="Image 4" descr="Une image contenant diagramme&#10;&#10;Description générée automatiquement">
-            <a:extLst>
-              <a:ext uri="{FF2B5EF4-FFF2-40B4-BE49-F238E27FC236}">
-                <a16:creationId xmlns:a16="http://schemas.microsoft.com/office/drawing/2014/main" id="{696B0037-9B96-10B2-C9FD-C085315FD757}"/>
+          <p:cNvPr id="7" name="Image 6" descr="Une image contenant diagramme&#10;&#10;Description générée automatiquement">
+            <a:extLst>
+              <a:ext uri="{FF2B5EF4-FFF2-40B4-BE49-F238E27FC236}">
+                <a16:creationId xmlns:a16="http://schemas.microsoft.com/office/drawing/2014/main" id="{0BB904E9-DD37-8B1D-9F4B-D1F202AC18F3}"/>
               </a:ext>
             </a:extLst>
           </p:cNvPr>
@@ -4886,8 +5563,8 @@
         </p:blipFill>
         <p:spPr>
           <a:xfrm>
-            <a:off x="4654296" y="950966"/>
-            <a:ext cx="7214616" cy="4928636"/>
+            <a:off x="4866240" y="500866"/>
+            <a:ext cx="6570004" cy="5838974"/>
           </a:xfrm>
           <a:prstGeom prst="rect">
             <a:avLst/>
@@ -6389,6 +7066,14 @@
 <file path=ppt/slides/slide8.xml><?xml version="1.0" encoding="utf-8"?>
 <p:sld xmlns:a="http://schemas.openxmlformats.org/drawingml/2006/main" xmlns:r="http://schemas.openxmlformats.org/officeDocument/2006/relationships" xmlns:p="http://schemas.openxmlformats.org/presentationml/2006/main">
   <p:cSld>
+    <p:bg>
+      <p:bgPr>
+        <a:solidFill>
+          <a:schemeClr val="bg1"/>
+        </a:solidFill>
+        <a:effectLst/>
+      </p:bgPr>
+    </p:bg>
     <p:spTree>
       <p:nvGrpSpPr>
         <p:cNvPr id="1" name=""/>
@@ -6403,12 +7088,72 @@
           <a:chExt cx="0" cy="0"/>
         </a:xfrm>
       </p:grpSpPr>
-      <p:sp>
-        <p:nvSpPr>
-          <p:cNvPr id="2" name="Title 1">
-            <a:extLst>
-              <a:ext uri="{FF2B5EF4-FFF2-40B4-BE49-F238E27FC236}">
-                <a16:creationId xmlns:a16="http://schemas.microsoft.com/office/drawing/2014/main" id="{3F83FF9A-FA7A-8545-BDB3-17B66F207D47}"/>
+      <p:sp useBgFill="1">
+        <p:nvSpPr>
+          <p:cNvPr id="19" name="Rectangle 10">
+            <a:extLst>
+              <a:ext uri="{FF2B5EF4-FFF2-40B4-BE49-F238E27FC236}">
+                <a16:creationId xmlns:a16="http://schemas.microsoft.com/office/drawing/2014/main" id="{2B97F24A-32CE-4C1C-A50D-3016B394DCFB}"/>
+              </a:ext>
+              <a:ext uri="{C183D7F6-B498-43B3-948B-1728B52AA6E4}">
+                <adec:decorative xmlns:adec="http://schemas.microsoft.com/office/drawing/2017/decorative" val="1"/>
+              </a:ext>
+            </a:extLst>
+          </p:cNvPr>
+          <p:cNvSpPr>
+            <a:spLocks noGrp="1" noRot="1" noChangeAspect="1" noMove="1" noResize="1" noEditPoints="1" noAdjustHandles="1" noChangeArrowheads="1" noChangeShapeType="1" noTextEdit="1"/>
+          </p:cNvSpPr>
+          <p:nvPr>
+            <p:extLst>
+              <p:ext uri="{386F3935-93C4-4BCD-93E2-E3B085C9AB24}">
+                <p16:designElem xmlns:p16="http://schemas.microsoft.com/office/powerpoint/2015/main" val="1"/>
+              </p:ext>
+            </p:extLst>
+          </p:nvPr>
+        </p:nvSpPr>
+        <p:spPr>
+          <a:xfrm>
+            <a:off x="0" y="0"/>
+            <a:ext cx="12192000" cy="6858000"/>
+          </a:xfrm>
+          <a:prstGeom prst="rect">
+            <a:avLst/>
+          </a:prstGeom>
+          <a:ln>
+            <a:noFill/>
+          </a:ln>
+        </p:spPr>
+        <p:style>
+          <a:lnRef idx="2">
+            <a:schemeClr val="accent1">
+              <a:shade val="50000"/>
+            </a:schemeClr>
+          </a:lnRef>
+          <a:fillRef idx="1">
+            <a:schemeClr val="accent1"/>
+          </a:fillRef>
+          <a:effectRef idx="0">
+            <a:schemeClr val="accent1"/>
+          </a:effectRef>
+          <a:fontRef idx="minor">
+            <a:schemeClr val="lt1"/>
+          </a:fontRef>
+        </p:style>
+        <p:txBody>
+          <a:bodyPr rtlCol="0" anchor="ctr"/>
+          <a:lstStyle/>
+          <a:p>
+            <a:pPr algn="ctr"/>
+            <a:endParaRPr lang="en-US"/>
+          </a:p>
+        </p:txBody>
+      </p:sp>
+      <p:sp>
+        <p:nvSpPr>
+          <p:cNvPr id="2" name="Titre 1">
+            <a:extLst>
+              <a:ext uri="{FF2B5EF4-FFF2-40B4-BE49-F238E27FC236}">
+                <a16:creationId xmlns:a16="http://schemas.microsoft.com/office/drawing/2014/main" id="{93CF8D0D-AADA-9DA5-8D8D-4CABFEFE2D3A}"/>
               </a:ext>
             </a:extLst>
           </p:cNvPr>
@@ -6419,24 +7164,305 @@
             <p:ph type="title"/>
           </p:nvPr>
         </p:nvSpPr>
-        <p:spPr/>
-        <p:txBody>
-          <a:bodyPr/>
-          <a:lstStyle/>
-          <a:p>
-            <a:r>
-              <a:rPr lang="fr-FR" dirty="0"/>
-              <a:t>Challenges</a:t>
-            </a:r>
-          </a:p>
-        </p:txBody>
-      </p:sp>
-      <p:sp>
-        <p:nvSpPr>
-          <p:cNvPr id="3" name="Content Placeholder 2">
-            <a:extLst>
-              <a:ext uri="{FF2B5EF4-FFF2-40B4-BE49-F238E27FC236}">
-                <a16:creationId xmlns:a16="http://schemas.microsoft.com/office/drawing/2014/main" id="{906581BB-FAA7-7944-B936-8CBFB93D9767}"/>
+        <p:spPr>
+          <a:xfrm>
+            <a:off x="630936" y="639520"/>
+            <a:ext cx="3429000" cy="1719072"/>
+          </a:xfrm>
+        </p:spPr>
+        <p:txBody>
+          <a:bodyPr anchor="b">
+            <a:normAutofit/>
+          </a:bodyPr>
+          <a:lstStyle/>
+          <a:p>
+            <a:r>
+              <a:rPr lang="fr-FR" sz="5400" dirty="0" err="1"/>
+              <a:t>Flowchart</a:t>
+            </a:r>
+            <a:endParaRPr lang="fr-FR" sz="5400" dirty="0"/>
+          </a:p>
+        </p:txBody>
+      </p:sp>
+      <p:sp>
+        <p:nvSpPr>
+          <p:cNvPr id="20" name="sketch line">
+            <a:extLst>
+              <a:ext uri="{FF2B5EF4-FFF2-40B4-BE49-F238E27FC236}">
+                <a16:creationId xmlns:a16="http://schemas.microsoft.com/office/drawing/2014/main" id="{CD8B4F24-440B-49E9-B85D-733523DC064B}"/>
+              </a:ext>
+              <a:ext uri="{C183D7F6-B498-43B3-948B-1728B52AA6E4}">
+                <adec:decorative xmlns:adec="http://schemas.microsoft.com/office/drawing/2017/decorative" val="1"/>
+              </a:ext>
+            </a:extLst>
+          </p:cNvPr>
+          <p:cNvSpPr>
+            <a:spLocks noGrp="1" noRot="1" noChangeAspect="1" noMove="1" noResize="1" noEditPoints="1" noAdjustHandles="1" noChangeArrowheads="1" noChangeShapeType="1" noTextEdit="1"/>
+          </p:cNvSpPr>
+          <p:nvPr>
+            <p:extLst>
+              <p:ext uri="{386F3935-93C4-4BCD-93E2-E3B085C9AB24}">
+                <p16:designElem xmlns:p16="http://schemas.microsoft.com/office/powerpoint/2015/main" val="1"/>
+              </p:ext>
+            </p:extLst>
+          </p:nvPr>
+        </p:nvSpPr>
+        <p:spPr>
+          <a:xfrm>
+            <a:off x="643278" y="2573756"/>
+            <a:ext cx="3255095" cy="18288"/>
+          </a:xfrm>
+          <a:custGeom>
+            <a:avLst/>
+            <a:gdLst>
+              <a:gd name="connsiteX0" fmla="*/ 0 w 3255095"/>
+              <a:gd name="connsiteY0" fmla="*/ 0 h 18288"/>
+              <a:gd name="connsiteX1" fmla="*/ 618468 w 3255095"/>
+              <a:gd name="connsiteY1" fmla="*/ 0 h 18288"/>
+              <a:gd name="connsiteX2" fmla="*/ 1269487 w 3255095"/>
+              <a:gd name="connsiteY2" fmla="*/ 0 h 18288"/>
+              <a:gd name="connsiteX3" fmla="*/ 1953057 w 3255095"/>
+              <a:gd name="connsiteY3" fmla="*/ 0 h 18288"/>
+              <a:gd name="connsiteX4" fmla="*/ 2636627 w 3255095"/>
+              <a:gd name="connsiteY4" fmla="*/ 0 h 18288"/>
+              <a:gd name="connsiteX5" fmla="*/ 3255095 w 3255095"/>
+              <a:gd name="connsiteY5" fmla="*/ 0 h 18288"/>
+              <a:gd name="connsiteX6" fmla="*/ 3255095 w 3255095"/>
+              <a:gd name="connsiteY6" fmla="*/ 18288 h 18288"/>
+              <a:gd name="connsiteX7" fmla="*/ 2538974 w 3255095"/>
+              <a:gd name="connsiteY7" fmla="*/ 18288 h 18288"/>
+              <a:gd name="connsiteX8" fmla="*/ 1822853 w 3255095"/>
+              <a:gd name="connsiteY8" fmla="*/ 18288 h 18288"/>
+              <a:gd name="connsiteX9" fmla="*/ 1171834 w 3255095"/>
+              <a:gd name="connsiteY9" fmla="*/ 18288 h 18288"/>
+              <a:gd name="connsiteX10" fmla="*/ 0 w 3255095"/>
+              <a:gd name="connsiteY10" fmla="*/ 18288 h 18288"/>
+              <a:gd name="connsiteX11" fmla="*/ 0 w 3255095"/>
+              <a:gd name="connsiteY11" fmla="*/ 0 h 18288"/>
+            </a:gdLst>
+            <a:ahLst/>
+            <a:cxnLst>
+              <a:cxn ang="0">
+                <a:pos x="connsiteX0" y="connsiteY0"/>
+              </a:cxn>
+              <a:cxn ang="0">
+                <a:pos x="connsiteX1" y="connsiteY1"/>
+              </a:cxn>
+              <a:cxn ang="0">
+                <a:pos x="connsiteX2" y="connsiteY2"/>
+              </a:cxn>
+              <a:cxn ang="0">
+                <a:pos x="connsiteX3" y="connsiteY3"/>
+              </a:cxn>
+              <a:cxn ang="0">
+                <a:pos x="connsiteX4" y="connsiteY4"/>
+              </a:cxn>
+              <a:cxn ang="0">
+                <a:pos x="connsiteX5" y="connsiteY5"/>
+              </a:cxn>
+              <a:cxn ang="0">
+                <a:pos x="connsiteX6" y="connsiteY6"/>
+              </a:cxn>
+              <a:cxn ang="0">
+                <a:pos x="connsiteX7" y="connsiteY7"/>
+              </a:cxn>
+              <a:cxn ang="0">
+                <a:pos x="connsiteX8" y="connsiteY8"/>
+              </a:cxn>
+              <a:cxn ang="0">
+                <a:pos x="connsiteX9" y="connsiteY9"/>
+              </a:cxn>
+              <a:cxn ang="0">
+                <a:pos x="connsiteX10" y="connsiteY10"/>
+              </a:cxn>
+              <a:cxn ang="0">
+                <a:pos x="connsiteX11" y="connsiteY11"/>
+              </a:cxn>
+            </a:cxnLst>
+            <a:rect l="l" t="t" r="r" b="b"/>
+            <a:pathLst>
+              <a:path w="3255095" h="18288" fill="none" extrusionOk="0">
+                <a:moveTo>
+                  <a:pt x="0" y="0"/>
+                </a:moveTo>
+                <a:cubicBezTo>
+                  <a:pt x="240201" y="-22123"/>
+                  <a:pt x="462021" y="-19623"/>
+                  <a:pt x="618468" y="0"/>
+                </a:cubicBezTo>
+                <a:cubicBezTo>
+                  <a:pt x="774915" y="19623"/>
+                  <a:pt x="974734" y="2035"/>
+                  <a:pt x="1269487" y="0"/>
+                </a:cubicBezTo>
+                <a:cubicBezTo>
+                  <a:pt x="1564240" y="-2035"/>
+                  <a:pt x="1733579" y="10639"/>
+                  <a:pt x="1953057" y="0"/>
+                </a:cubicBezTo>
+                <a:cubicBezTo>
+                  <a:pt x="2172535" y="-10639"/>
+                  <a:pt x="2453962" y="14018"/>
+                  <a:pt x="2636627" y="0"/>
+                </a:cubicBezTo>
+                <a:cubicBezTo>
+                  <a:pt x="2819292" y="-14018"/>
+                  <a:pt x="3121375" y="5399"/>
+                  <a:pt x="3255095" y="0"/>
+                </a:cubicBezTo>
+                <a:cubicBezTo>
+                  <a:pt x="3254386" y="8157"/>
+                  <a:pt x="3254682" y="12125"/>
+                  <a:pt x="3255095" y="18288"/>
+                </a:cubicBezTo>
+                <a:cubicBezTo>
+                  <a:pt x="3088545" y="23203"/>
+                  <a:pt x="2687475" y="7419"/>
+                  <a:pt x="2538974" y="18288"/>
+                </a:cubicBezTo>
+                <a:cubicBezTo>
+                  <a:pt x="2390473" y="29157"/>
+                  <a:pt x="2137381" y="-8959"/>
+                  <a:pt x="1822853" y="18288"/>
+                </a:cubicBezTo>
+                <a:cubicBezTo>
+                  <a:pt x="1508325" y="45535"/>
+                  <a:pt x="1466437" y="20385"/>
+                  <a:pt x="1171834" y="18288"/>
+                </a:cubicBezTo>
+                <a:cubicBezTo>
+                  <a:pt x="877231" y="16191"/>
+                  <a:pt x="561097" y="37643"/>
+                  <a:pt x="0" y="18288"/>
+                </a:cubicBezTo>
+                <a:cubicBezTo>
+                  <a:pt x="-46" y="12483"/>
+                  <a:pt x="-203" y="6491"/>
+                  <a:pt x="0" y="0"/>
+                </a:cubicBezTo>
+                <a:close/>
+              </a:path>
+              <a:path w="3255095" h="18288" stroke="0" extrusionOk="0">
+                <a:moveTo>
+                  <a:pt x="0" y="0"/>
+                </a:moveTo>
+                <a:cubicBezTo>
+                  <a:pt x="291965" y="19429"/>
+                  <a:pt x="363155" y="8568"/>
+                  <a:pt x="618468" y="0"/>
+                </a:cubicBezTo>
+                <a:cubicBezTo>
+                  <a:pt x="873781" y="-8568"/>
+                  <a:pt x="904459" y="-19505"/>
+                  <a:pt x="1171834" y="0"/>
+                </a:cubicBezTo>
+                <a:cubicBezTo>
+                  <a:pt x="1439209" y="19505"/>
+                  <a:pt x="1744369" y="9790"/>
+                  <a:pt x="1887955" y="0"/>
+                </a:cubicBezTo>
+                <a:cubicBezTo>
+                  <a:pt x="2031541" y="-9790"/>
+                  <a:pt x="2346378" y="21240"/>
+                  <a:pt x="2506423" y="0"/>
+                </a:cubicBezTo>
+                <a:cubicBezTo>
+                  <a:pt x="2666468" y="-21240"/>
+                  <a:pt x="2990257" y="30414"/>
+                  <a:pt x="3255095" y="0"/>
+                </a:cubicBezTo>
+                <a:cubicBezTo>
+                  <a:pt x="3254831" y="4493"/>
+                  <a:pt x="3255479" y="9472"/>
+                  <a:pt x="3255095" y="18288"/>
+                </a:cubicBezTo>
+                <a:cubicBezTo>
+                  <a:pt x="3120743" y="16690"/>
+                  <a:pt x="2759628" y="42462"/>
+                  <a:pt x="2604076" y="18288"/>
+                </a:cubicBezTo>
+                <a:cubicBezTo>
+                  <a:pt x="2448524" y="-5886"/>
+                  <a:pt x="2184336" y="19599"/>
+                  <a:pt x="1887955" y="18288"/>
+                </a:cubicBezTo>
+                <a:cubicBezTo>
+                  <a:pt x="1591574" y="16977"/>
+                  <a:pt x="1548845" y="6870"/>
+                  <a:pt x="1334589" y="18288"/>
+                </a:cubicBezTo>
+                <a:cubicBezTo>
+                  <a:pt x="1120333" y="29706"/>
+                  <a:pt x="996014" y="9662"/>
+                  <a:pt x="683570" y="18288"/>
+                </a:cubicBezTo>
+                <a:cubicBezTo>
+                  <a:pt x="371126" y="26914"/>
+                  <a:pt x="198687" y="16167"/>
+                  <a:pt x="0" y="18288"/>
+                </a:cubicBezTo>
+                <a:cubicBezTo>
+                  <a:pt x="843" y="9577"/>
+                  <a:pt x="371" y="6900"/>
+                  <a:pt x="0" y="0"/>
+                </a:cubicBezTo>
+                <a:close/>
+              </a:path>
+            </a:pathLst>
+          </a:custGeom>
+          <a:solidFill>
+            <a:schemeClr val="accent2"/>
+          </a:solidFill>
+          <a:ln w="38100" cap="rnd">
+            <a:solidFill>
+              <a:schemeClr val="accent2"/>
+            </a:solidFill>
+            <a:round/>
+            <a:extLst>
+              <a:ext uri="{C807C97D-BFC1-408E-A445-0C87EB9F89A2}">
+                <ask:lineSketchStyleProps xmlns:ask="http://schemas.microsoft.com/office/drawing/2018/sketchyshapes" sd="1219033472">
+                  <a:prstGeom prst="rect">
+                    <a:avLst/>
+                  </a:prstGeom>
+                  <ask:type>
+                    <ask:lineSketchFreehand/>
+                  </ask:type>
+                </ask:lineSketchStyleProps>
+              </a:ext>
+            </a:extLst>
+          </a:ln>
+        </p:spPr>
+        <p:style>
+          <a:lnRef idx="2">
+            <a:schemeClr val="accent1">
+              <a:shade val="50000"/>
+            </a:schemeClr>
+          </a:lnRef>
+          <a:fillRef idx="1">
+            <a:schemeClr val="accent1"/>
+          </a:fillRef>
+          <a:effectRef idx="0">
+            <a:schemeClr val="accent1"/>
+          </a:effectRef>
+          <a:fontRef idx="minor">
+            <a:schemeClr val="lt1"/>
+          </a:fontRef>
+        </p:style>
+        <p:txBody>
+          <a:bodyPr rtlCol="0" anchor="ctr"/>
+          <a:lstStyle/>
+          <a:p>
+            <a:pPr algn="ctr"/>
+            <a:endParaRPr lang="en-US"/>
+          </a:p>
+        </p:txBody>
+      </p:sp>
+      <p:sp>
+        <p:nvSpPr>
+          <p:cNvPr id="8" name="Content Placeholder 7">
+            <a:extLst>
+              <a:ext uri="{FF2B5EF4-FFF2-40B4-BE49-F238E27FC236}">
+                <a16:creationId xmlns:a16="http://schemas.microsoft.com/office/drawing/2014/main" id="{C3696E1F-BE96-650D-D00D-1C39CF3853F2}"/>
               </a:ext>
             </a:extLst>
           </p:cNvPr>
@@ -6447,389 +7473,56 @@
             <p:ph idx="1"/>
           </p:nvPr>
         </p:nvSpPr>
-        <p:spPr/>
-        <p:txBody>
-          <a:bodyPr/>
-          <a:lstStyle/>
-          <a:p>
-            <a:r>
-              <a:rPr lang="fr-FR" dirty="0" err="1"/>
-              <a:t>Different</a:t>
-            </a:r>
-            <a:r>
-              <a:rPr lang="fr-FR" dirty="0"/>
-              <a:t> software and </a:t>
-            </a:r>
-            <a:r>
-              <a:rPr lang="fr-FR" dirty="0" err="1"/>
-              <a:t>levels</a:t>
-            </a:r>
-            <a:r>
-              <a:rPr lang="fr-FR" dirty="0"/>
-              <a:t> of </a:t>
-            </a:r>
-            <a:r>
-              <a:rPr lang="fr-FR" dirty="0" err="1"/>
-              <a:t>understanding</a:t>
-            </a:r>
-            <a:r>
-              <a:rPr lang="fr-FR" dirty="0"/>
-              <a:t> of git</a:t>
-            </a:r>
-          </a:p>
-          <a:p>
-            <a:r>
-              <a:rPr lang="fr-FR" dirty="0"/>
-              <a:t>New issues </a:t>
-            </a:r>
-            <a:r>
-              <a:rPr lang="fr-FR" dirty="0" err="1"/>
-              <a:t>found</a:t>
-            </a:r>
-            <a:r>
-              <a:rPr lang="fr-FR" dirty="0"/>
-              <a:t> </a:t>
-            </a:r>
-            <a:r>
-              <a:rPr lang="fr-FR" dirty="0" err="1"/>
-              <a:t>while</a:t>
-            </a:r>
-            <a:r>
-              <a:rPr lang="fr-FR" dirty="0"/>
-              <a:t> </a:t>
-            </a:r>
-            <a:r>
-              <a:rPr lang="fr-FR" dirty="0" err="1"/>
-              <a:t>coding</a:t>
-            </a:r>
-            <a:r>
-              <a:rPr lang="fr-FR" dirty="0"/>
-              <a:t> (</a:t>
-            </a:r>
-            <a:r>
-              <a:rPr lang="fr-FR" dirty="0" err="1"/>
-              <a:t>that</a:t>
-            </a:r>
-            <a:r>
-              <a:rPr lang="fr-FR" dirty="0"/>
-              <a:t> </a:t>
-            </a:r>
-            <a:r>
-              <a:rPr lang="fr-FR" dirty="0" err="1"/>
-              <a:t>we</a:t>
-            </a:r>
-            <a:r>
-              <a:rPr lang="fr-FR" dirty="0"/>
-              <a:t> </a:t>
-            </a:r>
-            <a:r>
-              <a:rPr lang="fr-FR" dirty="0" err="1"/>
-              <a:t>didn’t</a:t>
-            </a:r>
-            <a:r>
-              <a:rPr lang="fr-FR" dirty="0"/>
-              <a:t> </a:t>
-            </a:r>
-            <a:r>
-              <a:rPr lang="fr-FR" dirty="0" err="1"/>
-              <a:t>identify</a:t>
-            </a:r>
-            <a:r>
-              <a:rPr lang="fr-FR" dirty="0"/>
-              <a:t> in the pseudocode) </a:t>
-            </a:r>
-          </a:p>
-          <a:p>
-            <a:pPr lvl="1"/>
-            <a:r>
-              <a:rPr lang="fr-FR" dirty="0" err="1"/>
-              <a:t>We</a:t>
-            </a:r>
-            <a:r>
-              <a:rPr lang="fr-FR" dirty="0"/>
-              <a:t> </a:t>
-            </a:r>
-            <a:r>
-              <a:rPr lang="fr-FR" dirty="0" err="1"/>
-              <a:t>hadn’t</a:t>
-            </a:r>
-            <a:r>
-              <a:rPr lang="fr-FR" dirty="0"/>
-              <a:t> </a:t>
-            </a:r>
-            <a:r>
-              <a:rPr lang="fr-FR" dirty="0" err="1"/>
-              <a:t>planned</a:t>
-            </a:r>
-            <a:r>
-              <a:rPr lang="fr-FR" dirty="0"/>
-              <a:t> the </a:t>
-            </a:r>
-            <a:r>
-              <a:rPr lang="fr-FR" dirty="0" err="1"/>
-              <a:t>while</a:t>
-            </a:r>
-            <a:r>
-              <a:rPr lang="fr-FR" dirty="0"/>
-              <a:t> </a:t>
-            </a:r>
-            <a:r>
-              <a:rPr lang="fr-FR" dirty="0" err="1"/>
-              <a:t>loop</a:t>
-            </a:r>
-            <a:r>
-              <a:rPr lang="fr-FR" dirty="0"/>
-              <a:t> </a:t>
-            </a:r>
-            <a:r>
-              <a:rPr lang="fr-FR" dirty="0" err="1"/>
-              <a:t>which</a:t>
-            </a:r>
-            <a:r>
-              <a:rPr lang="fr-FR" dirty="0"/>
-              <a:t> </a:t>
-            </a:r>
-            <a:r>
-              <a:rPr lang="fr-FR" dirty="0" err="1"/>
-              <a:t>was</a:t>
-            </a:r>
-            <a:r>
-              <a:rPr lang="fr-FR" dirty="0"/>
-              <a:t> </a:t>
-            </a:r>
-            <a:r>
-              <a:rPr lang="fr-FR" dirty="0" err="1"/>
-              <a:t>necessary</a:t>
-            </a:r>
-            <a:r>
-              <a:rPr lang="fr-FR" dirty="0"/>
-              <a:t> to </a:t>
-            </a:r>
-            <a:r>
-              <a:rPr lang="fr-FR" dirty="0" err="1"/>
-              <a:t>keep</a:t>
-            </a:r>
-            <a:r>
-              <a:rPr lang="fr-FR" dirty="0"/>
-              <a:t> </a:t>
-            </a:r>
-            <a:r>
-              <a:rPr lang="fr-FR" dirty="0" err="1"/>
-              <a:t>asking</a:t>
-            </a:r>
-            <a:r>
-              <a:rPr lang="fr-FR" dirty="0"/>
-              <a:t> for a </a:t>
-            </a:r>
-            <a:r>
-              <a:rPr lang="fr-FR" dirty="0" err="1"/>
-              <a:t>letter</a:t>
-            </a:r>
-            <a:r>
-              <a:rPr lang="fr-FR" dirty="0"/>
-              <a:t> </a:t>
-            </a:r>
-            <a:r>
-              <a:rPr lang="fr-FR" dirty="0" err="1"/>
-              <a:t>until</a:t>
-            </a:r>
-            <a:r>
-              <a:rPr lang="fr-FR" dirty="0"/>
-              <a:t> the </a:t>
-            </a:r>
-            <a:r>
-              <a:rPr lang="fr-FR" dirty="0" err="1"/>
-              <a:t>game</a:t>
-            </a:r>
-            <a:r>
-              <a:rPr lang="fr-FR" dirty="0"/>
-              <a:t> </a:t>
-            </a:r>
-            <a:r>
-              <a:rPr lang="fr-FR" dirty="0" err="1"/>
-              <a:t>had</a:t>
-            </a:r>
-            <a:r>
-              <a:rPr lang="fr-FR" dirty="0"/>
-              <a:t> </a:t>
-            </a:r>
-            <a:r>
-              <a:rPr lang="fr-FR" dirty="0" err="1"/>
-              <a:t>ended</a:t>
-            </a:r>
-            <a:r>
-              <a:rPr lang="fr-FR" dirty="0"/>
-              <a:t> </a:t>
-            </a:r>
-          </a:p>
-          <a:p>
-            <a:pPr lvl="1"/>
-            <a:r>
-              <a:rPr lang="fr-FR" dirty="0" err="1"/>
-              <a:t>We</a:t>
-            </a:r>
-            <a:r>
-              <a:rPr lang="fr-FR" dirty="0"/>
-              <a:t> </a:t>
-            </a:r>
-            <a:r>
-              <a:rPr lang="fr-FR" dirty="0" err="1"/>
-              <a:t>had</a:t>
-            </a:r>
-            <a:r>
-              <a:rPr lang="fr-FR" dirty="0"/>
-              <a:t> issues </a:t>
-            </a:r>
-            <a:r>
-              <a:rPr lang="fr-FR" dirty="0" err="1"/>
-              <a:t>with</a:t>
-            </a:r>
-            <a:r>
-              <a:rPr lang="fr-FR" dirty="0"/>
-              <a:t> the </a:t>
-            </a:r>
-            <a:r>
-              <a:rPr lang="fr-FR" dirty="0" err="1"/>
-              <a:t>naming</a:t>
-            </a:r>
-            <a:r>
-              <a:rPr lang="fr-FR" dirty="0"/>
-              <a:t> of the variable </a:t>
-            </a:r>
-            <a:r>
-              <a:rPr lang="fr-FR" dirty="0" err="1"/>
-              <a:t>used</a:t>
-            </a:r>
-            <a:r>
-              <a:rPr lang="fr-FR" dirty="0"/>
-              <a:t> to update the </a:t>
-            </a:r>
-            <a:r>
-              <a:rPr lang="fr-FR" dirty="0" err="1"/>
-              <a:t>letters</a:t>
-            </a:r>
-            <a:r>
-              <a:rPr lang="fr-FR" dirty="0"/>
-              <a:t> </a:t>
-            </a:r>
-            <a:r>
-              <a:rPr lang="fr-FR" dirty="0" err="1"/>
-              <a:t>found</a:t>
-            </a:r>
-            <a:r>
-              <a:rPr lang="fr-FR" dirty="0"/>
-              <a:t> and display </a:t>
-            </a:r>
-            <a:r>
-              <a:rPr lang="fr-FR" dirty="0" err="1"/>
-              <a:t>them</a:t>
-            </a:r>
-            <a:r>
-              <a:rPr lang="fr-FR" dirty="0"/>
-              <a:t> : </a:t>
-            </a:r>
-            <a:r>
-              <a:rPr lang="fr-FR" dirty="0" err="1"/>
-              <a:t>it</a:t>
-            </a:r>
-            <a:r>
-              <a:rPr lang="fr-FR" dirty="0"/>
-              <a:t> </a:t>
-            </a:r>
-            <a:r>
-              <a:rPr lang="fr-FR" dirty="0" err="1"/>
-              <a:t>required</a:t>
-            </a:r>
-            <a:r>
-              <a:rPr lang="fr-FR" dirty="0"/>
-              <a:t> </a:t>
-            </a:r>
-            <a:r>
-              <a:rPr lang="fr-FR" dirty="0" err="1"/>
-              <a:t>keeping</a:t>
-            </a:r>
-            <a:r>
-              <a:rPr lang="fr-FR" dirty="0"/>
-              <a:t> the </a:t>
-            </a:r>
-            <a:r>
-              <a:rPr lang="fr-FR" dirty="0" err="1"/>
-              <a:t>same</a:t>
-            </a:r>
-            <a:r>
-              <a:rPr lang="fr-FR" dirty="0"/>
-              <a:t> </a:t>
-            </a:r>
-            <a:r>
-              <a:rPr lang="fr-FR" dirty="0" err="1"/>
-              <a:t>name</a:t>
-            </a:r>
-            <a:r>
-              <a:rPr lang="fr-FR" dirty="0"/>
-              <a:t> but </a:t>
-            </a:r>
-            <a:r>
-              <a:rPr lang="fr-FR" dirty="0" err="1"/>
-              <a:t>converting</a:t>
-            </a:r>
-            <a:r>
-              <a:rPr lang="fr-FR" dirty="0"/>
-              <a:t> </a:t>
-            </a:r>
-            <a:r>
-              <a:rPr lang="fr-FR" dirty="0" err="1"/>
-              <a:t>from</a:t>
-            </a:r>
-            <a:r>
-              <a:rPr lang="fr-FR" dirty="0"/>
-              <a:t> string to </a:t>
-            </a:r>
-            <a:r>
-              <a:rPr lang="fr-FR" dirty="0" err="1"/>
-              <a:t>list</a:t>
-            </a:r>
-            <a:r>
-              <a:rPr lang="fr-FR" dirty="0"/>
-              <a:t> and back) </a:t>
-            </a:r>
-          </a:p>
-          <a:p>
-            <a:pPr lvl="1"/>
-            <a:r>
-              <a:rPr lang="fr-FR" dirty="0"/>
-              <a:t>Don’t go to the sushi place (not </a:t>
-            </a:r>
-            <a:r>
-              <a:rPr lang="fr-FR" dirty="0" err="1"/>
-              <a:t>too</a:t>
-            </a:r>
-            <a:r>
-              <a:rPr lang="fr-FR" dirty="0"/>
-              <a:t> </a:t>
-            </a:r>
-            <a:r>
-              <a:rPr lang="fr-FR" dirty="0" err="1"/>
-              <a:t>expensive</a:t>
-            </a:r>
-            <a:r>
-              <a:rPr lang="fr-FR" dirty="0"/>
-              <a:t> but </a:t>
-            </a:r>
-            <a:r>
-              <a:rPr lang="fr-FR" dirty="0" err="1"/>
-              <a:t>fish</a:t>
-            </a:r>
-            <a:r>
-              <a:rPr lang="fr-FR" dirty="0"/>
-              <a:t> not good) </a:t>
-            </a:r>
-          </a:p>
-        </p:txBody>
-      </p:sp>
+        <p:spPr>
+          <a:xfrm>
+            <a:off x="630936" y="2807208"/>
+            <a:ext cx="3429000" cy="3410712"/>
+          </a:xfrm>
+        </p:spPr>
+        <p:txBody>
+          <a:bodyPr anchor="t">
+            <a:normAutofit/>
+          </a:bodyPr>
+          <a:lstStyle/>
+          <a:p>
+            <a:endParaRPr lang="en-US" sz="2200"/>
+          </a:p>
+        </p:txBody>
+      </p:sp>
+      <p:pic>
+        <p:nvPicPr>
+          <p:cNvPr id="4" name="Espace réservé du contenu 3" descr="Une image contenant diagramme&#10;&#10;Description générée automatiquement">
+            <a:extLst>
+              <a:ext uri="{FF2B5EF4-FFF2-40B4-BE49-F238E27FC236}">
+                <a16:creationId xmlns:a16="http://schemas.microsoft.com/office/drawing/2014/main" id="{38F17C85-49E2-DAE1-C63B-8E12094699E6}"/>
+              </a:ext>
+            </a:extLst>
+          </p:cNvPr>
+          <p:cNvPicPr>
+            <a:picLocks noChangeAspect="1"/>
+          </p:cNvPicPr>
+          <p:nvPr/>
+        </p:nvPicPr>
+        <p:blipFill>
+          <a:blip r:embed="rId2"/>
+          <a:stretch>
+            <a:fillRect/>
+          </a:stretch>
+        </p:blipFill>
+        <p:spPr>
+          <a:xfrm>
+            <a:off x="4963711" y="640080"/>
+            <a:ext cx="6284890" cy="5577840"/>
+          </a:xfrm>
+          <a:prstGeom prst="rect">
+            <a:avLst/>
+          </a:prstGeom>
+        </p:spPr>
+      </p:pic>
     </p:spTree>
     <p:extLst>
       <p:ext uri="{BB962C8B-B14F-4D97-AF65-F5344CB8AC3E}">
-        <p14:creationId xmlns:p14="http://schemas.microsoft.com/office/powerpoint/2010/main" val="1454727633"/>
+        <p14:creationId xmlns:p14="http://schemas.microsoft.com/office/powerpoint/2010/main" val="1329050662"/>
       </p:ext>
     </p:extLst>
   </p:cSld>
@@ -6858,10 +7551,10 @@
       </p:grpSpPr>
       <p:sp>
         <p:nvSpPr>
-          <p:cNvPr id="2" name="Title 1">
-            <a:extLst>
-              <a:ext uri="{FF2B5EF4-FFF2-40B4-BE49-F238E27FC236}">
-                <a16:creationId xmlns:a16="http://schemas.microsoft.com/office/drawing/2014/main" id="{80E2BAD0-FEAA-A743-B478-CC037D79703C}"/>
+          <p:cNvPr id="2" name="Titre 1">
+            <a:extLst>
+              <a:ext uri="{FF2B5EF4-FFF2-40B4-BE49-F238E27FC236}">
+                <a16:creationId xmlns:a16="http://schemas.microsoft.com/office/drawing/2014/main" id="{E51EFC13-2162-5C82-F589-5A09D6F13B09}"/>
               </a:ext>
             </a:extLst>
           </p:cNvPr>
@@ -6870,214 +7563,35 @@
           </p:cNvSpPr>
           <p:nvPr>
             <p:ph type="title"/>
-          </p:nvPr>
-        </p:nvSpPr>
-        <p:spPr/>
-        <p:txBody>
-          <a:bodyPr/>
-          <a:lstStyle/>
-          <a:p>
-            <a:r>
-              <a:rPr lang="fr-FR" dirty="0" err="1"/>
-              <a:t>Highlights</a:t>
-            </a:r>
-            <a:endParaRPr lang="fr-FR" dirty="0"/>
-          </a:p>
-        </p:txBody>
-      </p:sp>
-      <p:sp>
-        <p:nvSpPr>
-          <p:cNvPr id="3" name="Content Placeholder 2">
-            <a:extLst>
-              <a:ext uri="{FF2B5EF4-FFF2-40B4-BE49-F238E27FC236}">
-                <a16:creationId xmlns:a16="http://schemas.microsoft.com/office/drawing/2014/main" id="{4304C057-BFE2-5F4E-B4B6-02913FCA7720}"/>
-              </a:ext>
-            </a:extLst>
-          </p:cNvPr>
-          <p:cNvSpPr>
-            <a:spLocks noGrp="1"/>
-          </p:cNvSpPr>
-          <p:nvPr>
-            <p:ph idx="1"/>
           </p:nvPr>
         </p:nvSpPr>
         <p:spPr>
           <a:xfrm>
-            <a:off x="838200" y="1573841"/>
-            <a:ext cx="10515600" cy="4351338"/>
+            <a:off x="838200" y="2458969"/>
+            <a:ext cx="10515600" cy="1325563"/>
           </a:xfrm>
         </p:spPr>
         <p:txBody>
-          <a:bodyPr/>
-          <a:lstStyle/>
-          <a:p>
-            <a:r>
-              <a:rPr lang="fr-FR" dirty="0"/>
-              <a:t>A </a:t>
-            </a:r>
-            <a:r>
-              <a:rPr lang="fr-FR" dirty="0" err="1"/>
-              <a:t>function</a:t>
-            </a:r>
-            <a:r>
-              <a:rPr lang="fr-FR" dirty="0"/>
-              <a:t> to </a:t>
-            </a:r>
-            <a:r>
-              <a:rPr lang="fr-FR" dirty="0" err="1"/>
-              <a:t>automatically</a:t>
-            </a:r>
-            <a:r>
-              <a:rPr lang="fr-FR" dirty="0"/>
-              <a:t> update the </a:t>
-            </a:r>
-            <a:r>
-              <a:rPr lang="fr-FR" dirty="0" err="1"/>
-              <a:t>word</a:t>
-            </a:r>
-            <a:r>
-              <a:rPr lang="fr-FR" dirty="0"/>
-              <a:t> </a:t>
-            </a:r>
-            <a:r>
-              <a:rPr lang="fr-FR" dirty="0" err="1"/>
-              <a:t>with</a:t>
-            </a:r>
-            <a:r>
-              <a:rPr lang="fr-FR" dirty="0"/>
-              <a:t> </a:t>
-            </a:r>
-            <a:r>
-              <a:rPr lang="fr-FR" dirty="0" err="1"/>
-              <a:t>found</a:t>
-            </a:r>
-            <a:r>
-              <a:rPr lang="fr-FR" dirty="0"/>
-              <a:t> </a:t>
-            </a:r>
-            <a:r>
-              <a:rPr lang="fr-FR" dirty="0" err="1"/>
-              <a:t>letters</a:t>
-            </a:r>
-            <a:r>
-              <a:rPr lang="fr-FR" dirty="0"/>
-              <a:t> </a:t>
-            </a:r>
-          </a:p>
-          <a:p>
-            <a:endParaRPr lang="fr-FR" dirty="0"/>
-          </a:p>
-          <a:p>
-            <a:endParaRPr lang="fr-FR" dirty="0"/>
-          </a:p>
-          <a:p>
-            <a:endParaRPr lang="fr-FR" dirty="0"/>
-          </a:p>
-          <a:p>
-            <a:endParaRPr lang="fr-FR" dirty="0"/>
-          </a:p>
-          <a:p>
-            <a:endParaRPr lang="fr-FR" dirty="0"/>
-          </a:p>
-          <a:p>
-            <a:r>
-              <a:rPr lang="fr-FR" dirty="0"/>
-              <a:t>A regex to </a:t>
-            </a:r>
-            <a:r>
-              <a:rPr lang="fr-FR" dirty="0" err="1"/>
-              <a:t>identify</a:t>
-            </a:r>
-            <a:r>
-              <a:rPr lang="fr-FR" dirty="0"/>
-              <a:t> if the input </a:t>
-            </a:r>
-            <a:r>
-              <a:rPr lang="fr-FR" dirty="0" err="1"/>
-              <a:t>is</a:t>
-            </a:r>
-            <a:r>
-              <a:rPr lang="fr-FR" dirty="0"/>
-              <a:t> a </a:t>
-            </a:r>
-            <a:r>
-              <a:rPr lang="fr-FR" dirty="0" err="1"/>
-              <a:t>letter</a:t>
-            </a:r>
-            <a:endParaRPr lang="fr-FR" dirty="0"/>
-          </a:p>
-          <a:p>
-            <a:pPr marL="0" indent="0">
-              <a:buNone/>
-            </a:pPr>
-            <a:endParaRPr lang="fr-FR" dirty="0"/>
-          </a:p>
-        </p:txBody>
-      </p:sp>
-      <p:pic>
-        <p:nvPicPr>
-          <p:cNvPr id="9" name="Image 8" descr="Une image contenant texte&#10;&#10;Description générée automatiquement">
-            <a:extLst>
-              <a:ext uri="{FF2B5EF4-FFF2-40B4-BE49-F238E27FC236}">
-                <a16:creationId xmlns:a16="http://schemas.microsoft.com/office/drawing/2014/main" id="{52A36869-7500-88AE-F6FC-B8809396B1F5}"/>
-              </a:ext>
-            </a:extLst>
-          </p:cNvPr>
-          <p:cNvPicPr>
-            <a:picLocks noChangeAspect="1"/>
-          </p:cNvPicPr>
-          <p:nvPr/>
-        </p:nvPicPr>
-        <p:blipFill>
-          <a:blip r:embed="rId2"/>
-          <a:stretch>
-            <a:fillRect/>
-          </a:stretch>
-        </p:blipFill>
-        <p:spPr>
-          <a:xfrm>
-            <a:off x="1146987" y="2190307"/>
-            <a:ext cx="7232152" cy="2322735"/>
-          </a:xfrm>
-          <a:prstGeom prst="rect">
-            <a:avLst/>
-          </a:prstGeom>
-        </p:spPr>
-      </p:pic>
-      <p:pic>
-        <p:nvPicPr>
-          <p:cNvPr id="11" name="Image 10">
-            <a:extLst>
-              <a:ext uri="{FF2B5EF4-FFF2-40B4-BE49-F238E27FC236}">
-                <a16:creationId xmlns:a16="http://schemas.microsoft.com/office/drawing/2014/main" id="{9D91D3FD-973B-0793-30DD-7DBD3E0FF7FC}"/>
-              </a:ext>
-            </a:extLst>
-          </p:cNvPr>
-          <p:cNvPicPr>
-            <a:picLocks noChangeAspect="1"/>
-          </p:cNvPicPr>
-          <p:nvPr/>
-        </p:nvPicPr>
-        <p:blipFill>
-          <a:blip r:embed="rId3"/>
-          <a:stretch>
-            <a:fillRect/>
-          </a:stretch>
-        </p:blipFill>
-        <p:spPr>
-          <a:xfrm>
-            <a:off x="1146987" y="5155130"/>
-            <a:ext cx="9466575" cy="737929"/>
-          </a:xfrm>
-          <a:prstGeom prst="rect">
-            <a:avLst/>
-          </a:prstGeom>
-        </p:spPr>
-      </p:pic>
+          <a:bodyPr>
+            <a:normAutofit/>
+          </a:bodyPr>
+          <a:lstStyle/>
+          <a:p>
+            <a:pPr algn="ctr"/>
+            <a:r>
+              <a:rPr lang="fr-FR" sz="5400" dirty="0">
+                <a:hlinkClick r:id="rId2"/>
+              </a:rPr>
+              <a:t>Pseudocode</a:t>
+            </a:r>
+            <a:endParaRPr lang="fr-FR" sz="5400" dirty="0"/>
+          </a:p>
+        </p:txBody>
+      </p:sp>
     </p:spTree>
     <p:extLst>
       <p:ext uri="{BB962C8B-B14F-4D97-AF65-F5344CB8AC3E}">
-        <p14:creationId xmlns:p14="http://schemas.microsoft.com/office/powerpoint/2010/main" val="1500906618"/>
+        <p14:creationId xmlns:p14="http://schemas.microsoft.com/office/powerpoint/2010/main" val="2861952551"/>
       </p:ext>
     </p:extLst>
   </p:cSld>
